--- a/Lecture slides/NYT C05 - Case Study Research.pptx
+++ b/Lecture slides/NYT C05 - Case Study Research.pptx
@@ -52,6 +52,7 @@
     <p:sldId id="297" r:id="rId48"/>
     <p:sldId id="298" r:id="rId49"/>
     <p:sldId id="299" r:id="rId50"/>
+    <p:sldId id="300" r:id="rId51"/>
   </p:sldIdLst>
   <p:sldSz cy="5143500" cx="9144000"/>
   <p:notesSz cx="6858000" cy="9144000"/>
@@ -734,7 +735,7 @@
   <p:cSld>
     <p:spTree>
       <p:nvGrpSpPr>
-        <p:cNvPr id="32" name="Shape 32"/>
+        <p:cNvPr id="33" name="Shape 33"/>
         <p:cNvGrpSpPr/>
         <p:nvPr/>
       </p:nvGrpSpPr>
@@ -748,7 +749,7 @@
       </p:grpSpPr>
       <p:sp>
         <p:nvSpPr>
-          <p:cNvPr id="33" name="Google Shape;33;g2c37050ba01_0_32:notes"/>
+          <p:cNvPr id="34" name="Google Shape;34;g2c37050ba01_0_32:notes"/>
           <p:cNvSpPr/>
           <p:nvPr>
             <p:ph idx="2" type="sldImg"/>
@@ -783,7 +784,7 @@
       </p:sp>
       <p:sp>
         <p:nvSpPr>
-          <p:cNvPr id="34" name="Google Shape;34;g2c37050ba01_0_32:notes"/>
+          <p:cNvPr id="35" name="Google Shape;35;g2c37050ba01_0_32:notes"/>
           <p:cNvSpPr txBox="1"/>
           <p:nvPr>
             <p:ph idx="1" type="body"/>
@@ -833,7 +834,7 @@
   <p:cSld>
     <p:spTree>
       <p:nvGrpSpPr>
-        <p:cNvPr id="93" name="Shape 93"/>
+        <p:cNvPr id="94" name="Shape 94"/>
         <p:cNvGrpSpPr/>
         <p:nvPr/>
       </p:nvGrpSpPr>
@@ -847,7 +848,7 @@
       </p:grpSpPr>
       <p:sp>
         <p:nvSpPr>
-          <p:cNvPr id="94" name="Google Shape;94;g2c7bc9dfd45_0_0:notes"/>
+          <p:cNvPr id="95" name="Google Shape;95;g2c7bc9dfd45_0_0:notes"/>
           <p:cNvSpPr/>
           <p:nvPr>
             <p:ph idx="2" type="sldImg"/>
@@ -882,7 +883,7 @@
       </p:sp>
       <p:sp>
         <p:nvSpPr>
-          <p:cNvPr id="95" name="Google Shape;95;g2c7bc9dfd45_0_0:notes"/>
+          <p:cNvPr id="96" name="Google Shape;96;g2c7bc9dfd45_0_0:notes"/>
           <p:cNvSpPr txBox="1"/>
           <p:nvPr>
             <p:ph idx="1" type="body"/>
@@ -932,7 +933,7 @@
   <p:cSld>
     <p:spTree>
       <p:nvGrpSpPr>
-        <p:cNvPr id="100" name="Shape 100"/>
+        <p:cNvPr id="101" name="Shape 101"/>
         <p:cNvGrpSpPr/>
         <p:nvPr/>
       </p:nvGrpSpPr>
@@ -946,7 +947,7 @@
       </p:grpSpPr>
       <p:sp>
         <p:nvSpPr>
-          <p:cNvPr id="101" name="Google Shape;101;g2177d6b95ab_0_101:notes"/>
+          <p:cNvPr id="102" name="Google Shape;102;g2177d6b95ab_0_101:notes"/>
           <p:cNvSpPr/>
           <p:nvPr>
             <p:ph idx="2" type="sldImg"/>
@@ -981,7 +982,7 @@
       </p:sp>
       <p:sp>
         <p:nvSpPr>
-          <p:cNvPr id="102" name="Google Shape;102;g2177d6b95ab_0_101:notes"/>
+          <p:cNvPr id="103" name="Google Shape;103;g2177d6b95ab_0_101:notes"/>
           <p:cNvSpPr txBox="1"/>
           <p:nvPr>
             <p:ph idx="1" type="body"/>
@@ -1031,7 +1032,7 @@
   <p:cSld>
     <p:spTree>
       <p:nvGrpSpPr>
-        <p:cNvPr id="105" name="Shape 105"/>
+        <p:cNvPr id="106" name="Shape 106"/>
         <p:cNvGrpSpPr/>
         <p:nvPr/>
       </p:nvGrpSpPr>
@@ -1045,7 +1046,7 @@
       </p:grpSpPr>
       <p:sp>
         <p:nvSpPr>
-          <p:cNvPr id="106" name="Google Shape;106;g2177d6b95ab_0_93:notes"/>
+          <p:cNvPr id="107" name="Google Shape;107;g2177d6b95ab_0_93:notes"/>
           <p:cNvSpPr/>
           <p:nvPr>
             <p:ph idx="2" type="sldImg"/>
@@ -1080,7 +1081,7 @@
       </p:sp>
       <p:sp>
         <p:nvSpPr>
-          <p:cNvPr id="107" name="Google Shape;107;g2177d6b95ab_0_93:notes"/>
+          <p:cNvPr id="108" name="Google Shape;108;g2177d6b95ab_0_93:notes"/>
           <p:cNvSpPr txBox="1"/>
           <p:nvPr>
             <p:ph idx="1" type="body"/>
@@ -1130,7 +1131,7 @@
   <p:cSld>
     <p:spTree>
       <p:nvGrpSpPr>
-        <p:cNvPr id="112" name="Shape 112"/>
+        <p:cNvPr id="113" name="Shape 113"/>
         <p:cNvGrpSpPr/>
         <p:nvPr/>
       </p:nvGrpSpPr>
@@ -1144,7 +1145,7 @@
       </p:grpSpPr>
       <p:sp>
         <p:nvSpPr>
-          <p:cNvPr id="113" name="Google Shape;113;g2c79edfec76_13_97:notes"/>
+          <p:cNvPr id="114" name="Google Shape;114;g2c79edfec76_13_97:notes"/>
           <p:cNvSpPr/>
           <p:nvPr>
             <p:ph idx="2" type="sldImg"/>
@@ -1179,7 +1180,7 @@
       </p:sp>
       <p:sp>
         <p:nvSpPr>
-          <p:cNvPr id="114" name="Google Shape;114;g2c79edfec76_13_97:notes"/>
+          <p:cNvPr id="115" name="Google Shape;115;g2c79edfec76_13_97:notes"/>
           <p:cNvSpPr txBox="1"/>
           <p:nvPr>
             <p:ph idx="1" type="body"/>
@@ -1229,7 +1230,7 @@
   <p:cSld>
     <p:spTree>
       <p:nvGrpSpPr>
-        <p:cNvPr id="120" name="Shape 120"/>
+        <p:cNvPr id="121" name="Shape 121"/>
         <p:cNvGrpSpPr/>
         <p:nvPr/>
       </p:nvGrpSpPr>
@@ -1243,7 +1244,7 @@
       </p:grpSpPr>
       <p:sp>
         <p:nvSpPr>
-          <p:cNvPr id="121" name="Google Shape;121;g2177d6b95ab_0_111:notes"/>
+          <p:cNvPr id="122" name="Google Shape;122;g2177d6b95ab_0_111:notes"/>
           <p:cNvSpPr/>
           <p:nvPr>
             <p:ph idx="2" type="sldImg"/>
@@ -1278,7 +1279,7 @@
       </p:sp>
       <p:sp>
         <p:nvSpPr>
-          <p:cNvPr id="122" name="Google Shape;122;g2177d6b95ab_0_111:notes"/>
+          <p:cNvPr id="123" name="Google Shape;123;g2177d6b95ab_0_111:notes"/>
           <p:cNvSpPr txBox="1"/>
           <p:nvPr>
             <p:ph idx="1" type="body"/>
@@ -1328,7 +1329,7 @@
   <p:cSld>
     <p:spTree>
       <p:nvGrpSpPr>
-        <p:cNvPr id="127" name="Shape 127"/>
+        <p:cNvPr id="128" name="Shape 128"/>
         <p:cNvGrpSpPr/>
         <p:nvPr/>
       </p:nvGrpSpPr>
@@ -1342,7 +1343,7 @@
       </p:grpSpPr>
       <p:sp>
         <p:nvSpPr>
-          <p:cNvPr id="128" name="Google Shape;128;g2177d6b95ab_0_132:notes"/>
+          <p:cNvPr id="129" name="Google Shape;129;g2177d6b95ab_0_132:notes"/>
           <p:cNvSpPr/>
           <p:nvPr>
             <p:ph idx="2" type="sldImg"/>
@@ -1377,7 +1378,7 @@
       </p:sp>
       <p:sp>
         <p:nvSpPr>
-          <p:cNvPr id="129" name="Google Shape;129;g2177d6b95ab_0_132:notes"/>
+          <p:cNvPr id="130" name="Google Shape;130;g2177d6b95ab_0_132:notes"/>
           <p:cNvSpPr txBox="1"/>
           <p:nvPr>
             <p:ph idx="1" type="body"/>
@@ -1427,7 +1428,7 @@
   <p:cSld>
     <p:spTree>
       <p:nvGrpSpPr>
-        <p:cNvPr id="134" name="Shape 134"/>
+        <p:cNvPr id="135" name="Shape 135"/>
         <p:cNvGrpSpPr/>
         <p:nvPr/>
       </p:nvGrpSpPr>
@@ -1441,7 +1442,7 @@
       </p:grpSpPr>
       <p:sp>
         <p:nvSpPr>
-          <p:cNvPr id="135" name="Google Shape;135;g2177d6b95ab_0_161:notes"/>
+          <p:cNvPr id="136" name="Google Shape;136;g2177d6b95ab_0_161:notes"/>
           <p:cNvSpPr/>
           <p:nvPr>
             <p:ph idx="2" type="sldImg"/>
@@ -1476,7 +1477,7 @@
       </p:sp>
       <p:sp>
         <p:nvSpPr>
-          <p:cNvPr id="136" name="Google Shape;136;g2177d6b95ab_0_161:notes"/>
+          <p:cNvPr id="137" name="Google Shape;137;g2177d6b95ab_0_161:notes"/>
           <p:cNvSpPr txBox="1"/>
           <p:nvPr>
             <p:ph idx="1" type="body"/>
@@ -1526,7 +1527,7 @@
   <p:cSld>
     <p:spTree>
       <p:nvGrpSpPr>
-        <p:cNvPr id="141" name="Shape 141"/>
+        <p:cNvPr id="142" name="Shape 142"/>
         <p:cNvGrpSpPr/>
         <p:nvPr/>
       </p:nvGrpSpPr>
@@ -1540,7 +1541,7 @@
       </p:grpSpPr>
       <p:sp>
         <p:nvSpPr>
-          <p:cNvPr id="142" name="Google Shape;142;g2177d6b95ab_0_118:notes"/>
+          <p:cNvPr id="143" name="Google Shape;143;g2177d6b95ab_0_118:notes"/>
           <p:cNvSpPr/>
           <p:nvPr>
             <p:ph idx="2" type="sldImg"/>
@@ -1575,7 +1576,7 @@
       </p:sp>
       <p:sp>
         <p:nvSpPr>
-          <p:cNvPr id="143" name="Google Shape;143;g2177d6b95ab_0_118:notes"/>
+          <p:cNvPr id="144" name="Google Shape;144;g2177d6b95ab_0_118:notes"/>
           <p:cNvSpPr txBox="1"/>
           <p:nvPr>
             <p:ph idx="1" type="body"/>
@@ -1625,7 +1626,7 @@
   <p:cSld>
     <p:spTree>
       <p:nvGrpSpPr>
-        <p:cNvPr id="148" name="Shape 148"/>
+        <p:cNvPr id="149" name="Shape 149"/>
         <p:cNvGrpSpPr/>
         <p:nvPr/>
       </p:nvGrpSpPr>
@@ -1639,7 +1640,7 @@
       </p:grpSpPr>
       <p:sp>
         <p:nvSpPr>
-          <p:cNvPr id="149" name="Google Shape;149;g2177d6b95ab_0_148:notes"/>
+          <p:cNvPr id="150" name="Google Shape;150;g2177d6b95ab_0_148:notes"/>
           <p:cNvSpPr/>
           <p:nvPr>
             <p:ph idx="2" type="sldImg"/>
@@ -1674,7 +1675,7 @@
       </p:sp>
       <p:sp>
         <p:nvSpPr>
-          <p:cNvPr id="150" name="Google Shape;150;g2177d6b95ab_0_148:notes"/>
+          <p:cNvPr id="151" name="Google Shape;151;g2177d6b95ab_0_148:notes"/>
           <p:cNvSpPr txBox="1"/>
           <p:nvPr>
             <p:ph idx="1" type="body"/>
@@ -1724,7 +1725,7 @@
   <p:cSld>
     <p:spTree>
       <p:nvGrpSpPr>
-        <p:cNvPr id="155" name="Shape 155"/>
+        <p:cNvPr id="156" name="Shape 156"/>
         <p:cNvGrpSpPr/>
         <p:nvPr/>
       </p:nvGrpSpPr>
@@ -1738,7 +1739,7 @@
       </p:grpSpPr>
       <p:sp>
         <p:nvSpPr>
-          <p:cNvPr id="156" name="Google Shape;156;g2177d6b95ab_0_154:notes"/>
+          <p:cNvPr id="157" name="Google Shape;157;g2177d6b95ab_0_154:notes"/>
           <p:cNvSpPr/>
           <p:nvPr>
             <p:ph idx="2" type="sldImg"/>
@@ -1773,7 +1774,7 @@
       </p:sp>
       <p:sp>
         <p:nvSpPr>
-          <p:cNvPr id="157" name="Google Shape;157;g2177d6b95ab_0_154:notes"/>
+          <p:cNvPr id="158" name="Google Shape;158;g2177d6b95ab_0_154:notes"/>
           <p:cNvSpPr txBox="1"/>
           <p:nvPr>
             <p:ph idx="1" type="body"/>
@@ -1823,7 +1824,7 @@
   <p:cSld>
     <p:spTree>
       <p:nvGrpSpPr>
-        <p:cNvPr id="38" name="Shape 38"/>
+        <p:cNvPr id="39" name="Shape 39"/>
         <p:cNvGrpSpPr/>
         <p:nvPr/>
       </p:nvGrpSpPr>
@@ -1837,7 +1838,7 @@
       </p:grpSpPr>
       <p:sp>
         <p:nvSpPr>
-          <p:cNvPr id="39" name="Google Shape;39;g2177d6b95ab_0_0:notes"/>
+          <p:cNvPr id="40" name="Google Shape;40;g2177d6b95ab_0_0:notes"/>
           <p:cNvSpPr/>
           <p:nvPr>
             <p:ph idx="2" type="sldImg"/>
@@ -1872,7 +1873,7 @@
       </p:sp>
       <p:sp>
         <p:nvSpPr>
-          <p:cNvPr id="40" name="Google Shape;40;g2177d6b95ab_0_0:notes"/>
+          <p:cNvPr id="41" name="Google Shape;41;g2177d6b95ab_0_0:notes"/>
           <p:cNvSpPr txBox="1"/>
           <p:nvPr>
             <p:ph idx="1" type="body"/>
@@ -1922,7 +1923,7 @@
   <p:cSld>
     <p:spTree>
       <p:nvGrpSpPr>
-        <p:cNvPr id="162" name="Shape 162"/>
+        <p:cNvPr id="163" name="Shape 163"/>
         <p:cNvGrpSpPr/>
         <p:nvPr/>
       </p:nvGrpSpPr>
@@ -1936,7 +1937,7 @@
       </p:grpSpPr>
       <p:sp>
         <p:nvSpPr>
-          <p:cNvPr id="163" name="Google Shape;163;g2c79edfec76_13_114:notes"/>
+          <p:cNvPr id="164" name="Google Shape;164;g2c79edfec76_13_114:notes"/>
           <p:cNvSpPr/>
           <p:nvPr>
             <p:ph idx="2" type="sldImg"/>
@@ -1971,7 +1972,7 @@
       </p:sp>
       <p:sp>
         <p:nvSpPr>
-          <p:cNvPr id="164" name="Google Shape;164;g2c79edfec76_13_114:notes"/>
+          <p:cNvPr id="165" name="Google Shape;165;g2c79edfec76_13_114:notes"/>
           <p:cNvSpPr txBox="1"/>
           <p:nvPr>
             <p:ph idx="1" type="body"/>
@@ -2021,7 +2022,7 @@
   <p:cSld>
     <p:spTree>
       <p:nvGrpSpPr>
-        <p:cNvPr id="169" name="Shape 169"/>
+        <p:cNvPr id="170" name="Shape 170"/>
         <p:cNvGrpSpPr/>
         <p:nvPr/>
       </p:nvGrpSpPr>
@@ -2035,7 +2036,7 @@
       </p:grpSpPr>
       <p:sp>
         <p:nvSpPr>
-          <p:cNvPr id="170" name="Google Shape;170;g2c7a85386eb_0_1:notes"/>
+          <p:cNvPr id="171" name="Google Shape;171;g2c7a85386eb_0_1:notes"/>
           <p:cNvSpPr/>
           <p:nvPr>
             <p:ph idx="2" type="sldImg"/>
@@ -2070,7 +2071,7 @@
       </p:sp>
       <p:sp>
         <p:nvSpPr>
-          <p:cNvPr id="171" name="Google Shape;171;g2c7a85386eb_0_1:notes"/>
+          <p:cNvPr id="172" name="Google Shape;172;g2c7a85386eb_0_1:notes"/>
           <p:cNvSpPr txBox="1"/>
           <p:nvPr>
             <p:ph idx="1" type="body"/>
@@ -2120,7 +2121,7 @@
   <p:cSld>
     <p:spTree>
       <p:nvGrpSpPr>
-        <p:cNvPr id="176" name="Shape 176"/>
+        <p:cNvPr id="177" name="Shape 177"/>
         <p:cNvGrpSpPr/>
         <p:nvPr/>
       </p:nvGrpSpPr>
@@ -2134,7 +2135,7 @@
       </p:grpSpPr>
       <p:sp>
         <p:nvSpPr>
-          <p:cNvPr id="177" name="Google Shape;177;g2177d6b95ab_0_107:notes"/>
+          <p:cNvPr id="178" name="Google Shape;178;g2177d6b95ab_0_107:notes"/>
           <p:cNvSpPr/>
           <p:nvPr>
             <p:ph idx="2" type="sldImg"/>
@@ -2169,7 +2170,7 @@
       </p:sp>
       <p:sp>
         <p:nvSpPr>
-          <p:cNvPr id="178" name="Google Shape;178;g2177d6b95ab_0_107:notes"/>
+          <p:cNvPr id="179" name="Google Shape;179;g2177d6b95ab_0_107:notes"/>
           <p:cNvSpPr txBox="1"/>
           <p:nvPr>
             <p:ph idx="1" type="body"/>
@@ -2219,7 +2220,7 @@
   <p:cSld>
     <p:spTree>
       <p:nvGrpSpPr>
-        <p:cNvPr id="181" name="Shape 181"/>
+        <p:cNvPr id="182" name="Shape 182"/>
         <p:cNvGrpSpPr/>
         <p:nvPr/>
       </p:nvGrpSpPr>
@@ -2233,7 +2234,7 @@
       </p:grpSpPr>
       <p:sp>
         <p:nvSpPr>
-          <p:cNvPr id="182" name="Google Shape;182;g21a44005680_0_0:notes"/>
+          <p:cNvPr id="183" name="Google Shape;183;g21a44005680_0_0:notes"/>
           <p:cNvSpPr/>
           <p:nvPr>
             <p:ph idx="2" type="sldImg"/>
@@ -2268,7 +2269,7 @@
       </p:sp>
       <p:sp>
         <p:nvSpPr>
-          <p:cNvPr id="183" name="Google Shape;183;g21a44005680_0_0:notes"/>
+          <p:cNvPr id="184" name="Google Shape;184;g21a44005680_0_0:notes"/>
           <p:cNvSpPr txBox="1"/>
           <p:nvPr>
             <p:ph idx="1" type="body"/>
@@ -2318,7 +2319,7 @@
   <p:cSld>
     <p:spTree>
       <p:nvGrpSpPr>
-        <p:cNvPr id="189" name="Shape 189"/>
+        <p:cNvPr id="190" name="Shape 190"/>
         <p:cNvGrpSpPr/>
         <p:nvPr/>
       </p:nvGrpSpPr>
@@ -2332,7 +2333,7 @@
       </p:grpSpPr>
       <p:sp>
         <p:nvSpPr>
-          <p:cNvPr id="190" name="Google Shape;190;g2c7a85386eb_0_10:notes"/>
+          <p:cNvPr id="191" name="Google Shape;191;g2c7a85386eb_0_10:notes"/>
           <p:cNvSpPr/>
           <p:nvPr>
             <p:ph idx="2" type="sldImg"/>
@@ -2367,7 +2368,7 @@
       </p:sp>
       <p:sp>
         <p:nvSpPr>
-          <p:cNvPr id="191" name="Google Shape;191;g2c7a85386eb_0_10:notes"/>
+          <p:cNvPr id="192" name="Google Shape;192;g2c7a85386eb_0_10:notes"/>
           <p:cNvSpPr txBox="1"/>
           <p:nvPr>
             <p:ph idx="1" type="body"/>
@@ -2417,7 +2418,7 @@
   <p:cSld>
     <p:spTree>
       <p:nvGrpSpPr>
-        <p:cNvPr id="196" name="Shape 196"/>
+        <p:cNvPr id="197" name="Shape 197"/>
         <p:cNvGrpSpPr/>
         <p:nvPr/>
       </p:nvGrpSpPr>
@@ -2431,7 +2432,7 @@
       </p:grpSpPr>
       <p:sp>
         <p:nvSpPr>
-          <p:cNvPr id="197" name="Google Shape;197;g2c7a85386eb_0_16:notes"/>
+          <p:cNvPr id="198" name="Google Shape;198;g2c7a85386eb_0_16:notes"/>
           <p:cNvSpPr/>
           <p:nvPr>
             <p:ph idx="2" type="sldImg"/>
@@ -2466,7 +2467,7 @@
       </p:sp>
       <p:sp>
         <p:nvSpPr>
-          <p:cNvPr id="198" name="Google Shape;198;g2c7a85386eb_0_16:notes"/>
+          <p:cNvPr id="199" name="Google Shape;199;g2c7a85386eb_0_16:notes"/>
           <p:cNvSpPr txBox="1"/>
           <p:nvPr>
             <p:ph idx="1" type="body"/>
@@ -2516,7 +2517,7 @@
   <p:cSld>
     <p:spTree>
       <p:nvGrpSpPr>
-        <p:cNvPr id="203" name="Shape 203"/>
+        <p:cNvPr id="204" name="Shape 204"/>
         <p:cNvGrpSpPr/>
         <p:nvPr/>
       </p:nvGrpSpPr>
@@ -2530,7 +2531,7 @@
       </p:grpSpPr>
       <p:sp>
         <p:nvSpPr>
-          <p:cNvPr id="204" name="Google Shape;204;g13348cfacfd_0_176:notes"/>
+          <p:cNvPr id="205" name="Google Shape;205;g13348cfacfd_0_176:notes"/>
           <p:cNvSpPr txBox="1"/>
           <p:nvPr>
             <p:ph idx="1" type="body"/>
@@ -2569,7 +2570,7 @@
       </p:sp>
       <p:sp>
         <p:nvSpPr>
-          <p:cNvPr id="205" name="Google Shape;205;g13348cfacfd_0_176:notes"/>
+          <p:cNvPr id="206" name="Google Shape;206;g13348cfacfd_0_176:notes"/>
           <p:cNvSpPr/>
           <p:nvPr>
             <p:ph idx="2" type="sldImg"/>
@@ -2615,7 +2616,7 @@
   <p:cSld>
     <p:spTree>
       <p:nvGrpSpPr>
-        <p:cNvPr id="210" name="Shape 210"/>
+        <p:cNvPr id="211" name="Shape 211"/>
         <p:cNvGrpSpPr/>
         <p:nvPr/>
       </p:nvGrpSpPr>
@@ -2629,7 +2630,7 @@
       </p:grpSpPr>
       <p:sp>
         <p:nvSpPr>
-          <p:cNvPr id="211" name="Google Shape;211;g2c7a85386eb_0_22:notes"/>
+          <p:cNvPr id="212" name="Google Shape;212;g2c7a85386eb_0_22:notes"/>
           <p:cNvSpPr/>
           <p:nvPr>
             <p:ph idx="2" type="sldImg"/>
@@ -2664,7 +2665,7 @@
       </p:sp>
       <p:sp>
         <p:nvSpPr>
-          <p:cNvPr id="212" name="Google Shape;212;g2c7a85386eb_0_22:notes"/>
+          <p:cNvPr id="213" name="Google Shape;213;g2c7a85386eb_0_22:notes"/>
           <p:cNvSpPr txBox="1"/>
           <p:nvPr>
             <p:ph idx="1" type="body"/>
@@ -2714,7 +2715,7 @@
   <p:cSld>
     <p:spTree>
       <p:nvGrpSpPr>
-        <p:cNvPr id="217" name="Shape 217"/>
+        <p:cNvPr id="218" name="Shape 218"/>
         <p:cNvGrpSpPr/>
         <p:nvPr/>
       </p:nvGrpSpPr>
@@ -2728,7 +2729,7 @@
       </p:grpSpPr>
       <p:sp>
         <p:nvSpPr>
-          <p:cNvPr id="218" name="Google Shape;218;g2c7a85386eb_0_28:notes"/>
+          <p:cNvPr id="219" name="Google Shape;219;g2c7a85386eb_0_28:notes"/>
           <p:cNvSpPr/>
           <p:nvPr>
             <p:ph idx="2" type="sldImg"/>
@@ -2763,7 +2764,7 @@
       </p:sp>
       <p:sp>
         <p:nvSpPr>
-          <p:cNvPr id="219" name="Google Shape;219;g2c7a85386eb_0_28:notes"/>
+          <p:cNvPr id="220" name="Google Shape;220;g2c7a85386eb_0_28:notes"/>
           <p:cNvSpPr txBox="1"/>
           <p:nvPr>
             <p:ph idx="1" type="body"/>
@@ -2813,7 +2814,7 @@
   <p:cSld>
     <p:spTree>
       <p:nvGrpSpPr>
-        <p:cNvPr id="224" name="Shape 224"/>
+        <p:cNvPr id="225" name="Shape 225"/>
         <p:cNvGrpSpPr/>
         <p:nvPr/>
       </p:nvGrpSpPr>
@@ -2827,7 +2828,7 @@
       </p:grpSpPr>
       <p:sp>
         <p:nvSpPr>
-          <p:cNvPr id="225" name="Google Shape;225;g2c7a85386eb_0_34:notes"/>
+          <p:cNvPr id="226" name="Google Shape;226;g2c7a85386eb_0_34:notes"/>
           <p:cNvSpPr/>
           <p:nvPr>
             <p:ph idx="2" type="sldImg"/>
@@ -2862,7 +2863,7 @@
       </p:sp>
       <p:sp>
         <p:nvSpPr>
-          <p:cNvPr id="226" name="Google Shape;226;g2c7a85386eb_0_34:notes"/>
+          <p:cNvPr id="227" name="Google Shape;227;g2c7a85386eb_0_34:notes"/>
           <p:cNvSpPr txBox="1"/>
           <p:nvPr>
             <p:ph idx="1" type="body"/>
@@ -2912,7 +2913,7 @@
   <p:cSld>
     <p:spTree>
       <p:nvGrpSpPr>
-        <p:cNvPr id="45" name="Shape 45"/>
+        <p:cNvPr id="46" name="Shape 46"/>
         <p:cNvGrpSpPr/>
         <p:nvPr/>
       </p:nvGrpSpPr>
@@ -2926,7 +2927,7 @@
       </p:grpSpPr>
       <p:sp>
         <p:nvSpPr>
-          <p:cNvPr id="46" name="Google Shape;46;g2177d6b95ab_0_6:notes"/>
+          <p:cNvPr id="47" name="Google Shape;47;g2177d6b95ab_0_6:notes"/>
           <p:cNvSpPr/>
           <p:nvPr>
             <p:ph idx="2" type="sldImg"/>
@@ -2961,7 +2962,7 @@
       </p:sp>
       <p:sp>
         <p:nvSpPr>
-          <p:cNvPr id="47" name="Google Shape;47;g2177d6b95ab_0_6:notes"/>
+          <p:cNvPr id="48" name="Google Shape;48;g2177d6b95ab_0_6:notes"/>
           <p:cNvSpPr txBox="1"/>
           <p:nvPr>
             <p:ph idx="1" type="body"/>
@@ -3011,7 +3012,7 @@
   <p:cSld>
     <p:spTree>
       <p:nvGrpSpPr>
-        <p:cNvPr id="231" name="Shape 231"/>
+        <p:cNvPr id="232" name="Shape 232"/>
         <p:cNvGrpSpPr/>
         <p:nvPr/>
       </p:nvGrpSpPr>
@@ -3025,7 +3026,7 @@
       </p:grpSpPr>
       <p:sp>
         <p:nvSpPr>
-          <p:cNvPr id="232" name="Google Shape;232;g13348cfacfd_0_214:notes"/>
+          <p:cNvPr id="233" name="Google Shape;233;g13348cfacfd_0_214:notes"/>
           <p:cNvSpPr txBox="1"/>
           <p:nvPr>
             <p:ph idx="1" type="body"/>
@@ -3064,7 +3065,7 @@
       </p:sp>
       <p:sp>
         <p:nvSpPr>
-          <p:cNvPr id="233" name="Google Shape;233;g13348cfacfd_0_214:notes"/>
+          <p:cNvPr id="234" name="Google Shape;234;g13348cfacfd_0_214:notes"/>
           <p:cNvSpPr/>
           <p:nvPr>
             <p:ph idx="2" type="sldImg"/>
@@ -3110,7 +3111,7 @@
   <p:cSld>
     <p:spTree>
       <p:nvGrpSpPr>
-        <p:cNvPr id="240" name="Shape 240"/>
+        <p:cNvPr id="241" name="Shape 241"/>
         <p:cNvGrpSpPr/>
         <p:nvPr/>
       </p:nvGrpSpPr>
@@ -3124,7 +3125,7 @@
       </p:grpSpPr>
       <p:sp>
         <p:nvSpPr>
-          <p:cNvPr id="241" name="Google Shape;241;g13348cfacfd_0_237:notes"/>
+          <p:cNvPr id="242" name="Google Shape;242;g13348cfacfd_0_237:notes"/>
           <p:cNvSpPr txBox="1"/>
           <p:nvPr>
             <p:ph idx="1" type="body"/>
@@ -3163,7 +3164,7 @@
       </p:sp>
       <p:sp>
         <p:nvSpPr>
-          <p:cNvPr id="242" name="Google Shape;242;g13348cfacfd_0_237:notes"/>
+          <p:cNvPr id="243" name="Google Shape;243;g13348cfacfd_0_237:notes"/>
           <p:cNvSpPr/>
           <p:nvPr>
             <p:ph idx="2" type="sldImg"/>
@@ -3209,7 +3210,7 @@
   <p:cSld>
     <p:spTree>
       <p:nvGrpSpPr>
-        <p:cNvPr id="248" name="Shape 248"/>
+        <p:cNvPr id="249" name="Shape 249"/>
         <p:cNvGrpSpPr/>
         <p:nvPr/>
       </p:nvGrpSpPr>
@@ -3223,7 +3224,7 @@
       </p:grpSpPr>
       <p:sp>
         <p:nvSpPr>
-          <p:cNvPr id="249" name="Google Shape;249;g13348cfacfd_0_242:notes"/>
+          <p:cNvPr id="250" name="Google Shape;250;g13348cfacfd_0_242:notes"/>
           <p:cNvSpPr txBox="1"/>
           <p:nvPr>
             <p:ph idx="1" type="body"/>
@@ -3262,7 +3263,7 @@
       </p:sp>
       <p:sp>
         <p:nvSpPr>
-          <p:cNvPr id="250" name="Google Shape;250;g13348cfacfd_0_242:notes"/>
+          <p:cNvPr id="251" name="Google Shape;251;g13348cfacfd_0_242:notes"/>
           <p:cNvSpPr/>
           <p:nvPr>
             <p:ph idx="2" type="sldImg"/>
@@ -3308,7 +3309,7 @@
   <p:cSld>
     <p:spTree>
       <p:nvGrpSpPr>
-        <p:cNvPr id="253" name="Shape 253"/>
+        <p:cNvPr id="254" name="Shape 254"/>
         <p:cNvGrpSpPr/>
         <p:nvPr/>
       </p:nvGrpSpPr>
@@ -3322,7 +3323,7 @@
       </p:grpSpPr>
       <p:sp>
         <p:nvSpPr>
-          <p:cNvPr id="254" name="Google Shape;254;g2c7a85386eb_0_49:notes"/>
+          <p:cNvPr id="255" name="Google Shape;255;g2c7a85386eb_0_49:notes"/>
           <p:cNvSpPr/>
           <p:nvPr>
             <p:ph idx="2" type="sldImg"/>
@@ -3357,7 +3358,7 @@
       </p:sp>
       <p:sp>
         <p:nvSpPr>
-          <p:cNvPr id="255" name="Google Shape;255;g2c7a85386eb_0_49:notes"/>
+          <p:cNvPr id="256" name="Google Shape;256;g2c7a85386eb_0_49:notes"/>
           <p:cNvSpPr txBox="1"/>
           <p:nvPr>
             <p:ph idx="1" type="body"/>
@@ -3407,7 +3408,7 @@
   <p:cSld>
     <p:spTree>
       <p:nvGrpSpPr>
-        <p:cNvPr id="258" name="Shape 258"/>
+        <p:cNvPr id="259" name="Shape 259"/>
         <p:cNvGrpSpPr/>
         <p:nvPr/>
       </p:nvGrpSpPr>
@@ -3421,7 +3422,7 @@
       </p:grpSpPr>
       <p:sp>
         <p:nvSpPr>
-          <p:cNvPr id="259" name="Google Shape;259;g13348cfacfd_0_271:notes"/>
+          <p:cNvPr id="260" name="Google Shape;260;g13348cfacfd_0_271:notes"/>
           <p:cNvSpPr txBox="1"/>
           <p:nvPr>
             <p:ph idx="1" type="body"/>
@@ -3460,7 +3461,7 @@
       </p:sp>
       <p:sp>
         <p:nvSpPr>
-          <p:cNvPr id="260" name="Google Shape;260;g13348cfacfd_0_271:notes"/>
+          <p:cNvPr id="261" name="Google Shape;261;g13348cfacfd_0_271:notes"/>
           <p:cNvSpPr/>
           <p:nvPr>
             <p:ph idx="2" type="sldImg"/>
@@ -3506,7 +3507,7 @@
   <p:cSld>
     <p:spTree>
       <p:nvGrpSpPr>
-        <p:cNvPr id="265" name="Shape 265"/>
+        <p:cNvPr id="266" name="Shape 266"/>
         <p:cNvGrpSpPr/>
         <p:nvPr/>
       </p:nvGrpSpPr>
@@ -3520,7 +3521,7 @@
       </p:grpSpPr>
       <p:sp>
         <p:nvSpPr>
-          <p:cNvPr id="266" name="Google Shape;266;g2c7bc9dfd45_0_6:notes"/>
+          <p:cNvPr id="267" name="Google Shape;267;g2c7bc9dfd45_0_6:notes"/>
           <p:cNvSpPr/>
           <p:nvPr>
             <p:ph idx="2" type="sldImg"/>
@@ -3555,7 +3556,7 @@
       </p:sp>
       <p:sp>
         <p:nvSpPr>
-          <p:cNvPr id="267" name="Google Shape;267;g2c7bc9dfd45_0_6:notes"/>
+          <p:cNvPr id="268" name="Google Shape;268;g2c7bc9dfd45_0_6:notes"/>
           <p:cNvSpPr txBox="1"/>
           <p:nvPr>
             <p:ph idx="1" type="body"/>
@@ -3605,7 +3606,7 @@
   <p:cSld>
     <p:spTree>
       <p:nvGrpSpPr>
-        <p:cNvPr id="272" name="Shape 272"/>
+        <p:cNvPr id="273" name="Shape 273"/>
         <p:cNvGrpSpPr/>
         <p:nvPr/>
       </p:nvGrpSpPr>
@@ -3619,7 +3620,7 @@
       </p:grpSpPr>
       <p:sp>
         <p:nvSpPr>
-          <p:cNvPr id="273" name="Google Shape;273;g2177d6b95ab_0_32:notes"/>
+          <p:cNvPr id="274" name="Google Shape;274;g2177d6b95ab_0_32:notes"/>
           <p:cNvSpPr/>
           <p:nvPr>
             <p:ph idx="2" type="sldImg"/>
@@ -3654,7 +3655,7 @@
       </p:sp>
       <p:sp>
         <p:nvSpPr>
-          <p:cNvPr id="274" name="Google Shape;274;g2177d6b95ab_0_32:notes"/>
+          <p:cNvPr id="275" name="Google Shape;275;g2177d6b95ab_0_32:notes"/>
           <p:cNvSpPr txBox="1"/>
           <p:nvPr>
             <p:ph idx="1" type="body"/>
@@ -3704,7 +3705,7 @@
   <p:cSld>
     <p:spTree>
       <p:nvGrpSpPr>
-        <p:cNvPr id="280" name="Shape 280"/>
+        <p:cNvPr id="281" name="Shape 281"/>
         <p:cNvGrpSpPr/>
         <p:nvPr/>
       </p:nvGrpSpPr>
@@ -3718,7 +3719,7 @@
       </p:grpSpPr>
       <p:sp>
         <p:nvSpPr>
-          <p:cNvPr id="281" name="Google Shape;281;g21983758b41_0_0:notes"/>
+          <p:cNvPr id="282" name="Google Shape;282;g21983758b41_0_0:notes"/>
           <p:cNvSpPr/>
           <p:nvPr>
             <p:ph idx="2" type="sldImg"/>
@@ -3753,7 +3754,7 @@
       </p:sp>
       <p:sp>
         <p:nvSpPr>
-          <p:cNvPr id="282" name="Google Shape;282;g21983758b41_0_0:notes"/>
+          <p:cNvPr id="283" name="Google Shape;283;g21983758b41_0_0:notes"/>
           <p:cNvSpPr txBox="1"/>
           <p:nvPr>
             <p:ph idx="1" type="body"/>
@@ -3803,7 +3804,7 @@
   <p:cSld>
     <p:spTree>
       <p:nvGrpSpPr>
-        <p:cNvPr id="287" name="Shape 287"/>
+        <p:cNvPr id="288" name="Shape 288"/>
         <p:cNvGrpSpPr/>
         <p:nvPr/>
       </p:nvGrpSpPr>
@@ -3817,7 +3818,7 @@
       </p:grpSpPr>
       <p:sp>
         <p:nvSpPr>
-          <p:cNvPr id="288" name="Google Shape;288;g2c79edfec76_13_105:notes"/>
+          <p:cNvPr id="289" name="Google Shape;289;g2c79edfec76_13_105:notes"/>
           <p:cNvSpPr/>
           <p:nvPr>
             <p:ph idx="2" type="sldImg"/>
@@ -3852,7 +3853,7 @@
       </p:sp>
       <p:sp>
         <p:nvSpPr>
-          <p:cNvPr id="289" name="Google Shape;289;g2c79edfec76_13_105:notes"/>
+          <p:cNvPr id="290" name="Google Shape;290;g2c79edfec76_13_105:notes"/>
           <p:cNvSpPr txBox="1"/>
           <p:nvPr>
             <p:ph idx="1" type="body"/>
@@ -3902,7 +3903,7 @@
   <p:cSld>
     <p:spTree>
       <p:nvGrpSpPr>
-        <p:cNvPr id="295" name="Shape 295"/>
+        <p:cNvPr id="296" name="Shape 296"/>
         <p:cNvGrpSpPr/>
         <p:nvPr/>
       </p:nvGrpSpPr>
@@ -3916,7 +3917,7 @@
       </p:grpSpPr>
       <p:sp>
         <p:nvSpPr>
-          <p:cNvPr id="296" name="Google Shape;296;g2177d6b95ab_0_167:notes"/>
+          <p:cNvPr id="297" name="Google Shape;297;g2177d6b95ab_0_167:notes"/>
           <p:cNvSpPr/>
           <p:nvPr>
             <p:ph idx="2" type="sldImg"/>
@@ -3951,7 +3952,7 @@
       </p:sp>
       <p:sp>
         <p:nvSpPr>
-          <p:cNvPr id="297" name="Google Shape;297;g2177d6b95ab_0_167:notes"/>
+          <p:cNvPr id="298" name="Google Shape;298;g2177d6b95ab_0_167:notes"/>
           <p:cNvSpPr txBox="1"/>
           <p:nvPr>
             <p:ph idx="1" type="body"/>
@@ -4001,7 +4002,7 @@
   <p:cSld>
     <p:spTree>
       <p:nvGrpSpPr>
-        <p:cNvPr id="50" name="Shape 50"/>
+        <p:cNvPr id="51" name="Shape 51"/>
         <p:cNvGrpSpPr/>
         <p:nvPr/>
       </p:nvGrpSpPr>
@@ -4015,7 +4016,7 @@
       </p:grpSpPr>
       <p:sp>
         <p:nvSpPr>
-          <p:cNvPr id="51" name="Google Shape;51;g2177d6b95ab_0_20:notes"/>
+          <p:cNvPr id="52" name="Google Shape;52;g2177d6b95ab_0_20:notes"/>
           <p:cNvSpPr/>
           <p:nvPr>
             <p:ph idx="2" type="sldImg"/>
@@ -4050,7 +4051,7 @@
       </p:sp>
       <p:sp>
         <p:nvSpPr>
-          <p:cNvPr id="52" name="Google Shape;52;g2177d6b95ab_0_20:notes"/>
+          <p:cNvPr id="53" name="Google Shape;53;g2177d6b95ab_0_20:notes"/>
           <p:cNvSpPr txBox="1"/>
           <p:nvPr>
             <p:ph idx="1" type="body"/>
@@ -4100,7 +4101,7 @@
   <p:cSld>
     <p:spTree>
       <p:nvGrpSpPr>
-        <p:cNvPr id="302" name="Shape 302"/>
+        <p:cNvPr id="303" name="Shape 303"/>
         <p:cNvGrpSpPr/>
         <p:nvPr/>
       </p:nvGrpSpPr>
@@ -4114,7 +4115,7 @@
       </p:grpSpPr>
       <p:sp>
         <p:nvSpPr>
-          <p:cNvPr id="303" name="Google Shape;303;g2c79edfec76_13_78:notes"/>
+          <p:cNvPr id="304" name="Google Shape;304;g2c79edfec76_13_78:notes"/>
           <p:cNvSpPr/>
           <p:nvPr>
             <p:ph idx="2" type="sldImg"/>
@@ -4149,7 +4150,7 @@
       </p:sp>
       <p:sp>
         <p:nvSpPr>
-          <p:cNvPr id="304" name="Google Shape;304;g2c79edfec76_13_78:notes"/>
+          <p:cNvPr id="305" name="Google Shape;305;g2c79edfec76_13_78:notes"/>
           <p:cNvSpPr txBox="1"/>
           <p:nvPr>
             <p:ph idx="1" type="body"/>
@@ -4199,7 +4200,7 @@
   <p:cSld>
     <p:spTree>
       <p:nvGrpSpPr>
-        <p:cNvPr id="307" name="Shape 307"/>
+        <p:cNvPr id="308" name="Shape 308"/>
         <p:cNvGrpSpPr/>
         <p:nvPr/>
       </p:nvGrpSpPr>
@@ -4213,7 +4214,7 @@
       </p:grpSpPr>
       <p:sp>
         <p:nvSpPr>
-          <p:cNvPr id="308" name="Google Shape;308;g2c79edfec76_13_84:notes"/>
+          <p:cNvPr id="309" name="Google Shape;309;g2c79edfec76_13_84:notes"/>
           <p:cNvSpPr/>
           <p:nvPr>
             <p:ph idx="2" type="sldImg"/>
@@ -4248,7 +4249,7 @@
       </p:sp>
       <p:sp>
         <p:nvSpPr>
-          <p:cNvPr id="309" name="Google Shape;309;g2c79edfec76_13_84:notes"/>
+          <p:cNvPr id="310" name="Google Shape;310;g2c79edfec76_13_84:notes"/>
           <p:cNvSpPr txBox="1"/>
           <p:nvPr>
             <p:ph idx="1" type="body"/>
@@ -4298,7 +4299,7 @@
   <p:cSld>
     <p:spTree>
       <p:nvGrpSpPr>
-        <p:cNvPr id="315" name="Shape 315"/>
+        <p:cNvPr id="316" name="Shape 316"/>
         <p:cNvGrpSpPr/>
         <p:nvPr/>
       </p:nvGrpSpPr>
@@ -4312,7 +4313,7 @@
       </p:grpSpPr>
       <p:sp>
         <p:nvSpPr>
-          <p:cNvPr id="316" name="Google Shape;316;g2c79edfec76_13_91:notes"/>
+          <p:cNvPr id="317" name="Google Shape;317;g2c79edfec76_13_91:notes"/>
           <p:cNvSpPr/>
           <p:nvPr>
             <p:ph idx="2" type="sldImg"/>
@@ -4347,7 +4348,7 @@
       </p:sp>
       <p:sp>
         <p:nvSpPr>
-          <p:cNvPr id="317" name="Google Shape;317;g2c79edfec76_13_91:notes"/>
+          <p:cNvPr id="318" name="Google Shape;318;g2c79edfec76_13_91:notes"/>
           <p:cNvSpPr txBox="1"/>
           <p:nvPr>
             <p:ph idx="1" type="body"/>
@@ -4397,7 +4398,7 @@
   <p:cSld>
     <p:spTree>
       <p:nvGrpSpPr>
-        <p:cNvPr id="322" name="Shape 322"/>
+        <p:cNvPr id="323" name="Shape 323"/>
         <p:cNvGrpSpPr/>
         <p:nvPr/>
       </p:nvGrpSpPr>
@@ -4411,7 +4412,7 @@
       </p:grpSpPr>
       <p:sp>
         <p:nvSpPr>
-          <p:cNvPr id="323" name="Google Shape;323;g239613a9820_0_38:notes"/>
+          <p:cNvPr id="324" name="Google Shape;324;g2c7e190d292_0_0:notes"/>
           <p:cNvSpPr/>
           <p:nvPr>
             <p:ph idx="2" type="sldImg"/>
@@ -4446,7 +4447,7 @@
       </p:sp>
       <p:sp>
         <p:nvSpPr>
-          <p:cNvPr id="324" name="Google Shape;324;g239613a9820_0_38:notes"/>
+          <p:cNvPr id="325" name="Google Shape;325;g2c7e190d292_0_0:notes"/>
           <p:cNvSpPr txBox="1"/>
           <p:nvPr>
             <p:ph idx="1" type="body"/>
@@ -4496,7 +4497,7 @@
   <p:cSld>
     <p:spTree>
       <p:nvGrpSpPr>
-        <p:cNvPr id="328" name="Shape 328"/>
+        <p:cNvPr id="330" name="Shape 330"/>
         <p:cNvGrpSpPr/>
         <p:nvPr/>
       </p:nvGrpSpPr>
@@ -4510,7 +4511,7 @@
       </p:grpSpPr>
       <p:sp>
         <p:nvSpPr>
-          <p:cNvPr id="329" name="Google Shape;329;g239613a9820_0_43:notes"/>
+          <p:cNvPr id="331" name="Google Shape;331;g239613a9820_0_38:notes"/>
           <p:cNvSpPr/>
           <p:nvPr>
             <p:ph idx="2" type="sldImg"/>
@@ -4545,7 +4546,7 @@
       </p:sp>
       <p:sp>
         <p:nvSpPr>
-          <p:cNvPr id="330" name="Google Shape;330;g239613a9820_0_43:notes"/>
+          <p:cNvPr id="332" name="Google Shape;332;g239613a9820_0_38:notes"/>
           <p:cNvSpPr txBox="1"/>
           <p:nvPr>
             <p:ph idx="1" type="body"/>
@@ -4590,12 +4591,12 @@
 </p:notes>
 </file>
 
-<file path=ppt/notesSlides/notesSlide5.xml><?xml version="1.0" encoding="utf-8"?>
+<file path=ppt/notesSlides/notesSlide45.xml><?xml version="1.0" encoding="utf-8"?>
 <p:notes xmlns:a="http://schemas.openxmlformats.org/drawingml/2006/main" xmlns:r="http://schemas.openxmlformats.org/officeDocument/2006/relationships" xmlns:mc="http://schemas.openxmlformats.org/markup-compatibility/2006" xmlns:mv="urn:schemas-microsoft-com:mac:vml" xmlns:p="http://schemas.openxmlformats.org/presentationml/2006/main" xmlns:c="http://schemas.openxmlformats.org/drawingml/2006/chart" xmlns:dgm="http://schemas.openxmlformats.org/drawingml/2006/diagram" xmlns:o="urn:schemas-microsoft-com:office:office" xmlns:v="urn:schemas-microsoft-com:vml" xmlns:pvml="urn:schemas-microsoft-com:office:powerpoint" xmlns:com="http://schemas.openxmlformats.org/drawingml/2006/compatibility" xmlns:p14="http://schemas.microsoft.com/office/powerpoint/2010/main" xmlns:p15="http://schemas.microsoft.com/office/powerpoint/2012/main" xmlns:ahyp="http://schemas.microsoft.com/office/drawing/2018/hyperlinkcolor" showMasterPhAnim="0" showMasterSp="0">
   <p:cSld>
     <p:spTree>
       <p:nvGrpSpPr>
-        <p:cNvPr id="57" name="Shape 57"/>
+        <p:cNvPr id="336" name="Shape 336"/>
         <p:cNvGrpSpPr/>
         <p:nvPr/>
       </p:nvGrpSpPr>
@@ -4609,7 +4610,7 @@
       </p:grpSpPr>
       <p:sp>
         <p:nvSpPr>
-          <p:cNvPr id="58" name="Google Shape;58;g2177d6b95ab_0_66:notes"/>
+          <p:cNvPr id="337" name="Google Shape;337;g239613a9820_0_43:notes"/>
           <p:cNvSpPr/>
           <p:nvPr>
             <p:ph idx="2" type="sldImg"/>
@@ -4644,7 +4645,7 @@
       </p:sp>
       <p:sp>
         <p:nvSpPr>
-          <p:cNvPr id="59" name="Google Shape;59;g2177d6b95ab_0_66:notes"/>
+          <p:cNvPr id="338" name="Google Shape;338;g239613a9820_0_43:notes"/>
           <p:cNvSpPr txBox="1"/>
           <p:nvPr>
             <p:ph idx="1" type="body"/>
@@ -4689,12 +4690,12 @@
 </p:notes>
 </file>
 
-<file path=ppt/notesSlides/notesSlide6.xml><?xml version="1.0" encoding="utf-8"?>
+<file path=ppt/notesSlides/notesSlide5.xml><?xml version="1.0" encoding="utf-8"?>
 <p:notes xmlns:a="http://schemas.openxmlformats.org/drawingml/2006/main" xmlns:r="http://schemas.openxmlformats.org/officeDocument/2006/relationships" xmlns:mc="http://schemas.openxmlformats.org/markup-compatibility/2006" xmlns:mv="urn:schemas-microsoft-com:mac:vml" xmlns:p="http://schemas.openxmlformats.org/presentationml/2006/main" xmlns:c="http://schemas.openxmlformats.org/drawingml/2006/chart" xmlns:dgm="http://schemas.openxmlformats.org/drawingml/2006/diagram" xmlns:o="urn:schemas-microsoft-com:office:office" xmlns:v="urn:schemas-microsoft-com:vml" xmlns:pvml="urn:schemas-microsoft-com:office:powerpoint" xmlns:com="http://schemas.openxmlformats.org/drawingml/2006/compatibility" xmlns:p14="http://schemas.microsoft.com/office/powerpoint/2010/main" xmlns:p15="http://schemas.microsoft.com/office/powerpoint/2012/main" xmlns:ahyp="http://schemas.microsoft.com/office/drawing/2018/hyperlinkcolor" showMasterPhAnim="0" showMasterSp="0">
   <p:cSld>
     <p:spTree>
       <p:nvGrpSpPr>
-        <p:cNvPr id="64" name="Shape 64"/>
+        <p:cNvPr id="58" name="Shape 58"/>
         <p:cNvGrpSpPr/>
         <p:nvPr/>
       </p:nvGrpSpPr>
@@ -4708,7 +4709,7 @@
       </p:grpSpPr>
       <p:sp>
         <p:nvSpPr>
-          <p:cNvPr id="65" name="Google Shape;65;g2177d6b95ab_0_79:notes"/>
+          <p:cNvPr id="59" name="Google Shape;59;g2177d6b95ab_0_66:notes"/>
           <p:cNvSpPr/>
           <p:nvPr>
             <p:ph idx="2" type="sldImg"/>
@@ -4743,7 +4744,7 @@
       </p:sp>
       <p:sp>
         <p:nvSpPr>
-          <p:cNvPr id="66" name="Google Shape;66;g2177d6b95ab_0_79:notes"/>
+          <p:cNvPr id="60" name="Google Shape;60;g2177d6b95ab_0_66:notes"/>
           <p:cNvSpPr txBox="1"/>
           <p:nvPr>
             <p:ph idx="1" type="body"/>
@@ -4788,12 +4789,12 @@
 </p:notes>
 </file>
 
-<file path=ppt/notesSlides/notesSlide7.xml><?xml version="1.0" encoding="utf-8"?>
+<file path=ppt/notesSlides/notesSlide6.xml><?xml version="1.0" encoding="utf-8"?>
 <p:notes xmlns:a="http://schemas.openxmlformats.org/drawingml/2006/main" xmlns:r="http://schemas.openxmlformats.org/officeDocument/2006/relationships" xmlns:mc="http://schemas.openxmlformats.org/markup-compatibility/2006" xmlns:mv="urn:schemas-microsoft-com:mac:vml" xmlns:p="http://schemas.openxmlformats.org/presentationml/2006/main" xmlns:c="http://schemas.openxmlformats.org/drawingml/2006/chart" xmlns:dgm="http://schemas.openxmlformats.org/drawingml/2006/diagram" xmlns:o="urn:schemas-microsoft-com:office:office" xmlns:v="urn:schemas-microsoft-com:vml" xmlns:pvml="urn:schemas-microsoft-com:office:powerpoint" xmlns:com="http://schemas.openxmlformats.org/drawingml/2006/compatibility" xmlns:p14="http://schemas.microsoft.com/office/powerpoint/2010/main" xmlns:p15="http://schemas.microsoft.com/office/powerpoint/2012/main" xmlns:ahyp="http://schemas.microsoft.com/office/drawing/2018/hyperlinkcolor" showMasterPhAnim="0" showMasterSp="0">
   <p:cSld>
     <p:spTree>
       <p:nvGrpSpPr>
-        <p:cNvPr id="72" name="Shape 72"/>
+        <p:cNvPr id="65" name="Shape 65"/>
         <p:cNvGrpSpPr/>
         <p:nvPr/>
       </p:nvGrpSpPr>
@@ -4807,7 +4808,7 @@
       </p:grpSpPr>
       <p:sp>
         <p:nvSpPr>
-          <p:cNvPr id="73" name="Google Shape;73;g2c75e44776e_0_11:notes"/>
+          <p:cNvPr id="66" name="Google Shape;66;g2177d6b95ab_0_79:notes"/>
           <p:cNvSpPr/>
           <p:nvPr>
             <p:ph idx="2" type="sldImg"/>
@@ -4842,7 +4843,7 @@
       </p:sp>
       <p:sp>
         <p:nvSpPr>
-          <p:cNvPr id="74" name="Google Shape;74;g2c75e44776e_0_11:notes"/>
+          <p:cNvPr id="67" name="Google Shape;67;g2177d6b95ab_0_79:notes"/>
           <p:cNvSpPr txBox="1"/>
           <p:nvPr>
             <p:ph idx="1" type="body"/>
@@ -4887,12 +4888,12 @@
 </p:notes>
 </file>
 
-<file path=ppt/notesSlides/notesSlide8.xml><?xml version="1.0" encoding="utf-8"?>
+<file path=ppt/notesSlides/notesSlide7.xml><?xml version="1.0" encoding="utf-8"?>
 <p:notes xmlns:a="http://schemas.openxmlformats.org/drawingml/2006/main" xmlns:r="http://schemas.openxmlformats.org/officeDocument/2006/relationships" xmlns:mc="http://schemas.openxmlformats.org/markup-compatibility/2006" xmlns:mv="urn:schemas-microsoft-com:mac:vml" xmlns:p="http://schemas.openxmlformats.org/presentationml/2006/main" xmlns:c="http://schemas.openxmlformats.org/drawingml/2006/chart" xmlns:dgm="http://schemas.openxmlformats.org/drawingml/2006/diagram" xmlns:o="urn:schemas-microsoft-com:office:office" xmlns:v="urn:schemas-microsoft-com:vml" xmlns:pvml="urn:schemas-microsoft-com:office:powerpoint" xmlns:com="http://schemas.openxmlformats.org/drawingml/2006/compatibility" xmlns:p14="http://schemas.microsoft.com/office/powerpoint/2010/main" xmlns:p15="http://schemas.microsoft.com/office/powerpoint/2012/main" xmlns:ahyp="http://schemas.microsoft.com/office/drawing/2018/hyperlinkcolor" showMasterPhAnim="0" showMasterSp="0">
   <p:cSld>
     <p:spTree>
       <p:nvGrpSpPr>
-        <p:cNvPr id="79" name="Shape 79"/>
+        <p:cNvPr id="73" name="Shape 73"/>
         <p:cNvGrpSpPr/>
         <p:nvPr/>
       </p:nvGrpSpPr>
@@ -4906,7 +4907,7 @@
       </p:grpSpPr>
       <p:sp>
         <p:nvSpPr>
-          <p:cNvPr id="80" name="Google Shape;80;g2c75e44776e_0_5:notes"/>
+          <p:cNvPr id="74" name="Google Shape;74;g2c75e44776e_0_11:notes"/>
           <p:cNvSpPr/>
           <p:nvPr>
             <p:ph idx="2" type="sldImg"/>
@@ -4941,7 +4942,7 @@
       </p:sp>
       <p:sp>
         <p:nvSpPr>
-          <p:cNvPr id="81" name="Google Shape;81;g2c75e44776e_0_5:notes"/>
+          <p:cNvPr id="75" name="Google Shape;75;g2c75e44776e_0_11:notes"/>
           <p:cNvSpPr txBox="1"/>
           <p:nvPr>
             <p:ph idx="1" type="body"/>
@@ -4986,12 +4987,12 @@
 </p:notes>
 </file>
 
-<file path=ppt/notesSlides/notesSlide9.xml><?xml version="1.0" encoding="utf-8"?>
+<file path=ppt/notesSlides/notesSlide8.xml><?xml version="1.0" encoding="utf-8"?>
 <p:notes xmlns:a="http://schemas.openxmlformats.org/drawingml/2006/main" xmlns:r="http://schemas.openxmlformats.org/officeDocument/2006/relationships" xmlns:mc="http://schemas.openxmlformats.org/markup-compatibility/2006" xmlns:mv="urn:schemas-microsoft-com:mac:vml" xmlns:p="http://schemas.openxmlformats.org/presentationml/2006/main" xmlns:c="http://schemas.openxmlformats.org/drawingml/2006/chart" xmlns:dgm="http://schemas.openxmlformats.org/drawingml/2006/diagram" xmlns:o="urn:schemas-microsoft-com:office:office" xmlns:v="urn:schemas-microsoft-com:vml" xmlns:pvml="urn:schemas-microsoft-com:office:powerpoint" xmlns:com="http://schemas.openxmlformats.org/drawingml/2006/compatibility" xmlns:p14="http://schemas.microsoft.com/office/powerpoint/2010/main" xmlns:p15="http://schemas.microsoft.com/office/powerpoint/2012/main" xmlns:ahyp="http://schemas.microsoft.com/office/drawing/2018/hyperlinkcolor" showMasterPhAnim="0" showMasterSp="0">
   <p:cSld>
     <p:spTree>
       <p:nvGrpSpPr>
-        <p:cNvPr id="86" name="Shape 86"/>
+        <p:cNvPr id="80" name="Shape 80"/>
         <p:cNvGrpSpPr/>
         <p:nvPr/>
       </p:nvGrpSpPr>
@@ -5005,7 +5006,7 @@
       </p:grpSpPr>
       <p:sp>
         <p:nvSpPr>
-          <p:cNvPr id="87" name="Google Shape;87;g2c75e44776e_0_20:notes"/>
+          <p:cNvPr id="81" name="Google Shape;81;g2c75e44776e_0_5:notes"/>
           <p:cNvSpPr/>
           <p:nvPr>
             <p:ph idx="2" type="sldImg"/>
@@ -5040,7 +5041,106 @@
       </p:sp>
       <p:sp>
         <p:nvSpPr>
+          <p:cNvPr id="82" name="Google Shape;82;g2c75e44776e_0_5:notes"/>
+          <p:cNvSpPr txBox="1"/>
+          <p:nvPr>
+            <p:ph idx="1" type="body"/>
+          </p:nvPr>
+        </p:nvSpPr>
+        <p:spPr>
+          <a:xfrm>
+            <a:off x="685800" y="4343400"/>
+            <a:ext cx="5486400" cy="4114800"/>
+          </a:xfrm>
+          <a:prstGeom prst="rect">
+            <a:avLst/>
+          </a:prstGeom>
+        </p:spPr>
+        <p:txBody>
+          <a:bodyPr anchorCtr="0" anchor="t" bIns="91425" lIns="91425" spcFirstLastPara="1" rIns="91425" wrap="square" tIns="91425">
+            <a:noAutofit/>
+          </a:bodyPr>
+          <a:lstStyle/>
+          <a:p>
+            <a:pPr indent="0" lvl="0" marL="0" rtl="0" algn="l">
+              <a:spcBef>
+                <a:spcPts val="0"/>
+              </a:spcBef>
+              <a:spcAft>
+                <a:spcPts val="0"/>
+              </a:spcAft>
+              <a:buNone/>
+            </a:pPr>
+            <a:r>
+              <a:t/>
+            </a:r>
+            <a:endParaRPr/>
+          </a:p>
+        </p:txBody>
+      </p:sp>
+    </p:spTree>
+  </p:cSld>
+  <p:clrMapOvr>
+    <a:masterClrMapping/>
+  </p:clrMapOvr>
+</p:notes>
+</file>
+
+<file path=ppt/notesSlides/notesSlide9.xml><?xml version="1.0" encoding="utf-8"?>
+<p:notes xmlns:a="http://schemas.openxmlformats.org/drawingml/2006/main" xmlns:r="http://schemas.openxmlformats.org/officeDocument/2006/relationships" xmlns:mc="http://schemas.openxmlformats.org/markup-compatibility/2006" xmlns:mv="urn:schemas-microsoft-com:mac:vml" xmlns:p="http://schemas.openxmlformats.org/presentationml/2006/main" xmlns:c="http://schemas.openxmlformats.org/drawingml/2006/chart" xmlns:dgm="http://schemas.openxmlformats.org/drawingml/2006/diagram" xmlns:o="urn:schemas-microsoft-com:office:office" xmlns:v="urn:schemas-microsoft-com:vml" xmlns:pvml="urn:schemas-microsoft-com:office:powerpoint" xmlns:com="http://schemas.openxmlformats.org/drawingml/2006/compatibility" xmlns:p14="http://schemas.microsoft.com/office/powerpoint/2010/main" xmlns:p15="http://schemas.microsoft.com/office/powerpoint/2012/main" xmlns:ahyp="http://schemas.microsoft.com/office/drawing/2018/hyperlinkcolor" showMasterPhAnim="0" showMasterSp="0">
+  <p:cSld>
+    <p:spTree>
+      <p:nvGrpSpPr>
+        <p:cNvPr id="87" name="Shape 87"/>
+        <p:cNvGrpSpPr/>
+        <p:nvPr/>
+      </p:nvGrpSpPr>
+      <p:grpSpPr>
+        <a:xfrm>
+          <a:off x="0" y="0"/>
+          <a:ext cx="0" cy="0"/>
+          <a:chOff x="0" y="0"/>
+          <a:chExt cx="0" cy="0"/>
+        </a:xfrm>
+      </p:grpSpPr>
+      <p:sp>
+        <p:nvSpPr>
           <p:cNvPr id="88" name="Google Shape;88;g2c75e44776e_0_20:notes"/>
+          <p:cNvSpPr/>
+          <p:nvPr>
+            <p:ph idx="2" type="sldImg"/>
+          </p:nvPr>
+        </p:nvSpPr>
+        <p:spPr>
+          <a:xfrm>
+            <a:off x="381300" y="685800"/>
+            <a:ext cx="6096000" cy="3429000"/>
+          </a:xfrm>
+          <a:custGeom>
+            <a:rect b="b" l="l" r="r" t="t"/>
+            <a:pathLst>
+              <a:path extrusionOk="0" h="120000" w="120000">
+                <a:moveTo>
+                  <a:pt x="0" y="0"/>
+                </a:moveTo>
+                <a:lnTo>
+                  <a:pt x="120000" y="0"/>
+                </a:lnTo>
+                <a:lnTo>
+                  <a:pt x="120000" y="120000"/>
+                </a:lnTo>
+                <a:lnTo>
+                  <a:pt x="0" y="120000"/>
+                </a:lnTo>
+                <a:close/>
+              </a:path>
+            </a:pathLst>
+          </a:custGeom>
+        </p:spPr>
+      </p:sp>
+      <p:sp>
+        <p:nvSpPr>
+          <p:cNvPr id="89" name="Google Shape;89;g2c75e44776e_0_20:notes"/>
           <p:cNvSpPr txBox="1"/>
           <p:nvPr>
             <p:ph idx="1" type="body"/>
@@ -5623,6 +5723,144 @@
           </a:p>
         </p:txBody>
       </p:sp>
+      <p:sp>
+        <p:nvSpPr>
+          <p:cNvPr id="16" name="Google Shape;16;p3"/>
+          <p:cNvSpPr txBox="1"/>
+          <p:nvPr>
+            <p:ph idx="12" type="sldNum"/>
+          </p:nvPr>
+        </p:nvSpPr>
+        <p:spPr>
+          <a:xfrm>
+            <a:off x="7315209" y="4229101"/>
+            <a:ext cx="1828800" cy="914400"/>
+          </a:xfrm>
+          <a:prstGeom prst="rect">
+            <a:avLst/>
+          </a:prstGeom>
+        </p:spPr>
+        <p:txBody>
+          <a:bodyPr anchorCtr="0" anchor="b" bIns="91425" lIns="91425" spcFirstLastPara="1" rIns="91425" wrap="square" tIns="91425">
+            <a:noAutofit/>
+          </a:bodyPr>
+          <a:lstStyle>
+            <a:lvl1pPr lvl="0" rtl="0" algn="r">
+              <a:buNone/>
+              <a:defRPr b="1" sz="2400">
+                <a:solidFill>
+                  <a:schemeClr val="dk1"/>
+                </a:solidFill>
+              </a:defRPr>
+            </a:lvl1pPr>
+            <a:lvl2pPr lvl="1" rtl="0" algn="r">
+              <a:buNone/>
+              <a:defRPr b="1" sz="2400">
+                <a:solidFill>
+                  <a:schemeClr val="dk1"/>
+                </a:solidFill>
+              </a:defRPr>
+            </a:lvl2pPr>
+            <a:lvl3pPr lvl="2" rtl="0" algn="r">
+              <a:buNone/>
+              <a:defRPr b="1" sz="2400">
+                <a:solidFill>
+                  <a:schemeClr val="dk1"/>
+                </a:solidFill>
+              </a:defRPr>
+            </a:lvl3pPr>
+            <a:lvl4pPr lvl="3" rtl="0" algn="r">
+              <a:buNone/>
+              <a:defRPr b="1" sz="2400">
+                <a:solidFill>
+                  <a:schemeClr val="dk1"/>
+                </a:solidFill>
+              </a:defRPr>
+            </a:lvl4pPr>
+            <a:lvl5pPr lvl="4" rtl="0" algn="r">
+              <a:buNone/>
+              <a:defRPr b="1" sz="2400">
+                <a:solidFill>
+                  <a:schemeClr val="dk1"/>
+                </a:solidFill>
+              </a:defRPr>
+            </a:lvl5pPr>
+            <a:lvl6pPr lvl="5" rtl="0" algn="r">
+              <a:buNone/>
+              <a:defRPr b="1" sz="2400">
+                <a:solidFill>
+                  <a:schemeClr val="dk1"/>
+                </a:solidFill>
+              </a:defRPr>
+            </a:lvl6pPr>
+            <a:lvl7pPr lvl="6" rtl="0" algn="r">
+              <a:buNone/>
+              <a:defRPr b="1" sz="2400">
+                <a:solidFill>
+                  <a:schemeClr val="dk1"/>
+                </a:solidFill>
+              </a:defRPr>
+            </a:lvl7pPr>
+            <a:lvl8pPr lvl="7" rtl="0" algn="r">
+              <a:buNone/>
+              <a:defRPr b="1" sz="2400">
+                <a:solidFill>
+                  <a:schemeClr val="dk1"/>
+                </a:solidFill>
+              </a:defRPr>
+            </a:lvl8pPr>
+            <a:lvl9pPr lvl="8" rtl="0" algn="r">
+              <a:buNone/>
+              <a:defRPr b="1" sz="2400">
+                <a:solidFill>
+                  <a:schemeClr val="dk1"/>
+                </a:solidFill>
+              </a:defRPr>
+            </a:lvl9pPr>
+          </a:lstStyle>
+          <a:p>
+            <a:pPr indent="0" lvl="0" marL="0" rtl="0" algn="r">
+              <a:spcBef>
+                <a:spcPts val="0"/>
+              </a:spcBef>
+              <a:spcAft>
+                <a:spcPts val="0"/>
+              </a:spcAft>
+              <a:buNone/>
+            </a:pPr>
+            <a:fld id="{00000000-1234-1234-1234-123412341234}" type="slidenum">
+              <a:rPr lang="en"/>
+              <a:t>‹#›</a:t>
+            </a:fld>
+            <a:endParaRPr/>
+          </a:p>
+          <a:p>
+            <a:pPr indent="0" lvl="0" marL="0" rtl="0" algn="r">
+              <a:spcBef>
+                <a:spcPts val="0"/>
+              </a:spcBef>
+              <a:spcAft>
+                <a:spcPts val="0"/>
+              </a:spcAft>
+              <a:buNone/>
+            </a:pPr>
+            <a:r>
+              <a:rPr b="0" lang="en" sz="1000" u="sng">
+                <a:solidFill>
+                  <a:schemeClr val="hlink"/>
+                </a:solidFill>
+                <a:hlinkClick r:id="rId2"/>
+              </a:rPr>
+              <a:t>uni1.de/nyt</a:t>
+            </a:r>
+            <a:r>
+              <a:rPr b="0" lang="en" sz="1000"/>
+              <a:t> </a:t>
+            </a:r>
+            <a:endParaRPr b="0" sz="1000"/>
+          </a:p>
+        </p:txBody>
+      </p:sp>
     </p:spTree>
   </p:cSld>
   <p:clrMapOvr>
@@ -5636,7 +5874,7 @@
   <p:cSld name="TITLE_AND_BODY">
     <p:spTree>
       <p:nvGrpSpPr>
-        <p:cNvPr id="16" name="Shape 16"/>
+        <p:cNvPr id="17" name="Shape 17"/>
         <p:cNvGrpSpPr/>
         <p:nvPr/>
       </p:nvGrpSpPr>
@@ -5650,7 +5888,7 @@
       </p:grpSpPr>
       <p:sp>
         <p:nvSpPr>
-          <p:cNvPr id="17" name="Google Shape;17;p4"/>
+          <p:cNvPr id="18" name="Google Shape;18;p4"/>
           <p:cNvSpPr txBox="1"/>
           <p:nvPr>
             <p:ph type="title"/>
@@ -5775,7 +6013,7 @@
       </p:sp>
       <p:sp>
         <p:nvSpPr>
-          <p:cNvPr id="18" name="Google Shape;18;p4"/>
+          <p:cNvPr id="19" name="Google Shape;19;p4"/>
           <p:cNvSpPr txBox="1"/>
           <p:nvPr>
             <p:ph idx="1" type="body"/>
@@ -5896,152 +6134,6 @@
             </a:lvl9pPr>
           </a:lstStyle>
           <a:p/>
-        </p:txBody>
-      </p:sp>
-      <p:sp>
-        <p:nvSpPr>
-          <p:cNvPr id="19" name="Google Shape;19;p4"/>
-          <p:cNvSpPr txBox="1"/>
-          <p:nvPr>
-            <p:ph idx="12" type="sldNum"/>
-          </p:nvPr>
-        </p:nvSpPr>
-        <p:spPr>
-          <a:xfrm>
-            <a:off x="7315202" y="4416550"/>
-            <a:ext cx="1828800" cy="731400"/>
-          </a:xfrm>
-          <a:prstGeom prst="rect">
-            <a:avLst/>
-          </a:prstGeom>
-        </p:spPr>
-        <p:txBody>
-          <a:bodyPr anchorCtr="0" anchor="b" bIns="91425" lIns="91425" spcFirstLastPara="1" rIns="91425" wrap="square" tIns="91425">
-            <a:noAutofit/>
-          </a:bodyPr>
-          <a:lstStyle>
-            <a:lvl1pPr lvl="0" rtl="0">
-              <a:buNone/>
-              <a:defRPr>
-                <a:solidFill>
-                  <a:schemeClr val="dk1"/>
-                </a:solidFill>
-              </a:defRPr>
-            </a:lvl1pPr>
-            <a:lvl2pPr lvl="1" rtl="0">
-              <a:buNone/>
-              <a:defRPr>
-                <a:solidFill>
-                  <a:schemeClr val="dk1"/>
-                </a:solidFill>
-              </a:defRPr>
-            </a:lvl2pPr>
-            <a:lvl3pPr lvl="2" rtl="0">
-              <a:buNone/>
-              <a:defRPr>
-                <a:solidFill>
-                  <a:schemeClr val="dk1"/>
-                </a:solidFill>
-              </a:defRPr>
-            </a:lvl3pPr>
-            <a:lvl4pPr lvl="3" rtl="0">
-              <a:buNone/>
-              <a:defRPr>
-                <a:solidFill>
-                  <a:schemeClr val="dk1"/>
-                </a:solidFill>
-              </a:defRPr>
-            </a:lvl4pPr>
-            <a:lvl5pPr lvl="4" rtl="0">
-              <a:buNone/>
-              <a:defRPr>
-                <a:solidFill>
-                  <a:schemeClr val="dk1"/>
-                </a:solidFill>
-              </a:defRPr>
-            </a:lvl5pPr>
-            <a:lvl6pPr lvl="5" rtl="0">
-              <a:buNone/>
-              <a:defRPr>
-                <a:solidFill>
-                  <a:schemeClr val="dk1"/>
-                </a:solidFill>
-              </a:defRPr>
-            </a:lvl6pPr>
-            <a:lvl7pPr lvl="6" rtl="0">
-              <a:buNone/>
-              <a:defRPr>
-                <a:solidFill>
-                  <a:schemeClr val="dk1"/>
-                </a:solidFill>
-              </a:defRPr>
-            </a:lvl7pPr>
-            <a:lvl8pPr lvl="7" rtl="0">
-              <a:buNone/>
-              <a:defRPr>
-                <a:solidFill>
-                  <a:schemeClr val="dk1"/>
-                </a:solidFill>
-              </a:defRPr>
-            </a:lvl8pPr>
-            <a:lvl9pPr lvl="8" rtl="0">
-              <a:buNone/>
-              <a:defRPr>
-                <a:solidFill>
-                  <a:schemeClr val="dk1"/>
-                </a:solidFill>
-              </a:defRPr>
-            </a:lvl9pPr>
-          </a:lstStyle>
-          <a:p>
-            <a:pPr indent="0" lvl="0" marL="0" rtl="0" algn="r">
-              <a:spcBef>
-                <a:spcPts val="0"/>
-              </a:spcBef>
-              <a:spcAft>
-                <a:spcPts val="0"/>
-              </a:spcAft>
-              <a:buNone/>
-            </a:pPr>
-            <a:fld id="{00000000-1234-1234-1234-123412341234}" type="slidenum">
-              <a:rPr lang="en"/>
-              <a:t>‹#›</a:t>
-            </a:fld>
-            <a:endParaRPr/>
-          </a:p>
-          <a:p>
-            <a:pPr indent="0" lvl="0" marL="0" rtl="0" algn="r">
-              <a:spcBef>
-                <a:spcPts val="0"/>
-              </a:spcBef>
-              <a:spcAft>
-                <a:spcPts val="0"/>
-              </a:spcAft>
-              <a:buNone/>
-            </a:pPr>
-            <a:r>
-              <a:rPr b="0" lang="en" sz="900" u="sng">
-                <a:solidFill>
-                  <a:schemeClr val="hlink"/>
-                </a:solidFill>
-                <a:hlinkClick r:id="rId2"/>
-              </a:rPr>
-              <a:t>https://profriehle.com</a:t>
-            </a:r>
-            <a:r>
-              <a:rPr b="0" lang="en" sz="900">
-                <a:solidFill>
-                  <a:schemeClr val="dk2"/>
-                </a:solidFill>
-              </a:rPr>
-              <a:t> </a:t>
-            </a:r>
-            <a:endParaRPr b="0" sz="900">
-              <a:solidFill>
-                <a:schemeClr val="dk2"/>
-              </a:solidFill>
-            </a:endParaRPr>
-          </a:p>
         </p:txBody>
       </p:sp>
       <p:sp>
@@ -6087,6 +6179,144 @@
           </a:p>
         </p:txBody>
       </p:sp>
+      <p:sp>
+        <p:nvSpPr>
+          <p:cNvPr id="21" name="Google Shape;21;p4"/>
+          <p:cNvSpPr txBox="1"/>
+          <p:nvPr>
+            <p:ph idx="12" type="sldNum"/>
+          </p:nvPr>
+        </p:nvSpPr>
+        <p:spPr>
+          <a:xfrm>
+            <a:off x="7315209" y="4229101"/>
+            <a:ext cx="1828800" cy="914400"/>
+          </a:xfrm>
+          <a:prstGeom prst="rect">
+            <a:avLst/>
+          </a:prstGeom>
+        </p:spPr>
+        <p:txBody>
+          <a:bodyPr anchorCtr="0" anchor="b" bIns="91425" lIns="91425" spcFirstLastPara="1" rIns="91425" wrap="square" tIns="91425">
+            <a:noAutofit/>
+          </a:bodyPr>
+          <a:lstStyle>
+            <a:lvl1pPr lvl="0" rtl="0" algn="r">
+              <a:buNone/>
+              <a:defRPr b="1" sz="2400">
+                <a:solidFill>
+                  <a:schemeClr val="dk1"/>
+                </a:solidFill>
+              </a:defRPr>
+            </a:lvl1pPr>
+            <a:lvl2pPr lvl="1" rtl="0" algn="r">
+              <a:buNone/>
+              <a:defRPr b="1" sz="2400">
+                <a:solidFill>
+                  <a:schemeClr val="dk1"/>
+                </a:solidFill>
+              </a:defRPr>
+            </a:lvl2pPr>
+            <a:lvl3pPr lvl="2" rtl="0" algn="r">
+              <a:buNone/>
+              <a:defRPr b="1" sz="2400">
+                <a:solidFill>
+                  <a:schemeClr val="dk1"/>
+                </a:solidFill>
+              </a:defRPr>
+            </a:lvl3pPr>
+            <a:lvl4pPr lvl="3" rtl="0" algn="r">
+              <a:buNone/>
+              <a:defRPr b="1" sz="2400">
+                <a:solidFill>
+                  <a:schemeClr val="dk1"/>
+                </a:solidFill>
+              </a:defRPr>
+            </a:lvl4pPr>
+            <a:lvl5pPr lvl="4" rtl="0" algn="r">
+              <a:buNone/>
+              <a:defRPr b="1" sz="2400">
+                <a:solidFill>
+                  <a:schemeClr val="dk1"/>
+                </a:solidFill>
+              </a:defRPr>
+            </a:lvl5pPr>
+            <a:lvl6pPr lvl="5" rtl="0" algn="r">
+              <a:buNone/>
+              <a:defRPr b="1" sz="2400">
+                <a:solidFill>
+                  <a:schemeClr val="dk1"/>
+                </a:solidFill>
+              </a:defRPr>
+            </a:lvl6pPr>
+            <a:lvl7pPr lvl="6" rtl="0" algn="r">
+              <a:buNone/>
+              <a:defRPr b="1" sz="2400">
+                <a:solidFill>
+                  <a:schemeClr val="dk1"/>
+                </a:solidFill>
+              </a:defRPr>
+            </a:lvl7pPr>
+            <a:lvl8pPr lvl="7" rtl="0" algn="r">
+              <a:buNone/>
+              <a:defRPr b="1" sz="2400">
+                <a:solidFill>
+                  <a:schemeClr val="dk1"/>
+                </a:solidFill>
+              </a:defRPr>
+            </a:lvl8pPr>
+            <a:lvl9pPr lvl="8" rtl="0" algn="r">
+              <a:buNone/>
+              <a:defRPr b="1" sz="2400">
+                <a:solidFill>
+                  <a:schemeClr val="dk1"/>
+                </a:solidFill>
+              </a:defRPr>
+            </a:lvl9pPr>
+          </a:lstStyle>
+          <a:p>
+            <a:pPr indent="0" lvl="0" marL="0" rtl="0" algn="r">
+              <a:spcBef>
+                <a:spcPts val="0"/>
+              </a:spcBef>
+              <a:spcAft>
+                <a:spcPts val="0"/>
+              </a:spcAft>
+              <a:buNone/>
+            </a:pPr>
+            <a:fld id="{00000000-1234-1234-1234-123412341234}" type="slidenum">
+              <a:rPr lang="en"/>
+              <a:t>‹#›</a:t>
+            </a:fld>
+            <a:endParaRPr/>
+          </a:p>
+          <a:p>
+            <a:pPr indent="0" lvl="0" marL="0" rtl="0" algn="r">
+              <a:spcBef>
+                <a:spcPts val="0"/>
+              </a:spcBef>
+              <a:spcAft>
+                <a:spcPts val="0"/>
+              </a:spcAft>
+              <a:buNone/>
+            </a:pPr>
+            <a:r>
+              <a:rPr b="0" lang="en" sz="1000" u="sng">
+                <a:solidFill>
+                  <a:schemeClr val="hlink"/>
+                </a:solidFill>
+                <a:hlinkClick r:id="rId2"/>
+              </a:rPr>
+              <a:t>uni1.de/nyt</a:t>
+            </a:r>
+            <a:r>
+              <a:rPr b="0" lang="en" sz="1000"/>
+              <a:t> </a:t>
+            </a:r>
+            <a:endParaRPr b="0" sz="1000"/>
+          </a:p>
+        </p:txBody>
+      </p:sp>
     </p:spTree>
   </p:cSld>
   <p:clrMapOvr>
@@ -6100,7 +6330,7 @@
   <p:cSld name="TITLE_AND_TWO_COLUMNS">
     <p:spTree>
       <p:nvGrpSpPr>
-        <p:cNvPr id="21" name="Shape 21"/>
+        <p:cNvPr id="22" name="Shape 22"/>
         <p:cNvGrpSpPr/>
         <p:nvPr/>
       </p:nvGrpSpPr>
@@ -6114,7 +6344,7 @@
       </p:grpSpPr>
       <p:sp>
         <p:nvSpPr>
-          <p:cNvPr id="22" name="Google Shape;22;p5"/>
+          <p:cNvPr id="23" name="Google Shape;23;p5"/>
           <p:cNvSpPr txBox="1"/>
           <p:nvPr>
             <p:ph type="title"/>
@@ -6242,7 +6472,7 @@
       </p:sp>
       <p:sp>
         <p:nvSpPr>
-          <p:cNvPr id="23" name="Google Shape;23;p5"/>
+          <p:cNvPr id="24" name="Google Shape;24;p5"/>
           <p:cNvSpPr txBox="1"/>
           <p:nvPr>
             <p:ph idx="1" type="body"/>
@@ -6367,7 +6597,7 @@
       </p:sp>
       <p:sp>
         <p:nvSpPr>
-          <p:cNvPr id="24" name="Google Shape;24;p5"/>
+          <p:cNvPr id="25" name="Google Shape;25;p5"/>
           <p:cNvSpPr txBox="1"/>
           <p:nvPr>
             <p:ph idx="2" type="body"/>
@@ -6488,152 +6718,6 @@
             </a:lvl9pPr>
           </a:lstStyle>
           <a:p/>
-        </p:txBody>
-      </p:sp>
-      <p:sp>
-        <p:nvSpPr>
-          <p:cNvPr id="25" name="Google Shape;25;p5"/>
-          <p:cNvSpPr txBox="1"/>
-          <p:nvPr>
-            <p:ph idx="12" type="sldNum"/>
-          </p:nvPr>
-        </p:nvSpPr>
-        <p:spPr>
-          <a:xfrm>
-            <a:off x="7315202" y="4416550"/>
-            <a:ext cx="1828800" cy="731400"/>
-          </a:xfrm>
-          <a:prstGeom prst="rect">
-            <a:avLst/>
-          </a:prstGeom>
-        </p:spPr>
-        <p:txBody>
-          <a:bodyPr anchorCtr="0" anchor="b" bIns="91425" lIns="91425" spcFirstLastPara="1" rIns="91425" wrap="square" tIns="91425">
-            <a:noAutofit/>
-          </a:bodyPr>
-          <a:lstStyle>
-            <a:lvl1pPr lvl="0">
-              <a:buNone/>
-              <a:defRPr>
-                <a:solidFill>
-                  <a:schemeClr val="dk1"/>
-                </a:solidFill>
-              </a:defRPr>
-            </a:lvl1pPr>
-            <a:lvl2pPr lvl="1">
-              <a:buNone/>
-              <a:defRPr>
-                <a:solidFill>
-                  <a:schemeClr val="dk1"/>
-                </a:solidFill>
-              </a:defRPr>
-            </a:lvl2pPr>
-            <a:lvl3pPr lvl="2">
-              <a:buNone/>
-              <a:defRPr>
-                <a:solidFill>
-                  <a:schemeClr val="dk1"/>
-                </a:solidFill>
-              </a:defRPr>
-            </a:lvl3pPr>
-            <a:lvl4pPr lvl="3">
-              <a:buNone/>
-              <a:defRPr>
-                <a:solidFill>
-                  <a:schemeClr val="dk1"/>
-                </a:solidFill>
-              </a:defRPr>
-            </a:lvl4pPr>
-            <a:lvl5pPr lvl="4">
-              <a:buNone/>
-              <a:defRPr>
-                <a:solidFill>
-                  <a:schemeClr val="dk1"/>
-                </a:solidFill>
-              </a:defRPr>
-            </a:lvl5pPr>
-            <a:lvl6pPr lvl="5">
-              <a:buNone/>
-              <a:defRPr>
-                <a:solidFill>
-                  <a:schemeClr val="dk1"/>
-                </a:solidFill>
-              </a:defRPr>
-            </a:lvl6pPr>
-            <a:lvl7pPr lvl="6">
-              <a:buNone/>
-              <a:defRPr>
-                <a:solidFill>
-                  <a:schemeClr val="dk1"/>
-                </a:solidFill>
-              </a:defRPr>
-            </a:lvl7pPr>
-            <a:lvl8pPr lvl="7">
-              <a:buNone/>
-              <a:defRPr>
-                <a:solidFill>
-                  <a:schemeClr val="dk1"/>
-                </a:solidFill>
-              </a:defRPr>
-            </a:lvl8pPr>
-            <a:lvl9pPr lvl="8">
-              <a:buNone/>
-              <a:defRPr>
-                <a:solidFill>
-                  <a:schemeClr val="dk1"/>
-                </a:solidFill>
-              </a:defRPr>
-            </a:lvl9pPr>
-          </a:lstStyle>
-          <a:p>
-            <a:pPr indent="0" lvl="0" marL="0" rtl="0" algn="r">
-              <a:spcBef>
-                <a:spcPts val="0"/>
-              </a:spcBef>
-              <a:spcAft>
-                <a:spcPts val="0"/>
-              </a:spcAft>
-              <a:buNone/>
-            </a:pPr>
-            <a:fld id="{00000000-1234-1234-1234-123412341234}" type="slidenum">
-              <a:rPr lang="en"/>
-              <a:t>‹#›</a:t>
-            </a:fld>
-            <a:endParaRPr/>
-          </a:p>
-          <a:p>
-            <a:pPr indent="0" lvl="0" marL="0" rtl="0" algn="r">
-              <a:spcBef>
-                <a:spcPts val="0"/>
-              </a:spcBef>
-              <a:spcAft>
-                <a:spcPts val="0"/>
-              </a:spcAft>
-              <a:buNone/>
-            </a:pPr>
-            <a:r>
-              <a:rPr b="0" lang="en" sz="900" u="sng">
-                <a:solidFill>
-                  <a:schemeClr val="hlink"/>
-                </a:solidFill>
-                <a:hlinkClick r:id="rId2"/>
-              </a:rPr>
-              <a:t>https://profriehle.com</a:t>
-            </a:r>
-            <a:r>
-              <a:rPr b="0" lang="en" sz="900">
-                <a:solidFill>
-                  <a:schemeClr val="dk2"/>
-                </a:solidFill>
-              </a:rPr>
-              <a:t> </a:t>
-            </a:r>
-            <a:endParaRPr>
-              <a:solidFill>
-                <a:schemeClr val="dk2"/>
-              </a:solidFill>
-            </a:endParaRPr>
-          </a:p>
         </p:txBody>
       </p:sp>
       <p:sp>
@@ -6679,6 +6763,144 @@
           </a:p>
         </p:txBody>
       </p:sp>
+      <p:sp>
+        <p:nvSpPr>
+          <p:cNvPr id="27" name="Google Shape;27;p5"/>
+          <p:cNvSpPr txBox="1"/>
+          <p:nvPr>
+            <p:ph idx="12" type="sldNum"/>
+          </p:nvPr>
+        </p:nvSpPr>
+        <p:spPr>
+          <a:xfrm>
+            <a:off x="7315209" y="4229101"/>
+            <a:ext cx="1828800" cy="914400"/>
+          </a:xfrm>
+          <a:prstGeom prst="rect">
+            <a:avLst/>
+          </a:prstGeom>
+        </p:spPr>
+        <p:txBody>
+          <a:bodyPr anchorCtr="0" anchor="b" bIns="91425" lIns="91425" spcFirstLastPara="1" rIns="91425" wrap="square" tIns="91425">
+            <a:noAutofit/>
+          </a:bodyPr>
+          <a:lstStyle>
+            <a:lvl1pPr lvl="0" rtl="0" algn="r">
+              <a:buNone/>
+              <a:defRPr b="1" sz="2400">
+                <a:solidFill>
+                  <a:schemeClr val="dk1"/>
+                </a:solidFill>
+              </a:defRPr>
+            </a:lvl1pPr>
+            <a:lvl2pPr lvl="1" rtl="0" algn="r">
+              <a:buNone/>
+              <a:defRPr b="1" sz="2400">
+                <a:solidFill>
+                  <a:schemeClr val="dk1"/>
+                </a:solidFill>
+              </a:defRPr>
+            </a:lvl2pPr>
+            <a:lvl3pPr lvl="2" rtl="0" algn="r">
+              <a:buNone/>
+              <a:defRPr b="1" sz="2400">
+                <a:solidFill>
+                  <a:schemeClr val="dk1"/>
+                </a:solidFill>
+              </a:defRPr>
+            </a:lvl3pPr>
+            <a:lvl4pPr lvl="3" rtl="0" algn="r">
+              <a:buNone/>
+              <a:defRPr b="1" sz="2400">
+                <a:solidFill>
+                  <a:schemeClr val="dk1"/>
+                </a:solidFill>
+              </a:defRPr>
+            </a:lvl4pPr>
+            <a:lvl5pPr lvl="4" rtl="0" algn="r">
+              <a:buNone/>
+              <a:defRPr b="1" sz="2400">
+                <a:solidFill>
+                  <a:schemeClr val="dk1"/>
+                </a:solidFill>
+              </a:defRPr>
+            </a:lvl5pPr>
+            <a:lvl6pPr lvl="5" rtl="0" algn="r">
+              <a:buNone/>
+              <a:defRPr b="1" sz="2400">
+                <a:solidFill>
+                  <a:schemeClr val="dk1"/>
+                </a:solidFill>
+              </a:defRPr>
+            </a:lvl6pPr>
+            <a:lvl7pPr lvl="6" rtl="0" algn="r">
+              <a:buNone/>
+              <a:defRPr b="1" sz="2400">
+                <a:solidFill>
+                  <a:schemeClr val="dk1"/>
+                </a:solidFill>
+              </a:defRPr>
+            </a:lvl7pPr>
+            <a:lvl8pPr lvl="7" rtl="0" algn="r">
+              <a:buNone/>
+              <a:defRPr b="1" sz="2400">
+                <a:solidFill>
+                  <a:schemeClr val="dk1"/>
+                </a:solidFill>
+              </a:defRPr>
+            </a:lvl8pPr>
+            <a:lvl9pPr lvl="8" rtl="0" algn="r">
+              <a:buNone/>
+              <a:defRPr b="1" sz="2400">
+                <a:solidFill>
+                  <a:schemeClr val="dk1"/>
+                </a:solidFill>
+              </a:defRPr>
+            </a:lvl9pPr>
+          </a:lstStyle>
+          <a:p>
+            <a:pPr indent="0" lvl="0" marL="0" rtl="0" algn="r">
+              <a:spcBef>
+                <a:spcPts val="0"/>
+              </a:spcBef>
+              <a:spcAft>
+                <a:spcPts val="0"/>
+              </a:spcAft>
+              <a:buNone/>
+            </a:pPr>
+            <a:fld id="{00000000-1234-1234-1234-123412341234}" type="slidenum">
+              <a:rPr lang="en"/>
+              <a:t>‹#›</a:t>
+            </a:fld>
+            <a:endParaRPr/>
+          </a:p>
+          <a:p>
+            <a:pPr indent="0" lvl="0" marL="0" rtl="0" algn="r">
+              <a:spcBef>
+                <a:spcPts val="0"/>
+              </a:spcBef>
+              <a:spcAft>
+                <a:spcPts val="0"/>
+              </a:spcAft>
+              <a:buNone/>
+            </a:pPr>
+            <a:r>
+              <a:rPr b="0" lang="en" sz="1000" u="sng">
+                <a:solidFill>
+                  <a:schemeClr val="hlink"/>
+                </a:solidFill>
+                <a:hlinkClick r:id="rId2"/>
+              </a:rPr>
+              <a:t>uni1.de/nyt</a:t>
+            </a:r>
+            <a:r>
+              <a:rPr b="0" lang="en" sz="1000"/>
+              <a:t> </a:t>
+            </a:r>
+            <a:endParaRPr b="0" sz="1000"/>
+          </a:p>
+        </p:txBody>
+      </p:sp>
     </p:spTree>
   </p:cSld>
   <p:clrMapOvr>
@@ -6692,7 +6914,7 @@
   <p:cSld name="TITLE_ONLY">
     <p:spTree>
       <p:nvGrpSpPr>
-        <p:cNvPr id="27" name="Shape 27"/>
+        <p:cNvPr id="28" name="Shape 28"/>
         <p:cNvGrpSpPr/>
         <p:nvPr/>
       </p:nvGrpSpPr>
@@ -6706,7 +6928,7 @@
       </p:grpSpPr>
       <p:sp>
         <p:nvSpPr>
-          <p:cNvPr id="28" name="Google Shape;28;p6"/>
+          <p:cNvPr id="29" name="Google Shape;29;p6"/>
           <p:cNvSpPr txBox="1"/>
           <p:nvPr>
             <p:ph type="title"/>
@@ -6827,152 +7049,6 @@
             </a:lvl9pPr>
           </a:lstStyle>
           <a:p/>
-        </p:txBody>
-      </p:sp>
-      <p:sp>
-        <p:nvSpPr>
-          <p:cNvPr id="29" name="Google Shape;29;p6"/>
-          <p:cNvSpPr txBox="1"/>
-          <p:nvPr>
-            <p:ph idx="12" type="sldNum"/>
-          </p:nvPr>
-        </p:nvSpPr>
-        <p:spPr>
-          <a:xfrm>
-            <a:off x="7315202" y="4416550"/>
-            <a:ext cx="1828800" cy="731400"/>
-          </a:xfrm>
-          <a:prstGeom prst="rect">
-            <a:avLst/>
-          </a:prstGeom>
-        </p:spPr>
-        <p:txBody>
-          <a:bodyPr anchorCtr="0" anchor="b" bIns="91425" lIns="91425" spcFirstLastPara="1" rIns="91425" wrap="square" tIns="91425">
-            <a:noAutofit/>
-          </a:bodyPr>
-          <a:lstStyle>
-            <a:lvl1pPr lvl="0">
-              <a:buNone/>
-              <a:defRPr>
-                <a:solidFill>
-                  <a:schemeClr val="dk1"/>
-                </a:solidFill>
-              </a:defRPr>
-            </a:lvl1pPr>
-            <a:lvl2pPr lvl="1">
-              <a:buNone/>
-              <a:defRPr>
-                <a:solidFill>
-                  <a:schemeClr val="dk1"/>
-                </a:solidFill>
-              </a:defRPr>
-            </a:lvl2pPr>
-            <a:lvl3pPr lvl="2">
-              <a:buNone/>
-              <a:defRPr>
-                <a:solidFill>
-                  <a:schemeClr val="dk1"/>
-                </a:solidFill>
-              </a:defRPr>
-            </a:lvl3pPr>
-            <a:lvl4pPr lvl="3">
-              <a:buNone/>
-              <a:defRPr>
-                <a:solidFill>
-                  <a:schemeClr val="dk1"/>
-                </a:solidFill>
-              </a:defRPr>
-            </a:lvl4pPr>
-            <a:lvl5pPr lvl="4">
-              <a:buNone/>
-              <a:defRPr>
-                <a:solidFill>
-                  <a:schemeClr val="dk1"/>
-                </a:solidFill>
-              </a:defRPr>
-            </a:lvl5pPr>
-            <a:lvl6pPr lvl="5">
-              <a:buNone/>
-              <a:defRPr>
-                <a:solidFill>
-                  <a:schemeClr val="dk1"/>
-                </a:solidFill>
-              </a:defRPr>
-            </a:lvl6pPr>
-            <a:lvl7pPr lvl="6">
-              <a:buNone/>
-              <a:defRPr>
-                <a:solidFill>
-                  <a:schemeClr val="dk1"/>
-                </a:solidFill>
-              </a:defRPr>
-            </a:lvl7pPr>
-            <a:lvl8pPr lvl="7">
-              <a:buNone/>
-              <a:defRPr>
-                <a:solidFill>
-                  <a:schemeClr val="dk1"/>
-                </a:solidFill>
-              </a:defRPr>
-            </a:lvl8pPr>
-            <a:lvl9pPr lvl="8">
-              <a:buNone/>
-              <a:defRPr>
-                <a:solidFill>
-                  <a:schemeClr val="dk1"/>
-                </a:solidFill>
-              </a:defRPr>
-            </a:lvl9pPr>
-          </a:lstStyle>
-          <a:p>
-            <a:pPr indent="0" lvl="0" marL="0" rtl="0" algn="r">
-              <a:spcBef>
-                <a:spcPts val="0"/>
-              </a:spcBef>
-              <a:spcAft>
-                <a:spcPts val="0"/>
-              </a:spcAft>
-              <a:buNone/>
-            </a:pPr>
-            <a:fld id="{00000000-1234-1234-1234-123412341234}" type="slidenum">
-              <a:rPr lang="en"/>
-              <a:t>‹#›</a:t>
-            </a:fld>
-            <a:endParaRPr/>
-          </a:p>
-          <a:p>
-            <a:pPr indent="0" lvl="0" marL="0" rtl="0" algn="r">
-              <a:spcBef>
-                <a:spcPts val="0"/>
-              </a:spcBef>
-              <a:spcAft>
-                <a:spcPts val="0"/>
-              </a:spcAft>
-              <a:buNone/>
-            </a:pPr>
-            <a:r>
-              <a:rPr b="0" lang="en" sz="900" u="sng">
-                <a:solidFill>
-                  <a:schemeClr val="hlink"/>
-                </a:solidFill>
-                <a:hlinkClick r:id="rId2"/>
-              </a:rPr>
-              <a:t>https://profriehle.com</a:t>
-            </a:r>
-            <a:r>
-              <a:rPr b="0" lang="en" sz="900">
-                <a:solidFill>
-                  <a:schemeClr val="dk2"/>
-                </a:solidFill>
-              </a:rPr>
-              <a:t> </a:t>
-            </a:r>
-            <a:endParaRPr>
-              <a:solidFill>
-                <a:schemeClr val="dk2"/>
-              </a:solidFill>
-            </a:endParaRPr>
-          </a:p>
         </p:txBody>
       </p:sp>
       <p:sp>
@@ -7018,6 +7094,144 @@
           </a:p>
         </p:txBody>
       </p:sp>
+      <p:sp>
+        <p:nvSpPr>
+          <p:cNvPr id="31" name="Google Shape;31;p6"/>
+          <p:cNvSpPr txBox="1"/>
+          <p:nvPr>
+            <p:ph idx="12" type="sldNum"/>
+          </p:nvPr>
+        </p:nvSpPr>
+        <p:spPr>
+          <a:xfrm>
+            <a:off x="7315209" y="4229101"/>
+            <a:ext cx="1828800" cy="914400"/>
+          </a:xfrm>
+          <a:prstGeom prst="rect">
+            <a:avLst/>
+          </a:prstGeom>
+        </p:spPr>
+        <p:txBody>
+          <a:bodyPr anchorCtr="0" anchor="b" bIns="91425" lIns="91425" spcFirstLastPara="1" rIns="91425" wrap="square" tIns="91425">
+            <a:noAutofit/>
+          </a:bodyPr>
+          <a:lstStyle>
+            <a:lvl1pPr lvl="0" rtl="0" algn="r">
+              <a:buNone/>
+              <a:defRPr b="1" sz="2400">
+                <a:solidFill>
+                  <a:schemeClr val="dk1"/>
+                </a:solidFill>
+              </a:defRPr>
+            </a:lvl1pPr>
+            <a:lvl2pPr lvl="1" rtl="0" algn="r">
+              <a:buNone/>
+              <a:defRPr b="1" sz="2400">
+                <a:solidFill>
+                  <a:schemeClr val="dk1"/>
+                </a:solidFill>
+              </a:defRPr>
+            </a:lvl2pPr>
+            <a:lvl3pPr lvl="2" rtl="0" algn="r">
+              <a:buNone/>
+              <a:defRPr b="1" sz="2400">
+                <a:solidFill>
+                  <a:schemeClr val="dk1"/>
+                </a:solidFill>
+              </a:defRPr>
+            </a:lvl3pPr>
+            <a:lvl4pPr lvl="3" rtl="0" algn="r">
+              <a:buNone/>
+              <a:defRPr b="1" sz="2400">
+                <a:solidFill>
+                  <a:schemeClr val="dk1"/>
+                </a:solidFill>
+              </a:defRPr>
+            </a:lvl4pPr>
+            <a:lvl5pPr lvl="4" rtl="0" algn="r">
+              <a:buNone/>
+              <a:defRPr b="1" sz="2400">
+                <a:solidFill>
+                  <a:schemeClr val="dk1"/>
+                </a:solidFill>
+              </a:defRPr>
+            </a:lvl5pPr>
+            <a:lvl6pPr lvl="5" rtl="0" algn="r">
+              <a:buNone/>
+              <a:defRPr b="1" sz="2400">
+                <a:solidFill>
+                  <a:schemeClr val="dk1"/>
+                </a:solidFill>
+              </a:defRPr>
+            </a:lvl6pPr>
+            <a:lvl7pPr lvl="6" rtl="0" algn="r">
+              <a:buNone/>
+              <a:defRPr b="1" sz="2400">
+                <a:solidFill>
+                  <a:schemeClr val="dk1"/>
+                </a:solidFill>
+              </a:defRPr>
+            </a:lvl7pPr>
+            <a:lvl8pPr lvl="7" rtl="0" algn="r">
+              <a:buNone/>
+              <a:defRPr b="1" sz="2400">
+                <a:solidFill>
+                  <a:schemeClr val="dk1"/>
+                </a:solidFill>
+              </a:defRPr>
+            </a:lvl8pPr>
+            <a:lvl9pPr lvl="8" rtl="0" algn="r">
+              <a:buNone/>
+              <a:defRPr b="1" sz="2400">
+                <a:solidFill>
+                  <a:schemeClr val="dk1"/>
+                </a:solidFill>
+              </a:defRPr>
+            </a:lvl9pPr>
+          </a:lstStyle>
+          <a:p>
+            <a:pPr indent="0" lvl="0" marL="0" rtl="0" algn="r">
+              <a:spcBef>
+                <a:spcPts val="0"/>
+              </a:spcBef>
+              <a:spcAft>
+                <a:spcPts val="0"/>
+              </a:spcAft>
+              <a:buNone/>
+            </a:pPr>
+            <a:fld id="{00000000-1234-1234-1234-123412341234}" type="slidenum">
+              <a:rPr lang="en"/>
+              <a:t>‹#›</a:t>
+            </a:fld>
+            <a:endParaRPr/>
+          </a:p>
+          <a:p>
+            <a:pPr indent="0" lvl="0" marL="0" rtl="0" algn="r">
+              <a:spcBef>
+                <a:spcPts val="0"/>
+              </a:spcBef>
+              <a:spcAft>
+                <a:spcPts val="0"/>
+              </a:spcAft>
+              <a:buNone/>
+            </a:pPr>
+            <a:r>
+              <a:rPr b="0" lang="en" sz="1000" u="sng">
+                <a:solidFill>
+                  <a:schemeClr val="hlink"/>
+                </a:solidFill>
+                <a:hlinkClick r:id="rId2"/>
+              </a:rPr>
+              <a:t>uni1.de/nyt</a:t>
+            </a:r>
+            <a:r>
+              <a:rPr b="0" lang="en" sz="1000"/>
+              <a:t> </a:t>
+            </a:r>
+            <a:endParaRPr b="0" sz="1000"/>
+          </a:p>
+        </p:txBody>
+      </p:sp>
     </p:spTree>
   </p:cSld>
   <p:clrMapOvr>
@@ -7031,7 +7245,7 @@
   <p:cSld name="BLANK">
     <p:spTree>
       <p:nvGrpSpPr>
-        <p:cNvPr id="31" name="Shape 31"/>
+        <p:cNvPr id="32" name="Shape 32"/>
         <p:cNvGrpSpPr/>
         <p:nvPr/>
       </p:nvGrpSpPr>
@@ -7496,8 +7710,8 @@
         </p:nvSpPr>
         <p:spPr>
           <a:xfrm>
-            <a:off x="7315202" y="4416550"/>
-            <a:ext cx="1828800" cy="731400"/>
+            <a:off x="7315209" y="4229101"/>
+            <a:ext cx="1828800" cy="914400"/>
           </a:xfrm>
           <a:prstGeom prst="rect">
             <a:avLst/>
@@ -7516,7 +7730,7 @@
               <a:buNone/>
               <a:defRPr b="1" sz="2400">
                 <a:solidFill>
-                  <a:schemeClr val="dk2"/>
+                  <a:schemeClr val="dk1"/>
                 </a:solidFill>
               </a:defRPr>
             </a:lvl1pPr>
@@ -7524,7 +7738,7 @@
               <a:buNone/>
               <a:defRPr b="1" sz="2400">
                 <a:solidFill>
-                  <a:schemeClr val="dk2"/>
+                  <a:schemeClr val="dk1"/>
                 </a:solidFill>
               </a:defRPr>
             </a:lvl2pPr>
@@ -7532,7 +7746,7 @@
               <a:buNone/>
               <a:defRPr b="1" sz="2400">
                 <a:solidFill>
-                  <a:schemeClr val="dk2"/>
+                  <a:schemeClr val="dk1"/>
                 </a:solidFill>
               </a:defRPr>
             </a:lvl3pPr>
@@ -7540,7 +7754,7 @@
               <a:buNone/>
               <a:defRPr b="1" sz="2400">
                 <a:solidFill>
-                  <a:schemeClr val="dk2"/>
+                  <a:schemeClr val="dk1"/>
                 </a:solidFill>
               </a:defRPr>
             </a:lvl4pPr>
@@ -7548,7 +7762,7 @@
               <a:buNone/>
               <a:defRPr b="1" sz="2400">
                 <a:solidFill>
-                  <a:schemeClr val="dk2"/>
+                  <a:schemeClr val="dk1"/>
                 </a:solidFill>
               </a:defRPr>
             </a:lvl5pPr>
@@ -7556,7 +7770,7 @@
               <a:buNone/>
               <a:defRPr b="1" sz="2400">
                 <a:solidFill>
-                  <a:schemeClr val="dk2"/>
+                  <a:schemeClr val="dk1"/>
                 </a:solidFill>
               </a:defRPr>
             </a:lvl6pPr>
@@ -7564,7 +7778,7 @@
               <a:buNone/>
               <a:defRPr b="1" sz="2400">
                 <a:solidFill>
-                  <a:schemeClr val="dk2"/>
+                  <a:schemeClr val="dk1"/>
                 </a:solidFill>
               </a:defRPr>
             </a:lvl7pPr>
@@ -7572,7 +7786,7 @@
               <a:buNone/>
               <a:defRPr b="1" sz="2400">
                 <a:solidFill>
-                  <a:schemeClr val="dk2"/>
+                  <a:schemeClr val="dk1"/>
                 </a:solidFill>
               </a:defRPr>
             </a:lvl8pPr>
@@ -7580,7 +7794,7 @@
               <a:buNone/>
               <a:defRPr b="1" sz="2400">
                 <a:solidFill>
-                  <a:schemeClr val="dk2"/>
+                  <a:schemeClr val="dk1"/>
                 </a:solidFill>
               </a:defRPr>
             </a:lvl9pPr>
@@ -7612,19 +7826,19 @@
               <a:buNone/>
             </a:pPr>
             <a:r>
-              <a:rPr b="0" lang="en" sz="900" u="sng">
+              <a:rPr b="0" lang="en" sz="1000" u="sng">
                 <a:solidFill>
                   <a:schemeClr val="hlink"/>
                 </a:solidFill>
                 <a:hlinkClick r:id="rId1"/>
               </a:rPr>
-              <a:t>https://profriehle.com</a:t>
-            </a:r>
-            <a:r>
-              <a:rPr b="0" lang="en" sz="900"/>
+              <a:t>uni1.de/nyt</a:t>
+            </a:r>
+            <a:r>
+              <a:rPr b="0" lang="en" sz="1000"/>
               <a:t> </a:t>
             </a:r>
-            <a:endParaRPr b="0" sz="900"/>
+            <a:endParaRPr b="0" sz="1000"/>
           </a:p>
         </p:txBody>
       </p:sp>
@@ -8337,7 +8551,7 @@
   <p:cSld>
     <p:spTree>
       <p:nvGrpSpPr>
-        <p:cNvPr id="35" name="Shape 35"/>
+        <p:cNvPr id="36" name="Shape 36"/>
         <p:cNvGrpSpPr/>
         <p:nvPr/>
       </p:nvGrpSpPr>
@@ -8351,7 +8565,7 @@
       </p:grpSpPr>
       <p:sp>
         <p:nvSpPr>
-          <p:cNvPr id="36" name="Google Shape;36;p8"/>
+          <p:cNvPr id="37" name="Google Shape;37;p8"/>
           <p:cNvSpPr txBox="1"/>
           <p:nvPr>
             <p:ph type="ctrTitle"/>
@@ -8391,7 +8605,7 @@
       </p:sp>
       <p:sp>
         <p:nvSpPr>
-          <p:cNvPr id="37" name="Google Shape;37;p8"/>
+          <p:cNvPr id="38" name="Google Shape;38;p8"/>
           <p:cNvSpPr txBox="1"/>
           <p:nvPr>
             <p:ph idx="1" type="subTitle"/>
@@ -8498,7 +8712,7 @@
   <p:cSld>
     <p:spTree>
       <p:nvGrpSpPr>
-        <p:cNvPr id="96" name="Shape 96"/>
+        <p:cNvPr id="97" name="Shape 97"/>
         <p:cNvGrpSpPr/>
         <p:nvPr/>
       </p:nvGrpSpPr>
@@ -8512,7 +8726,7 @@
       </p:grpSpPr>
       <p:sp>
         <p:nvSpPr>
-          <p:cNvPr id="97" name="Google Shape;97;p17"/>
+          <p:cNvPr id="98" name="Google Shape;98;p17"/>
           <p:cNvSpPr txBox="1"/>
           <p:nvPr>
             <p:ph type="title"/>
@@ -8544,7 +8758,7 @@
             </a:pPr>
             <a:r>
               <a:rPr lang="en"/>
-              <a:t>Types / Purposes of Case Study Research (Yin, 2009)</a:t>
+              <a:t>Types of Case Study Research (Yin, 2009)</a:t>
             </a:r>
             <a:endParaRPr/>
           </a:p>
@@ -8552,7 +8766,7 @@
       </p:sp>
       <p:sp>
         <p:nvSpPr>
-          <p:cNvPr id="98" name="Google Shape;98;p17"/>
+          <p:cNvPr id="99" name="Google Shape;99;p17"/>
           <p:cNvSpPr txBox="1"/>
           <p:nvPr>
             <p:ph idx="1" type="body"/>
@@ -8583,10 +8797,14 @@
               <a:buNone/>
             </a:pPr>
             <a:r>
-              <a:rPr lang="en"/>
-              <a:t>A descriptive case study</a:t>
-            </a:r>
-            <a:endParaRPr/>
+              <a:rPr b="1" lang="en"/>
+              <a:t>D</a:t>
+            </a:r>
+            <a:r>
+              <a:rPr b="1" lang="en"/>
+              <a:t>escriptive case study</a:t>
+            </a:r>
+            <a:endParaRPr b="1"/>
           </a:p>
           <a:p>
             <a:pPr indent="-342900" lvl="0" marL="457200" rtl="0" algn="l">
@@ -8616,10 +8834,10 @@
               <a:buNone/>
             </a:pPr>
             <a:r>
-              <a:rPr lang="en"/>
-              <a:t>An exploratory case study</a:t>
-            </a:r>
-            <a:endParaRPr/>
+              <a:rPr b="1" lang="en"/>
+              <a:t>Exploratory case study</a:t>
+            </a:r>
+            <a:endParaRPr b="1"/>
           </a:p>
           <a:p>
             <a:pPr indent="-342900" lvl="0" marL="457200" rtl="0" algn="l">
@@ -8649,10 +8867,10 @@
               <a:buNone/>
             </a:pPr>
             <a:r>
-              <a:rPr lang="en"/>
-              <a:t>An explanatory case study</a:t>
-            </a:r>
-            <a:endParaRPr/>
+              <a:rPr b="1" lang="en"/>
+              <a:t>Explanatory case study</a:t>
+            </a:r>
+            <a:endParaRPr b="1"/>
           </a:p>
           <a:p>
             <a:pPr indent="-342900" lvl="0" marL="457200" rtl="0" algn="l">
@@ -8690,7 +8908,7 @@
       </p:sp>
       <p:sp>
         <p:nvSpPr>
-          <p:cNvPr id="99" name="Google Shape;99;p17"/>
+          <p:cNvPr id="100" name="Google Shape;100;p17"/>
           <p:cNvSpPr txBox="1"/>
           <p:nvPr>
             <p:ph idx="12" type="sldNum"/>
@@ -8698,8 +8916,8 @@
         </p:nvSpPr>
         <p:spPr>
           <a:xfrm>
-            <a:off x="7315202" y="4416550"/>
-            <a:ext cx="1828800" cy="731400"/>
+            <a:off x="7315209" y="4229101"/>
+            <a:ext cx="1828800" cy="914400"/>
           </a:xfrm>
           <a:prstGeom prst="rect">
             <a:avLst/>
@@ -8737,27 +8955,19 @@
               <a:buNone/>
             </a:pPr>
             <a:r>
-              <a:rPr b="0" lang="en" sz="900" u="sng">
+              <a:rPr b="0" lang="en" sz="1000" u="sng">
                 <a:solidFill>
                   <a:schemeClr val="hlink"/>
                 </a:solidFill>
                 <a:hlinkClick r:id="rId3"/>
               </a:rPr>
-              <a:t>https://profriehle.com</a:t>
-            </a:r>
-            <a:r>
-              <a:rPr b="0" lang="en" sz="900">
-                <a:solidFill>
-                  <a:schemeClr val="dk2"/>
-                </a:solidFill>
-              </a:rPr>
+              <a:t>uni1.de/nyt</a:t>
+            </a:r>
+            <a:r>
+              <a:rPr b="0" lang="en" sz="1000"/>
               <a:t> </a:t>
             </a:r>
-            <a:endParaRPr b="0" sz="900">
-              <a:solidFill>
-                <a:schemeClr val="dk2"/>
-              </a:solidFill>
-            </a:endParaRPr>
+            <a:endParaRPr b="0" sz="1000"/>
           </a:p>
         </p:txBody>
       </p:sp>
@@ -8774,7 +8984,7 @@
   <p:cSld>
     <p:spTree>
       <p:nvGrpSpPr>
-        <p:cNvPr id="103" name="Shape 103"/>
+        <p:cNvPr id="104" name="Shape 104"/>
         <p:cNvGrpSpPr/>
         <p:nvPr/>
       </p:nvGrpSpPr>
@@ -8788,7 +8998,7 @@
       </p:grpSpPr>
       <p:sp>
         <p:nvSpPr>
-          <p:cNvPr id="104" name="Google Shape;104;p18"/>
+          <p:cNvPr id="105" name="Google Shape;105;p18"/>
           <p:cNvSpPr txBox="1"/>
           <p:nvPr>
             <p:ph type="title"/>
@@ -8839,7 +9049,7 @@
   <p:cSld>
     <p:spTree>
       <p:nvGrpSpPr>
-        <p:cNvPr id="108" name="Shape 108"/>
+        <p:cNvPr id="109" name="Shape 109"/>
         <p:cNvGrpSpPr/>
         <p:nvPr/>
       </p:nvGrpSpPr>
@@ -8853,7 +9063,7 @@
       </p:grpSpPr>
       <p:sp>
         <p:nvSpPr>
-          <p:cNvPr id="109" name="Google Shape;109;p19"/>
+          <p:cNvPr id="110" name="Google Shape;110;p19"/>
           <p:cNvSpPr txBox="1"/>
           <p:nvPr>
             <p:ph type="title"/>
@@ -8893,7 +9103,7 @@
       </p:sp>
       <p:sp>
         <p:nvSpPr>
-          <p:cNvPr id="110" name="Google Shape;110;p19"/>
+          <p:cNvPr id="111" name="Google Shape;111;p19"/>
           <p:cNvSpPr txBox="1"/>
           <p:nvPr>
             <p:ph idx="1" type="body"/>
@@ -9018,7 +9228,7 @@
       </p:sp>
       <p:sp>
         <p:nvSpPr>
-          <p:cNvPr id="111" name="Google Shape;111;p19"/>
+          <p:cNvPr id="112" name="Google Shape;112;p19"/>
           <p:cNvSpPr txBox="1"/>
           <p:nvPr>
             <p:ph idx="12" type="sldNum"/>
@@ -9026,8 +9236,8 @@
         </p:nvSpPr>
         <p:spPr>
           <a:xfrm>
-            <a:off x="7315202" y="4416550"/>
-            <a:ext cx="1828800" cy="731400"/>
+            <a:off x="7315209" y="4229101"/>
+            <a:ext cx="1828800" cy="914400"/>
           </a:xfrm>
           <a:prstGeom prst="rect">
             <a:avLst/>
@@ -9065,27 +9275,19 @@
               <a:buNone/>
             </a:pPr>
             <a:r>
-              <a:rPr b="0" lang="en" sz="900" u="sng">
+              <a:rPr b="0" lang="en" sz="1000" u="sng">
                 <a:solidFill>
                   <a:schemeClr val="hlink"/>
                 </a:solidFill>
                 <a:hlinkClick r:id="rId3"/>
               </a:rPr>
-              <a:t>https://profriehle.com</a:t>
-            </a:r>
-            <a:r>
-              <a:rPr b="0" lang="en" sz="900">
-                <a:solidFill>
-                  <a:schemeClr val="dk2"/>
-                </a:solidFill>
-              </a:rPr>
+              <a:t>uni1.de/nyt</a:t>
+            </a:r>
+            <a:r>
+              <a:rPr b="0" lang="en" sz="1000"/>
               <a:t> </a:t>
             </a:r>
-            <a:endParaRPr b="0" sz="900">
-              <a:solidFill>
-                <a:schemeClr val="dk2"/>
-              </a:solidFill>
-            </a:endParaRPr>
+            <a:endParaRPr b="0" sz="1000"/>
           </a:p>
         </p:txBody>
       </p:sp>
@@ -9102,7 +9304,7 @@
   <p:cSld>
     <p:spTree>
       <p:nvGrpSpPr>
-        <p:cNvPr id="115" name="Shape 115"/>
+        <p:cNvPr id="116" name="Shape 116"/>
         <p:cNvGrpSpPr/>
         <p:nvPr/>
       </p:nvGrpSpPr>
@@ -9116,7 +9318,7 @@
       </p:grpSpPr>
       <p:sp>
         <p:nvSpPr>
-          <p:cNvPr id="116" name="Google Shape;116;p20"/>
+          <p:cNvPr id="117" name="Google Shape;117;p20"/>
           <p:cNvSpPr txBox="1"/>
           <p:nvPr>
             <p:ph type="title"/>
@@ -9161,7 +9363,7 @@
       </p:sp>
       <p:sp>
         <p:nvSpPr>
-          <p:cNvPr id="117" name="Google Shape;117;p20"/>
+          <p:cNvPr id="118" name="Google Shape;118;p20"/>
           <p:cNvSpPr txBox="1"/>
           <p:nvPr>
             <p:ph idx="12" type="sldNum"/>
@@ -9169,8 +9371,8 @@
         </p:nvSpPr>
         <p:spPr>
           <a:xfrm>
-            <a:off x="7315202" y="4416550"/>
-            <a:ext cx="1828800" cy="731400"/>
+            <a:off x="7315209" y="4229101"/>
+            <a:ext cx="1828800" cy="914400"/>
           </a:xfrm>
           <a:prstGeom prst="rect">
             <a:avLst/>
@@ -9208,33 +9410,25 @@
               <a:buNone/>
             </a:pPr>
             <a:r>
-              <a:rPr b="0" lang="en" sz="900" u="sng">
+              <a:rPr b="0" lang="en" sz="1000" u="sng">
                 <a:solidFill>
                   <a:schemeClr val="hlink"/>
                 </a:solidFill>
                 <a:hlinkClick r:id="rId3"/>
               </a:rPr>
-              <a:t>https://profriehle.com</a:t>
-            </a:r>
-            <a:r>
-              <a:rPr b="0" lang="en" sz="900">
-                <a:solidFill>
-                  <a:schemeClr val="dk2"/>
-                </a:solidFill>
-              </a:rPr>
+              <a:t>uni1.de/nyt</a:t>
+            </a:r>
+            <a:r>
+              <a:rPr b="0" lang="en" sz="1000"/>
               <a:t> </a:t>
             </a:r>
-            <a:endParaRPr b="0" sz="900">
-              <a:solidFill>
-                <a:schemeClr val="dk2"/>
-              </a:solidFill>
-            </a:endParaRPr>
+            <a:endParaRPr b="0" sz="1000"/>
           </a:p>
         </p:txBody>
       </p:sp>
       <p:sp>
         <p:nvSpPr>
-          <p:cNvPr id="118" name="Google Shape;118;p20"/>
+          <p:cNvPr id="119" name="Google Shape;119;p20"/>
           <p:cNvSpPr txBox="1"/>
           <p:nvPr>
             <p:ph idx="1" type="body"/>
@@ -9312,7 +9506,7 @@
       </p:sp>
       <p:sp>
         <p:nvSpPr>
-          <p:cNvPr id="119" name="Google Shape;119;p20"/>
+          <p:cNvPr id="120" name="Google Shape;120;p20"/>
           <p:cNvSpPr txBox="1"/>
           <p:nvPr/>
         </p:nvSpPr>
@@ -9365,7 +9559,7 @@
   <p:cSld>
     <p:spTree>
       <p:nvGrpSpPr>
-        <p:cNvPr id="123" name="Shape 123"/>
+        <p:cNvPr id="124" name="Shape 124"/>
         <p:cNvGrpSpPr/>
         <p:nvPr/>
       </p:nvGrpSpPr>
@@ -9379,7 +9573,7 @@
       </p:grpSpPr>
       <p:sp>
         <p:nvSpPr>
-          <p:cNvPr id="124" name="Google Shape;124;p21"/>
+          <p:cNvPr id="125" name="Google Shape;125;p21"/>
           <p:cNvSpPr txBox="1"/>
           <p:nvPr>
             <p:ph type="title"/>
@@ -9419,7 +9613,7 @@
       </p:sp>
       <p:sp>
         <p:nvSpPr>
-          <p:cNvPr id="125" name="Google Shape;125;p21"/>
+          <p:cNvPr id="126" name="Google Shape;126;p21"/>
           <p:cNvSpPr txBox="1"/>
           <p:nvPr>
             <p:ph idx="12" type="sldNum"/>
@@ -9427,8 +9621,8 @@
         </p:nvSpPr>
         <p:spPr>
           <a:xfrm>
-            <a:off x="7315202" y="4416550"/>
-            <a:ext cx="1828800" cy="731400"/>
+            <a:off x="7315209" y="4229101"/>
+            <a:ext cx="1828800" cy="914400"/>
           </a:xfrm>
           <a:prstGeom prst="rect">
             <a:avLst/>
@@ -9466,33 +9660,25 @@
               <a:buNone/>
             </a:pPr>
             <a:r>
-              <a:rPr b="0" lang="en" sz="900" u="sng">
+              <a:rPr b="0" lang="en" sz="1000" u="sng">
                 <a:solidFill>
                   <a:schemeClr val="hlink"/>
                 </a:solidFill>
                 <a:hlinkClick r:id="rId3"/>
               </a:rPr>
-              <a:t>https://profriehle.com</a:t>
-            </a:r>
-            <a:r>
-              <a:rPr b="0" lang="en" sz="900">
-                <a:solidFill>
-                  <a:schemeClr val="dk2"/>
-                </a:solidFill>
-              </a:rPr>
+              <a:t>uni1.de/nyt</a:t>
+            </a:r>
+            <a:r>
+              <a:rPr b="0" lang="en" sz="1000"/>
               <a:t> </a:t>
             </a:r>
-            <a:endParaRPr>
-              <a:solidFill>
-                <a:schemeClr val="dk2"/>
-              </a:solidFill>
-            </a:endParaRPr>
+            <a:endParaRPr b="0" sz="1000"/>
           </a:p>
         </p:txBody>
       </p:sp>
       <p:pic>
         <p:nvPicPr>
-          <p:cNvPr id="126" name="Google Shape;126;p21"/>
+          <p:cNvPr id="127" name="Google Shape;127;p21"/>
           <p:cNvPicPr preferRelativeResize="0"/>
           <p:nvPr/>
         </p:nvPicPr>
@@ -9531,7 +9717,7 @@
   <p:cSld>
     <p:spTree>
       <p:nvGrpSpPr>
-        <p:cNvPr id="130" name="Shape 130"/>
+        <p:cNvPr id="131" name="Shape 131"/>
         <p:cNvGrpSpPr/>
         <p:nvPr/>
       </p:nvGrpSpPr>
@@ -9545,7 +9731,7 @@
       </p:grpSpPr>
       <p:sp>
         <p:nvSpPr>
-          <p:cNvPr id="131" name="Google Shape;131;p22"/>
+          <p:cNvPr id="132" name="Google Shape;132;p22"/>
           <p:cNvSpPr txBox="1"/>
           <p:nvPr>
             <p:ph idx="1" type="body"/>
@@ -9577,7 +9763,15 @@
             </a:pPr>
             <a:r>
               <a:rPr lang="en"/>
-              <a:t>A unit of analysis is</a:t>
+              <a:t>A </a:t>
+            </a:r>
+            <a:r>
+              <a:rPr b="1" lang="en"/>
+              <a:t>unit of analysis</a:t>
+            </a:r>
+            <a:r>
+              <a:rPr lang="en"/>
+              <a:t> is</a:t>
             </a:r>
             <a:endParaRPr/>
           </a:p>
@@ -9683,7 +9877,7 @@
       </p:sp>
       <p:sp>
         <p:nvSpPr>
-          <p:cNvPr id="132" name="Google Shape;132;p22"/>
+          <p:cNvPr id="133" name="Google Shape;133;p22"/>
           <p:cNvSpPr txBox="1"/>
           <p:nvPr>
             <p:ph type="title"/>
@@ -9723,7 +9917,7 @@
       </p:sp>
       <p:sp>
         <p:nvSpPr>
-          <p:cNvPr id="133" name="Google Shape;133;p22"/>
+          <p:cNvPr id="134" name="Google Shape;134;p22"/>
           <p:cNvSpPr txBox="1"/>
           <p:nvPr>
             <p:ph idx="12" type="sldNum"/>
@@ -9731,8 +9925,8 @@
         </p:nvSpPr>
         <p:spPr>
           <a:xfrm>
-            <a:off x="7315202" y="4416550"/>
-            <a:ext cx="1828800" cy="731400"/>
+            <a:off x="7315209" y="4229101"/>
+            <a:ext cx="1828800" cy="914400"/>
           </a:xfrm>
           <a:prstGeom prst="rect">
             <a:avLst/>
@@ -9770,27 +9964,19 @@
               <a:buNone/>
             </a:pPr>
             <a:r>
-              <a:rPr b="0" lang="en" sz="900" u="sng">
+              <a:rPr b="0" lang="en" sz="1000" u="sng">
                 <a:solidFill>
                   <a:schemeClr val="hlink"/>
                 </a:solidFill>
                 <a:hlinkClick r:id="rId3"/>
               </a:rPr>
-              <a:t>https://profriehle.com</a:t>
-            </a:r>
-            <a:r>
-              <a:rPr b="0" lang="en" sz="900">
-                <a:solidFill>
-                  <a:schemeClr val="dk2"/>
-                </a:solidFill>
-              </a:rPr>
+              <a:t>uni1.de/nyt</a:t>
+            </a:r>
+            <a:r>
+              <a:rPr b="0" lang="en" sz="1000"/>
               <a:t> </a:t>
             </a:r>
-            <a:endParaRPr b="0" sz="900">
-              <a:solidFill>
-                <a:schemeClr val="dk2"/>
-              </a:solidFill>
-            </a:endParaRPr>
+            <a:endParaRPr b="0" sz="1000"/>
           </a:p>
         </p:txBody>
       </p:sp>
@@ -9807,7 +9993,7 @@
   <p:cSld>
     <p:spTree>
       <p:nvGrpSpPr>
-        <p:cNvPr id="137" name="Shape 137"/>
+        <p:cNvPr id="138" name="Shape 138"/>
         <p:cNvGrpSpPr/>
         <p:nvPr/>
       </p:nvGrpSpPr>
@@ -9821,7 +10007,7 @@
       </p:grpSpPr>
       <p:sp>
         <p:nvSpPr>
-          <p:cNvPr id="138" name="Google Shape;138;p23"/>
+          <p:cNvPr id="139" name="Google Shape;139;p23"/>
           <p:cNvSpPr txBox="1"/>
           <p:nvPr>
             <p:ph type="title"/>
@@ -9861,7 +10047,7 @@
       </p:sp>
       <p:sp>
         <p:nvSpPr>
-          <p:cNvPr id="139" name="Google Shape;139;p23"/>
+          <p:cNvPr id="140" name="Google Shape;140;p23"/>
           <p:cNvSpPr txBox="1"/>
           <p:nvPr>
             <p:ph idx="12" type="sldNum"/>
@@ -9869,8 +10055,8 @@
         </p:nvSpPr>
         <p:spPr>
           <a:xfrm>
-            <a:off x="7315202" y="4416550"/>
-            <a:ext cx="1828800" cy="731400"/>
+            <a:off x="7315209" y="4229101"/>
+            <a:ext cx="1828800" cy="914400"/>
           </a:xfrm>
           <a:prstGeom prst="rect">
             <a:avLst/>
@@ -9908,33 +10094,25 @@
               <a:buNone/>
             </a:pPr>
             <a:r>
-              <a:rPr b="0" lang="en" sz="900" u="sng">
+              <a:rPr b="0" lang="en" sz="1000" u="sng">
                 <a:solidFill>
                   <a:schemeClr val="hlink"/>
                 </a:solidFill>
                 <a:hlinkClick r:id="rId3"/>
               </a:rPr>
-              <a:t>https://profriehle.com</a:t>
-            </a:r>
-            <a:r>
-              <a:rPr b="0" lang="en" sz="900">
-                <a:solidFill>
-                  <a:schemeClr val="dk2"/>
-                </a:solidFill>
-              </a:rPr>
+              <a:t>uni1.de/nyt</a:t>
+            </a:r>
+            <a:r>
+              <a:rPr b="0" lang="en" sz="1000"/>
               <a:t> </a:t>
             </a:r>
-            <a:endParaRPr b="0" sz="900">
-              <a:solidFill>
-                <a:schemeClr val="dk2"/>
-              </a:solidFill>
-            </a:endParaRPr>
+            <a:endParaRPr b="0" sz="1000"/>
           </a:p>
         </p:txBody>
       </p:sp>
       <p:sp>
         <p:nvSpPr>
-          <p:cNvPr id="140" name="Google Shape;140;p23"/>
+          <p:cNvPr id="141" name="Google Shape;141;p23"/>
           <p:cNvSpPr txBox="1"/>
           <p:nvPr>
             <p:ph idx="1" type="body"/>
@@ -10087,7 +10265,7 @@
   <p:cSld>
     <p:spTree>
       <p:nvGrpSpPr>
-        <p:cNvPr id="144" name="Shape 144"/>
+        <p:cNvPr id="145" name="Shape 145"/>
         <p:cNvGrpSpPr/>
         <p:nvPr/>
       </p:nvGrpSpPr>
@@ -10101,7 +10279,7 @@
       </p:grpSpPr>
       <p:sp>
         <p:nvSpPr>
-          <p:cNvPr id="145" name="Google Shape;145;p24"/>
+          <p:cNvPr id="146" name="Google Shape;146;p24"/>
           <p:cNvSpPr txBox="1"/>
           <p:nvPr>
             <p:ph type="title"/>
@@ -10141,7 +10319,7 @@
       </p:sp>
       <p:sp>
         <p:nvSpPr>
-          <p:cNvPr id="146" name="Google Shape;146;p24"/>
+          <p:cNvPr id="147" name="Google Shape;147;p24"/>
           <p:cNvSpPr txBox="1"/>
           <p:nvPr>
             <p:ph idx="12" type="sldNum"/>
@@ -10149,8 +10327,8 @@
         </p:nvSpPr>
         <p:spPr>
           <a:xfrm>
-            <a:off x="7315202" y="4416550"/>
-            <a:ext cx="1828800" cy="731400"/>
+            <a:off x="7315209" y="4229101"/>
+            <a:ext cx="1828800" cy="914400"/>
           </a:xfrm>
           <a:prstGeom prst="rect">
             <a:avLst/>
@@ -10188,33 +10366,25 @@
               <a:buNone/>
             </a:pPr>
             <a:r>
-              <a:rPr b="0" lang="en" sz="900" u="sng">
+              <a:rPr b="0" lang="en" sz="1000" u="sng">
                 <a:solidFill>
                   <a:schemeClr val="hlink"/>
                 </a:solidFill>
                 <a:hlinkClick r:id="rId3"/>
               </a:rPr>
-              <a:t>https://profriehle.com</a:t>
-            </a:r>
-            <a:r>
-              <a:rPr b="0" lang="en" sz="900">
-                <a:solidFill>
-                  <a:schemeClr val="dk2"/>
-                </a:solidFill>
-              </a:rPr>
+              <a:t>uni1.de/nyt</a:t>
+            </a:r>
+            <a:r>
+              <a:rPr b="0" lang="en" sz="1000"/>
               <a:t> </a:t>
             </a:r>
-            <a:endParaRPr b="0" sz="900">
-              <a:solidFill>
-                <a:schemeClr val="dk2"/>
-              </a:solidFill>
-            </a:endParaRPr>
+            <a:endParaRPr b="0" sz="1000"/>
           </a:p>
         </p:txBody>
       </p:sp>
       <p:pic>
         <p:nvPicPr>
-          <p:cNvPr id="147" name="Google Shape;147;p24"/>
+          <p:cNvPr id="148" name="Google Shape;148;p24"/>
           <p:cNvPicPr preferRelativeResize="0"/>
           <p:nvPr/>
         </p:nvPicPr>
@@ -10253,7 +10423,7 @@
   <p:cSld>
     <p:spTree>
       <p:nvGrpSpPr>
-        <p:cNvPr id="151" name="Shape 151"/>
+        <p:cNvPr id="152" name="Shape 152"/>
         <p:cNvGrpSpPr/>
         <p:nvPr/>
       </p:nvGrpSpPr>
@@ -10267,7 +10437,7 @@
       </p:grpSpPr>
       <p:sp>
         <p:nvSpPr>
-          <p:cNvPr id="152" name="Google Shape;152;p25"/>
+          <p:cNvPr id="153" name="Google Shape;153;p25"/>
           <p:cNvSpPr txBox="1"/>
           <p:nvPr>
             <p:ph type="title"/>
@@ -10307,7 +10477,7 @@
       </p:sp>
       <p:sp>
         <p:nvSpPr>
-          <p:cNvPr id="153" name="Google Shape;153;p25"/>
+          <p:cNvPr id="154" name="Google Shape;154;p25"/>
           <p:cNvSpPr txBox="1"/>
           <p:nvPr>
             <p:ph idx="12" type="sldNum"/>
@@ -10315,8 +10485,8 @@
         </p:nvSpPr>
         <p:spPr>
           <a:xfrm>
-            <a:off x="7315202" y="4416550"/>
-            <a:ext cx="1828800" cy="731400"/>
+            <a:off x="7315209" y="4229101"/>
+            <a:ext cx="1828800" cy="914400"/>
           </a:xfrm>
           <a:prstGeom prst="rect">
             <a:avLst/>
@@ -10354,33 +10524,25 @@
               <a:buNone/>
             </a:pPr>
             <a:r>
-              <a:rPr b="0" lang="en" sz="900" u="sng">
+              <a:rPr b="0" lang="en" sz="1000" u="sng">
                 <a:solidFill>
                   <a:schemeClr val="hlink"/>
                 </a:solidFill>
                 <a:hlinkClick r:id="rId3"/>
               </a:rPr>
-              <a:t>https://profriehle.com</a:t>
-            </a:r>
-            <a:r>
-              <a:rPr b="0" lang="en" sz="900">
-                <a:solidFill>
-                  <a:schemeClr val="dk2"/>
-                </a:solidFill>
-              </a:rPr>
+              <a:t>uni1.de/nyt</a:t>
+            </a:r>
+            <a:r>
+              <a:rPr b="0" lang="en" sz="1000"/>
               <a:t> </a:t>
             </a:r>
-            <a:endParaRPr b="0" sz="900">
-              <a:solidFill>
-                <a:schemeClr val="dk2"/>
-              </a:solidFill>
-            </a:endParaRPr>
+            <a:endParaRPr b="0" sz="1000"/>
           </a:p>
         </p:txBody>
       </p:sp>
       <p:sp>
         <p:nvSpPr>
-          <p:cNvPr id="154" name="Google Shape;154;p25"/>
+          <p:cNvPr id="155" name="Google Shape;155;p25"/>
           <p:cNvSpPr txBox="1"/>
           <p:nvPr>
             <p:ph idx="1" type="body"/>
@@ -10588,7 +10750,7 @@
   <p:cSld>
     <p:spTree>
       <p:nvGrpSpPr>
-        <p:cNvPr id="158" name="Shape 158"/>
+        <p:cNvPr id="159" name="Shape 159"/>
         <p:cNvGrpSpPr/>
         <p:nvPr/>
       </p:nvGrpSpPr>
@@ -10602,7 +10764,7 @@
       </p:grpSpPr>
       <p:sp>
         <p:nvSpPr>
-          <p:cNvPr id="159" name="Google Shape;159;p26"/>
+          <p:cNvPr id="160" name="Google Shape;160;p26"/>
           <p:cNvSpPr txBox="1"/>
           <p:nvPr>
             <p:ph type="title"/>
@@ -10642,7 +10804,7 @@
       </p:sp>
       <p:sp>
         <p:nvSpPr>
-          <p:cNvPr id="160" name="Google Shape;160;p26"/>
+          <p:cNvPr id="161" name="Google Shape;161;p26"/>
           <p:cNvSpPr txBox="1"/>
           <p:nvPr>
             <p:ph idx="1" type="body"/>
@@ -10731,7 +10893,7 @@
       </p:sp>
       <p:sp>
         <p:nvSpPr>
-          <p:cNvPr id="161" name="Google Shape;161;p26"/>
+          <p:cNvPr id="162" name="Google Shape;162;p26"/>
           <p:cNvSpPr txBox="1"/>
           <p:nvPr>
             <p:ph idx="12" type="sldNum"/>
@@ -10739,8 +10901,8 @@
         </p:nvSpPr>
         <p:spPr>
           <a:xfrm>
-            <a:off x="7315202" y="4416550"/>
-            <a:ext cx="1828800" cy="731400"/>
+            <a:off x="7315209" y="4229101"/>
+            <a:ext cx="1828800" cy="914400"/>
           </a:xfrm>
           <a:prstGeom prst="rect">
             <a:avLst/>
@@ -10778,27 +10940,19 @@
               <a:buNone/>
             </a:pPr>
             <a:r>
-              <a:rPr b="0" lang="en" sz="900" u="sng">
+              <a:rPr b="0" lang="en" sz="1000" u="sng">
                 <a:solidFill>
                   <a:schemeClr val="hlink"/>
                 </a:solidFill>
                 <a:hlinkClick r:id="rId3"/>
               </a:rPr>
-              <a:t>https://profriehle.com</a:t>
-            </a:r>
-            <a:r>
-              <a:rPr b="0" lang="en" sz="900">
-                <a:solidFill>
-                  <a:schemeClr val="dk2"/>
-                </a:solidFill>
-              </a:rPr>
+              <a:t>uni1.de/nyt</a:t>
+            </a:r>
+            <a:r>
+              <a:rPr b="0" lang="en" sz="1000"/>
               <a:t> </a:t>
             </a:r>
-            <a:endParaRPr b="0" sz="900">
-              <a:solidFill>
-                <a:schemeClr val="dk2"/>
-              </a:solidFill>
-            </a:endParaRPr>
+            <a:endParaRPr b="0" sz="1000"/>
           </a:p>
         </p:txBody>
       </p:sp>
@@ -10815,7 +10969,7 @@
   <p:cSld>
     <p:spTree>
       <p:nvGrpSpPr>
-        <p:cNvPr id="41" name="Shape 41"/>
+        <p:cNvPr id="42" name="Shape 42"/>
         <p:cNvGrpSpPr/>
         <p:nvPr/>
       </p:nvGrpSpPr>
@@ -10829,7 +10983,7 @@
       </p:grpSpPr>
       <p:sp>
         <p:nvSpPr>
-          <p:cNvPr id="42" name="Google Shape;42;p9"/>
+          <p:cNvPr id="43" name="Google Shape;43;p9"/>
           <p:cNvSpPr txBox="1"/>
           <p:nvPr>
             <p:ph type="title"/>
@@ -10869,7 +11023,7 @@
       </p:sp>
       <p:sp>
         <p:nvSpPr>
-          <p:cNvPr id="43" name="Google Shape;43;p9"/>
+          <p:cNvPr id="44" name="Google Shape;44;p9"/>
           <p:cNvSpPr txBox="1"/>
           <p:nvPr>
             <p:ph idx="1" type="body"/>
@@ -11033,7 +11187,7 @@
       </p:sp>
       <p:sp>
         <p:nvSpPr>
-          <p:cNvPr id="44" name="Google Shape;44;p9"/>
+          <p:cNvPr id="45" name="Google Shape;45;p9"/>
           <p:cNvSpPr txBox="1"/>
           <p:nvPr>
             <p:ph idx="12" type="sldNum"/>
@@ -11041,8 +11195,8 @@
         </p:nvSpPr>
         <p:spPr>
           <a:xfrm>
-            <a:off x="7315202" y="4416550"/>
-            <a:ext cx="1828800" cy="731400"/>
+            <a:off x="7315209" y="4229101"/>
+            <a:ext cx="1828800" cy="914400"/>
           </a:xfrm>
           <a:prstGeom prst="rect">
             <a:avLst/>
@@ -11080,27 +11234,19 @@
               <a:buNone/>
             </a:pPr>
             <a:r>
-              <a:rPr b="0" lang="en" sz="900" u="sng">
+              <a:rPr b="0" lang="en" sz="1000" u="sng">
                 <a:solidFill>
                   <a:schemeClr val="hlink"/>
                 </a:solidFill>
                 <a:hlinkClick r:id="rId3"/>
               </a:rPr>
-              <a:t>https://profriehle.com</a:t>
-            </a:r>
-            <a:r>
-              <a:rPr b="0" lang="en" sz="900">
-                <a:solidFill>
-                  <a:schemeClr val="dk2"/>
-                </a:solidFill>
-              </a:rPr>
+              <a:t>uni1.de/nyt</a:t>
+            </a:r>
+            <a:r>
+              <a:rPr b="0" lang="en" sz="1000"/>
               <a:t> </a:t>
             </a:r>
-            <a:endParaRPr b="0" sz="900">
-              <a:solidFill>
-                <a:schemeClr val="dk2"/>
-              </a:solidFill>
-            </a:endParaRPr>
+            <a:endParaRPr b="0" sz="1000"/>
           </a:p>
         </p:txBody>
       </p:sp>
@@ -11117,7 +11263,7 @@
   <p:cSld>
     <p:spTree>
       <p:nvGrpSpPr>
-        <p:cNvPr id="165" name="Shape 165"/>
+        <p:cNvPr id="166" name="Shape 166"/>
         <p:cNvGrpSpPr/>
         <p:nvPr/>
       </p:nvGrpSpPr>
@@ -11131,7 +11277,7 @@
       </p:grpSpPr>
       <p:sp>
         <p:nvSpPr>
-          <p:cNvPr id="166" name="Google Shape;166;p27"/>
+          <p:cNvPr id="167" name="Google Shape;167;p27"/>
           <p:cNvSpPr txBox="1"/>
           <p:nvPr>
             <p:ph type="title"/>
@@ -11171,7 +11317,7 @@
       </p:sp>
       <p:sp>
         <p:nvSpPr>
-          <p:cNvPr id="167" name="Google Shape;167;p27"/>
+          <p:cNvPr id="168" name="Google Shape;168;p27"/>
           <p:cNvSpPr txBox="1"/>
           <p:nvPr>
             <p:ph idx="12" type="sldNum"/>
@@ -11179,8 +11325,8 @@
         </p:nvSpPr>
         <p:spPr>
           <a:xfrm>
-            <a:off x="7315202" y="4416550"/>
-            <a:ext cx="1828800" cy="731400"/>
+            <a:off x="7315209" y="4229101"/>
+            <a:ext cx="1828800" cy="914400"/>
           </a:xfrm>
           <a:prstGeom prst="rect">
             <a:avLst/>
@@ -11218,33 +11364,25 @@
               <a:buNone/>
             </a:pPr>
             <a:r>
-              <a:rPr b="0" lang="en" sz="900" u="sng">
+              <a:rPr b="0" lang="en" sz="1000" u="sng">
                 <a:solidFill>
                   <a:schemeClr val="hlink"/>
                 </a:solidFill>
                 <a:hlinkClick r:id="rId3"/>
               </a:rPr>
-              <a:t>https://profriehle.com</a:t>
-            </a:r>
-            <a:r>
-              <a:rPr b="0" lang="en" sz="900">
-                <a:solidFill>
-                  <a:schemeClr val="dk2"/>
-                </a:solidFill>
-              </a:rPr>
+              <a:t>uni1.de/nyt</a:t>
+            </a:r>
+            <a:r>
+              <a:rPr b="0" lang="en" sz="1000"/>
               <a:t> </a:t>
             </a:r>
-            <a:endParaRPr b="0" sz="900">
-              <a:solidFill>
-                <a:schemeClr val="dk2"/>
-              </a:solidFill>
-            </a:endParaRPr>
+            <a:endParaRPr b="0" sz="1000"/>
           </a:p>
         </p:txBody>
       </p:sp>
       <p:graphicFrame>
         <p:nvGraphicFramePr>
-          <p:cNvPr id="168" name="Google Shape;168;p27"/>
+          <p:cNvPr id="169" name="Google Shape;169;p27"/>
           <p:cNvGraphicFramePr/>
           <p:nvPr/>
         </p:nvGraphicFramePr>
@@ -11257,7 +11395,7 @@
             <a:tbl>
               <a:tblPr>
                 <a:noFill/>
-                <a:tableStyleId>{FEE66A2B-047E-4028-A083-8F2A6D07E032}</a:tableStyleId>
+                <a:tableStyleId>{D205206A-91D3-4836-911A-5ED280F946E9}</a:tableStyleId>
               </a:tblPr>
               <a:tblGrid>
                 <a:gridCol w="2148850"/>
@@ -13878,7 +14016,7 @@
   <p:cSld>
     <p:spTree>
       <p:nvGrpSpPr>
-        <p:cNvPr id="172" name="Shape 172"/>
+        <p:cNvPr id="173" name="Shape 173"/>
         <p:cNvGrpSpPr/>
         <p:nvPr/>
       </p:nvGrpSpPr>
@@ -13892,7 +14030,7 @@
       </p:grpSpPr>
       <p:sp>
         <p:nvSpPr>
-          <p:cNvPr id="173" name="Google Shape;173;p28"/>
+          <p:cNvPr id="174" name="Google Shape;174;p28"/>
           <p:cNvSpPr txBox="1"/>
           <p:nvPr>
             <p:ph type="title"/>
@@ -13932,7 +14070,7 @@
       </p:sp>
       <p:sp>
         <p:nvSpPr>
-          <p:cNvPr id="174" name="Google Shape;174;p28"/>
+          <p:cNvPr id="175" name="Google Shape;175;p28"/>
           <p:cNvSpPr txBox="1"/>
           <p:nvPr>
             <p:ph idx="1" type="body"/>
@@ -14004,7 +14142,7 @@
       </p:sp>
       <p:sp>
         <p:nvSpPr>
-          <p:cNvPr id="175" name="Google Shape;175;p28"/>
+          <p:cNvPr id="176" name="Google Shape;176;p28"/>
           <p:cNvSpPr txBox="1"/>
           <p:nvPr>
             <p:ph idx="12" type="sldNum"/>
@@ -14012,8 +14150,8 @@
         </p:nvSpPr>
         <p:spPr>
           <a:xfrm>
-            <a:off x="7315202" y="4416550"/>
-            <a:ext cx="1828800" cy="731400"/>
+            <a:off x="7315209" y="4229101"/>
+            <a:ext cx="1828800" cy="914400"/>
           </a:xfrm>
           <a:prstGeom prst="rect">
             <a:avLst/>
@@ -14051,27 +14189,19 @@
               <a:buNone/>
             </a:pPr>
             <a:r>
-              <a:rPr b="0" lang="en" sz="900" u="sng">
+              <a:rPr b="0" lang="en" sz="1000" u="sng">
                 <a:solidFill>
                   <a:schemeClr val="hlink"/>
                 </a:solidFill>
                 <a:hlinkClick r:id="rId3"/>
               </a:rPr>
-              <a:t>https://profriehle.com</a:t>
-            </a:r>
-            <a:r>
-              <a:rPr b="0" lang="en" sz="900">
-                <a:solidFill>
-                  <a:schemeClr val="dk2"/>
-                </a:solidFill>
-              </a:rPr>
+              <a:t>uni1.de/nyt</a:t>
+            </a:r>
+            <a:r>
+              <a:rPr b="0" lang="en" sz="1000"/>
               <a:t> </a:t>
             </a:r>
-            <a:endParaRPr b="0" sz="900">
-              <a:solidFill>
-                <a:schemeClr val="dk2"/>
-              </a:solidFill>
-            </a:endParaRPr>
+            <a:endParaRPr b="0" sz="1000"/>
           </a:p>
         </p:txBody>
       </p:sp>
@@ -14088,7 +14218,7 @@
   <p:cSld>
     <p:spTree>
       <p:nvGrpSpPr>
-        <p:cNvPr id="179" name="Shape 179"/>
+        <p:cNvPr id="180" name="Shape 180"/>
         <p:cNvGrpSpPr/>
         <p:nvPr/>
       </p:nvGrpSpPr>
@@ -14102,7 +14232,7 @@
       </p:grpSpPr>
       <p:sp>
         <p:nvSpPr>
-          <p:cNvPr id="180" name="Google Shape;180;p29"/>
+          <p:cNvPr id="181" name="Google Shape;181;p29"/>
           <p:cNvSpPr txBox="1"/>
           <p:nvPr>
             <p:ph type="title"/>
@@ -14157,7 +14287,7 @@
   <p:cSld>
     <p:spTree>
       <p:nvGrpSpPr>
-        <p:cNvPr id="184" name="Shape 184"/>
+        <p:cNvPr id="185" name="Shape 185"/>
         <p:cNvGrpSpPr/>
         <p:nvPr/>
       </p:nvGrpSpPr>
@@ -14171,7 +14301,7 @@
       </p:grpSpPr>
       <p:sp>
         <p:nvSpPr>
-          <p:cNvPr id="185" name="Google Shape;185;p30"/>
+          <p:cNvPr id="186" name="Google Shape;186;p30"/>
           <p:cNvSpPr txBox="1"/>
           <p:nvPr>
             <p:ph type="title"/>
@@ -14211,7 +14341,7 @@
       </p:sp>
       <p:sp>
         <p:nvSpPr>
-          <p:cNvPr id="186" name="Google Shape;186;p30"/>
+          <p:cNvPr id="187" name="Google Shape;187;p30"/>
           <p:cNvSpPr txBox="1"/>
           <p:nvPr>
             <p:ph idx="1" type="body"/>
@@ -14334,7 +14464,7 @@
       </p:sp>
       <p:sp>
         <p:nvSpPr>
-          <p:cNvPr id="187" name="Google Shape;187;p30"/>
+          <p:cNvPr id="188" name="Google Shape;188;p30"/>
           <p:cNvSpPr txBox="1"/>
           <p:nvPr>
             <p:ph idx="12" type="sldNum"/>
@@ -14342,8 +14472,8 @@
         </p:nvSpPr>
         <p:spPr>
           <a:xfrm>
-            <a:off x="7315202" y="4416550"/>
-            <a:ext cx="1828800" cy="731400"/>
+            <a:off x="7315209" y="4229101"/>
+            <a:ext cx="1828800" cy="914400"/>
           </a:xfrm>
           <a:prstGeom prst="rect">
             <a:avLst/>
@@ -14381,33 +14511,25 @@
               <a:buNone/>
             </a:pPr>
             <a:r>
-              <a:rPr b="0" lang="en" sz="900" u="sng">
+              <a:rPr b="0" lang="en" sz="1000" u="sng">
                 <a:solidFill>
                   <a:schemeClr val="hlink"/>
                 </a:solidFill>
                 <a:hlinkClick r:id="rId3"/>
               </a:rPr>
-              <a:t>https://profriehle.com</a:t>
-            </a:r>
-            <a:r>
-              <a:rPr b="0" lang="en" sz="900">
-                <a:solidFill>
-                  <a:schemeClr val="dk2"/>
-                </a:solidFill>
-              </a:rPr>
+              <a:t>uni1.de/nyt</a:t>
+            </a:r>
+            <a:r>
+              <a:rPr b="0" lang="en" sz="1000"/>
               <a:t> </a:t>
             </a:r>
-            <a:endParaRPr b="0" sz="900">
-              <a:solidFill>
-                <a:schemeClr val="dk2"/>
-              </a:solidFill>
-            </a:endParaRPr>
+            <a:endParaRPr b="0" sz="1000"/>
           </a:p>
         </p:txBody>
       </p:sp>
       <p:pic>
         <p:nvPicPr>
-          <p:cNvPr id="188" name="Google Shape;188;p30"/>
+          <p:cNvPr id="189" name="Google Shape;189;p30"/>
           <p:cNvPicPr preferRelativeResize="0"/>
           <p:nvPr/>
         </p:nvPicPr>
@@ -14446,7 +14568,7 @@
   <p:cSld>
     <p:spTree>
       <p:nvGrpSpPr>
-        <p:cNvPr id="192" name="Shape 192"/>
+        <p:cNvPr id="193" name="Shape 193"/>
         <p:cNvGrpSpPr/>
         <p:nvPr/>
       </p:nvGrpSpPr>
@@ -14460,7 +14582,7 @@
       </p:grpSpPr>
       <p:sp>
         <p:nvSpPr>
-          <p:cNvPr id="193" name="Google Shape;193;p31"/>
+          <p:cNvPr id="194" name="Google Shape;194;p31"/>
           <p:cNvSpPr txBox="1"/>
           <p:nvPr>
             <p:ph type="title"/>
@@ -14500,7 +14622,7 @@
       </p:sp>
       <p:sp>
         <p:nvSpPr>
-          <p:cNvPr id="194" name="Google Shape;194;p31"/>
+          <p:cNvPr id="195" name="Google Shape;195;p31"/>
           <p:cNvSpPr txBox="1"/>
           <p:nvPr>
             <p:ph idx="1" type="body"/>
@@ -14578,7 +14700,7 @@
       </p:sp>
       <p:sp>
         <p:nvSpPr>
-          <p:cNvPr id="195" name="Google Shape;195;p31"/>
+          <p:cNvPr id="196" name="Google Shape;196;p31"/>
           <p:cNvSpPr txBox="1"/>
           <p:nvPr>
             <p:ph idx="12" type="sldNum"/>
@@ -14586,8 +14708,8 @@
         </p:nvSpPr>
         <p:spPr>
           <a:xfrm>
-            <a:off x="7315202" y="4416550"/>
-            <a:ext cx="1828800" cy="731400"/>
+            <a:off x="7315209" y="4229101"/>
+            <a:ext cx="1828800" cy="914400"/>
           </a:xfrm>
           <a:prstGeom prst="rect">
             <a:avLst/>
@@ -14625,27 +14747,19 @@
               <a:buNone/>
             </a:pPr>
             <a:r>
-              <a:rPr b="0" lang="en" sz="900" u="sng">
+              <a:rPr b="0" lang="en" sz="1000" u="sng">
                 <a:solidFill>
                   <a:schemeClr val="hlink"/>
                 </a:solidFill>
                 <a:hlinkClick r:id="rId3"/>
               </a:rPr>
-              <a:t>https://profriehle.com</a:t>
-            </a:r>
-            <a:r>
-              <a:rPr b="0" lang="en" sz="900">
-                <a:solidFill>
-                  <a:schemeClr val="dk2"/>
-                </a:solidFill>
-              </a:rPr>
+              <a:t>uni1.de/nyt</a:t>
+            </a:r>
+            <a:r>
+              <a:rPr b="0" lang="en" sz="1000"/>
               <a:t> </a:t>
             </a:r>
-            <a:endParaRPr b="0" sz="900">
-              <a:solidFill>
-                <a:schemeClr val="dk2"/>
-              </a:solidFill>
-            </a:endParaRPr>
+            <a:endParaRPr b="0" sz="1000"/>
           </a:p>
         </p:txBody>
       </p:sp>
@@ -14662,7 +14776,7 @@
   <p:cSld>
     <p:spTree>
       <p:nvGrpSpPr>
-        <p:cNvPr id="199" name="Shape 199"/>
+        <p:cNvPr id="200" name="Shape 200"/>
         <p:cNvGrpSpPr/>
         <p:nvPr/>
       </p:nvGrpSpPr>
@@ -14676,7 +14790,7 @@
       </p:grpSpPr>
       <p:sp>
         <p:nvSpPr>
-          <p:cNvPr id="200" name="Google Shape;200;p32"/>
+          <p:cNvPr id="201" name="Google Shape;201;p32"/>
           <p:cNvSpPr txBox="1"/>
           <p:nvPr>
             <p:ph type="title"/>
@@ -14716,7 +14830,7 @@
       </p:sp>
       <p:sp>
         <p:nvSpPr>
-          <p:cNvPr id="201" name="Google Shape;201;p32"/>
+          <p:cNvPr id="202" name="Google Shape;202;p32"/>
           <p:cNvSpPr txBox="1"/>
           <p:nvPr>
             <p:ph idx="1" type="body"/>
@@ -14788,7 +14902,7 @@
       </p:sp>
       <p:sp>
         <p:nvSpPr>
-          <p:cNvPr id="202" name="Google Shape;202;p32"/>
+          <p:cNvPr id="203" name="Google Shape;203;p32"/>
           <p:cNvSpPr txBox="1"/>
           <p:nvPr>
             <p:ph idx="12" type="sldNum"/>
@@ -14796,8 +14910,8 @@
         </p:nvSpPr>
         <p:spPr>
           <a:xfrm>
-            <a:off x="7315202" y="4416550"/>
-            <a:ext cx="1828800" cy="731400"/>
+            <a:off x="7315209" y="4229101"/>
+            <a:ext cx="1828800" cy="914400"/>
           </a:xfrm>
           <a:prstGeom prst="rect">
             <a:avLst/>
@@ -14835,27 +14949,19 @@
               <a:buNone/>
             </a:pPr>
             <a:r>
-              <a:rPr b="0" lang="en" sz="900" u="sng">
+              <a:rPr b="0" lang="en" sz="1000" u="sng">
                 <a:solidFill>
                   <a:schemeClr val="hlink"/>
                 </a:solidFill>
                 <a:hlinkClick r:id="rId3"/>
               </a:rPr>
-              <a:t>https://profriehle.com</a:t>
-            </a:r>
-            <a:r>
-              <a:rPr b="0" lang="en" sz="900">
-                <a:solidFill>
-                  <a:schemeClr val="dk2"/>
-                </a:solidFill>
-              </a:rPr>
+              <a:t>uni1.de/nyt</a:t>
+            </a:r>
+            <a:r>
+              <a:rPr b="0" lang="en" sz="1000"/>
               <a:t> </a:t>
             </a:r>
-            <a:endParaRPr b="0" sz="900">
-              <a:solidFill>
-                <a:schemeClr val="dk2"/>
-              </a:solidFill>
-            </a:endParaRPr>
+            <a:endParaRPr b="0" sz="1000"/>
           </a:p>
         </p:txBody>
       </p:sp>
@@ -14872,7 +14978,7 @@
   <p:cSld>
     <p:spTree>
       <p:nvGrpSpPr>
-        <p:cNvPr id="206" name="Shape 206"/>
+        <p:cNvPr id="207" name="Shape 207"/>
         <p:cNvGrpSpPr/>
         <p:nvPr/>
       </p:nvGrpSpPr>
@@ -14886,7 +14992,7 @@
       </p:grpSpPr>
       <p:sp>
         <p:nvSpPr>
-          <p:cNvPr id="207" name="Google Shape;207;p33"/>
+          <p:cNvPr id="208" name="Google Shape;208;p33"/>
           <p:cNvSpPr txBox="1"/>
           <p:nvPr>
             <p:ph idx="12" type="sldNum"/>
@@ -14894,8 +15000,8 @@
         </p:nvSpPr>
         <p:spPr>
           <a:xfrm>
-            <a:off x="7315202" y="4416550"/>
-            <a:ext cx="1828800" cy="731400"/>
+            <a:off x="7315209" y="4229101"/>
+            <a:ext cx="1828800" cy="914400"/>
           </a:xfrm>
           <a:prstGeom prst="rect">
             <a:avLst/>
@@ -14933,33 +15039,25 @@
               <a:buNone/>
             </a:pPr>
             <a:r>
-              <a:rPr b="0" lang="en" sz="900" u="sng">
+              <a:rPr b="0" lang="en" sz="1000" u="sng">
                 <a:solidFill>
                   <a:schemeClr val="hlink"/>
                 </a:solidFill>
                 <a:hlinkClick r:id="rId3"/>
               </a:rPr>
-              <a:t>https://profriehle.com</a:t>
-            </a:r>
-            <a:r>
-              <a:rPr b="0" lang="en" sz="900">
-                <a:solidFill>
-                  <a:schemeClr val="dk2"/>
-                </a:solidFill>
-              </a:rPr>
+              <a:t>uni1.de/nyt</a:t>
+            </a:r>
+            <a:r>
+              <a:rPr b="0" lang="en" sz="1000"/>
               <a:t> </a:t>
             </a:r>
-            <a:endParaRPr b="0" sz="900">
-              <a:solidFill>
-                <a:schemeClr val="dk2"/>
-              </a:solidFill>
-            </a:endParaRPr>
+            <a:endParaRPr b="0" sz="1000"/>
           </a:p>
         </p:txBody>
       </p:sp>
       <p:sp>
         <p:nvSpPr>
-          <p:cNvPr id="208" name="Google Shape;208;p33"/>
+          <p:cNvPr id="209" name="Google Shape;209;p33"/>
           <p:cNvSpPr txBox="1"/>
           <p:nvPr>
             <p:ph type="title"/>
@@ -14999,7 +15097,7 @@
       </p:sp>
       <p:sp>
         <p:nvSpPr>
-          <p:cNvPr id="209" name="Google Shape;209;p33"/>
+          <p:cNvPr id="210" name="Google Shape;210;p33"/>
           <p:cNvSpPr txBox="1"/>
           <p:nvPr>
             <p:ph idx="1" type="body"/>
@@ -15117,7 +15215,7 @@
   <p:cSld>
     <p:spTree>
       <p:nvGrpSpPr>
-        <p:cNvPr id="213" name="Shape 213"/>
+        <p:cNvPr id="214" name="Shape 214"/>
         <p:cNvGrpSpPr/>
         <p:nvPr/>
       </p:nvGrpSpPr>
@@ -15131,7 +15229,7 @@
       </p:grpSpPr>
       <p:sp>
         <p:nvSpPr>
-          <p:cNvPr id="214" name="Google Shape;214;p34"/>
+          <p:cNvPr id="215" name="Google Shape;215;p34"/>
           <p:cNvSpPr txBox="1"/>
           <p:nvPr>
             <p:ph type="title"/>
@@ -15171,7 +15269,7 @@
       </p:sp>
       <p:sp>
         <p:nvSpPr>
-          <p:cNvPr id="215" name="Google Shape;215;p34"/>
+          <p:cNvPr id="216" name="Google Shape;216;p34"/>
           <p:cNvSpPr txBox="1"/>
           <p:nvPr>
             <p:ph idx="1" type="body"/>
@@ -15262,7 +15360,7 @@
       </p:sp>
       <p:sp>
         <p:nvSpPr>
-          <p:cNvPr id="216" name="Google Shape;216;p34"/>
+          <p:cNvPr id="217" name="Google Shape;217;p34"/>
           <p:cNvSpPr txBox="1"/>
           <p:nvPr>
             <p:ph idx="12" type="sldNum"/>
@@ -15270,8 +15368,8 @@
         </p:nvSpPr>
         <p:spPr>
           <a:xfrm>
-            <a:off x="7315202" y="4416550"/>
-            <a:ext cx="1828800" cy="731400"/>
+            <a:off x="7315209" y="4229101"/>
+            <a:ext cx="1828800" cy="914400"/>
           </a:xfrm>
           <a:prstGeom prst="rect">
             <a:avLst/>
@@ -15309,27 +15407,19 @@
               <a:buNone/>
             </a:pPr>
             <a:r>
-              <a:rPr b="0" lang="en" sz="900" u="sng">
+              <a:rPr b="0" lang="en" sz="1000" u="sng">
                 <a:solidFill>
                   <a:schemeClr val="hlink"/>
                 </a:solidFill>
                 <a:hlinkClick r:id="rId3"/>
               </a:rPr>
-              <a:t>https://profriehle.com</a:t>
-            </a:r>
-            <a:r>
-              <a:rPr b="0" lang="en" sz="900">
-                <a:solidFill>
-                  <a:schemeClr val="dk2"/>
-                </a:solidFill>
-              </a:rPr>
+              <a:t>uni1.de/nyt</a:t>
+            </a:r>
+            <a:r>
+              <a:rPr b="0" lang="en" sz="1000"/>
               <a:t> </a:t>
             </a:r>
-            <a:endParaRPr b="0" sz="900">
-              <a:solidFill>
-                <a:schemeClr val="dk2"/>
-              </a:solidFill>
-            </a:endParaRPr>
+            <a:endParaRPr b="0" sz="1000"/>
           </a:p>
         </p:txBody>
       </p:sp>
@@ -15346,7 +15436,7 @@
   <p:cSld>
     <p:spTree>
       <p:nvGrpSpPr>
-        <p:cNvPr id="220" name="Shape 220"/>
+        <p:cNvPr id="221" name="Shape 221"/>
         <p:cNvGrpSpPr/>
         <p:nvPr/>
       </p:nvGrpSpPr>
@@ -15360,7 +15450,7 @@
       </p:grpSpPr>
       <p:sp>
         <p:nvSpPr>
-          <p:cNvPr id="221" name="Google Shape;221;p35"/>
+          <p:cNvPr id="222" name="Google Shape;222;p35"/>
           <p:cNvSpPr txBox="1"/>
           <p:nvPr>
             <p:ph type="title"/>
@@ -15400,7 +15490,7 @@
       </p:sp>
       <p:sp>
         <p:nvSpPr>
-          <p:cNvPr id="222" name="Google Shape;222;p35"/>
+          <p:cNvPr id="223" name="Google Shape;223;p35"/>
           <p:cNvSpPr txBox="1"/>
           <p:nvPr>
             <p:ph idx="1" type="body"/>
@@ -15512,7 +15602,7 @@
       </p:sp>
       <p:sp>
         <p:nvSpPr>
-          <p:cNvPr id="223" name="Google Shape;223;p35"/>
+          <p:cNvPr id="224" name="Google Shape;224;p35"/>
           <p:cNvSpPr txBox="1"/>
           <p:nvPr>
             <p:ph idx="12" type="sldNum"/>
@@ -15520,8 +15610,8 @@
         </p:nvSpPr>
         <p:spPr>
           <a:xfrm>
-            <a:off x="7315202" y="4416550"/>
-            <a:ext cx="1828800" cy="731400"/>
+            <a:off x="7315209" y="4229101"/>
+            <a:ext cx="1828800" cy="914400"/>
           </a:xfrm>
           <a:prstGeom prst="rect">
             <a:avLst/>
@@ -15559,27 +15649,19 @@
               <a:buNone/>
             </a:pPr>
             <a:r>
-              <a:rPr b="0" lang="en" sz="900" u="sng">
+              <a:rPr b="0" lang="en" sz="1000" u="sng">
                 <a:solidFill>
                   <a:schemeClr val="hlink"/>
                 </a:solidFill>
                 <a:hlinkClick r:id="rId3"/>
               </a:rPr>
-              <a:t>https://profriehle.com</a:t>
-            </a:r>
-            <a:r>
-              <a:rPr b="0" lang="en" sz="900">
-                <a:solidFill>
-                  <a:schemeClr val="dk2"/>
-                </a:solidFill>
-              </a:rPr>
+              <a:t>uni1.de/nyt</a:t>
+            </a:r>
+            <a:r>
+              <a:rPr b="0" lang="en" sz="1000"/>
               <a:t> </a:t>
             </a:r>
-            <a:endParaRPr b="0" sz="900">
-              <a:solidFill>
-                <a:schemeClr val="dk2"/>
-              </a:solidFill>
-            </a:endParaRPr>
+            <a:endParaRPr b="0" sz="1000"/>
           </a:p>
         </p:txBody>
       </p:sp>
@@ -15596,7 +15678,7 @@
   <p:cSld>
     <p:spTree>
       <p:nvGrpSpPr>
-        <p:cNvPr id="227" name="Shape 227"/>
+        <p:cNvPr id="228" name="Shape 228"/>
         <p:cNvGrpSpPr/>
         <p:nvPr/>
       </p:nvGrpSpPr>
@@ -15610,7 +15692,7 @@
       </p:grpSpPr>
       <p:sp>
         <p:nvSpPr>
-          <p:cNvPr id="228" name="Google Shape;228;p36"/>
+          <p:cNvPr id="229" name="Google Shape;229;p36"/>
           <p:cNvSpPr txBox="1"/>
           <p:nvPr>
             <p:ph type="title"/>
@@ -15650,7 +15732,7 @@
       </p:sp>
       <p:sp>
         <p:nvSpPr>
-          <p:cNvPr id="229" name="Google Shape;229;p36"/>
+          <p:cNvPr id="230" name="Google Shape;230;p36"/>
           <p:cNvSpPr txBox="1"/>
           <p:nvPr>
             <p:ph idx="12" type="sldNum"/>
@@ -15658,8 +15740,8 @@
         </p:nvSpPr>
         <p:spPr>
           <a:xfrm>
-            <a:off x="7315202" y="4416550"/>
-            <a:ext cx="1828800" cy="731400"/>
+            <a:off x="7315209" y="4229101"/>
+            <a:ext cx="1828800" cy="914400"/>
           </a:xfrm>
           <a:prstGeom prst="rect">
             <a:avLst/>
@@ -15697,33 +15779,25 @@
               <a:buNone/>
             </a:pPr>
             <a:r>
-              <a:rPr b="0" lang="en" sz="900" u="sng">
+              <a:rPr b="0" lang="en" sz="1000" u="sng">
                 <a:solidFill>
                   <a:schemeClr val="hlink"/>
                 </a:solidFill>
                 <a:hlinkClick r:id="rId3"/>
               </a:rPr>
-              <a:t>https://profriehle.com</a:t>
-            </a:r>
-            <a:r>
-              <a:rPr b="0" lang="en" sz="900">
-                <a:solidFill>
-                  <a:schemeClr val="dk2"/>
-                </a:solidFill>
-              </a:rPr>
+              <a:t>uni1.de/nyt</a:t>
+            </a:r>
+            <a:r>
+              <a:rPr b="0" lang="en" sz="1000"/>
               <a:t> </a:t>
             </a:r>
-            <a:endParaRPr b="0" sz="900">
-              <a:solidFill>
-                <a:schemeClr val="dk2"/>
-              </a:solidFill>
-            </a:endParaRPr>
+            <a:endParaRPr b="0" sz="1000"/>
           </a:p>
         </p:txBody>
       </p:sp>
       <p:graphicFrame>
         <p:nvGraphicFramePr>
-          <p:cNvPr id="230" name="Google Shape;230;p36"/>
+          <p:cNvPr id="231" name="Google Shape;231;p36"/>
           <p:cNvGraphicFramePr/>
           <p:nvPr/>
         </p:nvGraphicFramePr>
@@ -15736,7 +15810,7 @@
             <a:tbl>
               <a:tblPr>
                 <a:noFill/>
-                <a:tableStyleId>{FEE66A2B-047E-4028-A083-8F2A6D07E032}</a:tableStyleId>
+                <a:tableStyleId>{D205206A-91D3-4836-911A-5ED280F946E9}</a:tableStyleId>
               </a:tblPr>
               <a:tblGrid>
                 <a:gridCol w="2148850"/>
@@ -17073,7 +17147,7 @@
   <p:cSld>
     <p:spTree>
       <p:nvGrpSpPr>
-        <p:cNvPr id="48" name="Shape 48"/>
+        <p:cNvPr id="49" name="Shape 49"/>
         <p:cNvGrpSpPr/>
         <p:nvPr/>
       </p:nvGrpSpPr>
@@ -17087,7 +17161,7 @@
       </p:grpSpPr>
       <p:sp>
         <p:nvSpPr>
-          <p:cNvPr id="49" name="Google Shape;49;p10"/>
+          <p:cNvPr id="50" name="Google Shape;50;p10"/>
           <p:cNvSpPr txBox="1"/>
           <p:nvPr>
             <p:ph type="title"/>
@@ -17138,7 +17212,7 @@
   <p:cSld>
     <p:spTree>
       <p:nvGrpSpPr>
-        <p:cNvPr id="234" name="Shape 234"/>
+        <p:cNvPr id="235" name="Shape 235"/>
         <p:cNvGrpSpPr/>
         <p:nvPr/>
       </p:nvGrpSpPr>
@@ -17152,7 +17226,7 @@
       </p:grpSpPr>
       <p:sp>
         <p:nvSpPr>
-          <p:cNvPr id="235" name="Google Shape;235;p37"/>
+          <p:cNvPr id="236" name="Google Shape;236;p37"/>
           <p:cNvSpPr/>
           <p:nvPr/>
         </p:nvSpPr>
@@ -17201,7 +17275,7 @@
       </p:sp>
       <p:sp>
         <p:nvSpPr>
-          <p:cNvPr id="236" name="Google Shape;236;p37"/>
+          <p:cNvPr id="237" name="Google Shape;237;p37"/>
           <p:cNvSpPr txBox="1"/>
           <p:nvPr>
             <p:ph idx="12" type="sldNum"/>
@@ -17209,8 +17283,8 @@
         </p:nvSpPr>
         <p:spPr>
           <a:xfrm>
-            <a:off x="7315202" y="4416550"/>
-            <a:ext cx="1828800" cy="731400"/>
+            <a:off x="7315209" y="4229101"/>
+            <a:ext cx="1828800" cy="914400"/>
           </a:xfrm>
           <a:prstGeom prst="rect">
             <a:avLst/>
@@ -17248,33 +17322,25 @@
               <a:buNone/>
             </a:pPr>
             <a:r>
-              <a:rPr b="0" lang="en" sz="900" u="sng">
+              <a:rPr b="0" lang="en" sz="1000" u="sng">
                 <a:solidFill>
                   <a:schemeClr val="hlink"/>
                 </a:solidFill>
                 <a:hlinkClick r:id="rId3"/>
               </a:rPr>
-              <a:t>https://profriehle.com</a:t>
-            </a:r>
-            <a:r>
-              <a:rPr b="0" lang="en" sz="900">
-                <a:solidFill>
-                  <a:schemeClr val="dk2"/>
-                </a:solidFill>
-              </a:rPr>
+              <a:t>uni1.de/nyt</a:t>
+            </a:r>
+            <a:r>
+              <a:rPr b="0" lang="en" sz="1000"/>
               <a:t> </a:t>
             </a:r>
-            <a:endParaRPr>
-              <a:solidFill>
-                <a:schemeClr val="dk2"/>
-              </a:solidFill>
-            </a:endParaRPr>
+            <a:endParaRPr b="0" sz="1000"/>
           </a:p>
         </p:txBody>
       </p:sp>
       <p:sp>
         <p:nvSpPr>
-          <p:cNvPr id="237" name="Google Shape;237;p37"/>
+          <p:cNvPr id="238" name="Google Shape;238;p37"/>
           <p:cNvSpPr txBox="1"/>
           <p:nvPr>
             <p:ph type="title"/>
@@ -17314,7 +17380,7 @@
       </p:sp>
       <p:sp>
         <p:nvSpPr>
-          <p:cNvPr id="238" name="Google Shape;238;p37"/>
+          <p:cNvPr id="239" name="Google Shape;239;p37"/>
           <p:cNvSpPr txBox="1"/>
           <p:nvPr>
             <p:ph idx="1" type="body"/>
@@ -17505,7 +17571,7 @@
       </p:sp>
       <p:sp>
         <p:nvSpPr>
-          <p:cNvPr id="239" name="Google Shape;239;p37"/>
+          <p:cNvPr id="240" name="Google Shape;240;p37"/>
           <p:cNvSpPr txBox="1"/>
           <p:nvPr>
             <p:ph idx="2" type="body"/>
@@ -17709,7 +17775,7 @@
   <p:cSld>
     <p:spTree>
       <p:nvGrpSpPr>
-        <p:cNvPr id="243" name="Shape 243"/>
+        <p:cNvPr id="244" name="Shape 244"/>
         <p:cNvGrpSpPr/>
         <p:nvPr/>
       </p:nvGrpSpPr>
@@ -17723,7 +17789,7 @@
       </p:grpSpPr>
       <p:sp>
         <p:nvSpPr>
-          <p:cNvPr id="244" name="Google Shape;244;p38"/>
+          <p:cNvPr id="245" name="Google Shape;245;p38"/>
           <p:cNvSpPr txBox="1"/>
           <p:nvPr/>
         </p:nvSpPr>
@@ -17777,7 +17843,7 @@
       </p:sp>
       <p:sp>
         <p:nvSpPr>
-          <p:cNvPr id="245" name="Google Shape;245;p38"/>
+          <p:cNvPr id="246" name="Google Shape;246;p38"/>
           <p:cNvSpPr txBox="1"/>
           <p:nvPr>
             <p:ph idx="12" type="sldNum"/>
@@ -17785,8 +17851,8 @@
         </p:nvSpPr>
         <p:spPr>
           <a:xfrm>
-            <a:off x="7315202" y="4416550"/>
-            <a:ext cx="1828800" cy="731400"/>
+            <a:off x="7315209" y="4229101"/>
+            <a:ext cx="1828800" cy="914400"/>
           </a:xfrm>
           <a:prstGeom prst="rect">
             <a:avLst/>
@@ -17824,33 +17890,25 @@
               <a:buNone/>
             </a:pPr>
             <a:r>
-              <a:rPr b="0" lang="en" sz="900" u="sng">
+              <a:rPr b="0" lang="en" sz="1000" u="sng">
                 <a:solidFill>
                   <a:schemeClr val="hlink"/>
                 </a:solidFill>
                 <a:hlinkClick r:id="rId3"/>
               </a:rPr>
-              <a:t>https://profriehle.com</a:t>
-            </a:r>
-            <a:r>
-              <a:rPr b="0" lang="en" sz="900">
-                <a:solidFill>
-                  <a:schemeClr val="dk2"/>
-                </a:solidFill>
-              </a:rPr>
+              <a:t>uni1.de/nyt</a:t>
+            </a:r>
+            <a:r>
+              <a:rPr b="0" lang="en" sz="1000"/>
               <a:t> </a:t>
             </a:r>
-            <a:endParaRPr b="0" sz="900">
-              <a:solidFill>
-                <a:schemeClr val="dk2"/>
-              </a:solidFill>
-            </a:endParaRPr>
+            <a:endParaRPr b="0" sz="1000"/>
           </a:p>
         </p:txBody>
       </p:sp>
       <p:sp>
         <p:nvSpPr>
-          <p:cNvPr id="246" name="Google Shape;246;p38"/>
+          <p:cNvPr id="247" name="Google Shape;247;p38"/>
           <p:cNvSpPr txBox="1"/>
           <p:nvPr>
             <p:ph type="title"/>
@@ -17890,7 +17948,7 @@
       </p:sp>
       <p:sp>
         <p:nvSpPr>
-          <p:cNvPr id="247" name="Google Shape;247;p38"/>
+          <p:cNvPr id="248" name="Google Shape;248;p38"/>
           <p:cNvSpPr txBox="1"/>
           <p:nvPr>
             <p:ph idx="1" type="body"/>
@@ -18043,7 +18101,7 @@
   <p:cSld>
     <p:spTree>
       <p:nvGrpSpPr>
-        <p:cNvPr id="251" name="Shape 251"/>
+        <p:cNvPr id="252" name="Shape 252"/>
         <p:cNvGrpSpPr/>
         <p:nvPr/>
       </p:nvGrpSpPr>
@@ -18057,7 +18115,7 @@
       </p:grpSpPr>
       <p:pic>
         <p:nvPicPr>
-          <p:cNvPr id="252" name="Google Shape;252;p39"/>
+          <p:cNvPr id="253" name="Google Shape;253;p39"/>
           <p:cNvPicPr preferRelativeResize="0"/>
           <p:nvPr/>
         </p:nvPicPr>
@@ -18096,7 +18154,7 @@
   <p:cSld>
     <p:spTree>
       <p:nvGrpSpPr>
-        <p:cNvPr id="256" name="Shape 256"/>
+        <p:cNvPr id="257" name="Shape 257"/>
         <p:cNvGrpSpPr/>
         <p:nvPr/>
       </p:nvGrpSpPr>
@@ -18110,7 +18168,7 @@
       </p:grpSpPr>
       <p:sp>
         <p:nvSpPr>
-          <p:cNvPr id="257" name="Google Shape;257;p40"/>
+          <p:cNvPr id="258" name="Google Shape;258;p40"/>
           <p:cNvSpPr txBox="1"/>
           <p:nvPr>
             <p:ph type="title"/>
@@ -18161,7 +18219,7 @@
   <p:cSld>
     <p:spTree>
       <p:nvGrpSpPr>
-        <p:cNvPr id="261" name="Shape 261"/>
+        <p:cNvPr id="262" name="Shape 262"/>
         <p:cNvGrpSpPr/>
         <p:nvPr/>
       </p:nvGrpSpPr>
@@ -18175,7 +18233,7 @@
       </p:grpSpPr>
       <p:sp>
         <p:nvSpPr>
-          <p:cNvPr id="262" name="Google Shape;262;p41"/>
+          <p:cNvPr id="263" name="Google Shape;263;p41"/>
           <p:cNvSpPr txBox="1"/>
           <p:nvPr>
             <p:ph idx="12" type="sldNum"/>
@@ -18183,8 +18241,8 @@
         </p:nvSpPr>
         <p:spPr>
           <a:xfrm>
-            <a:off x="7315202" y="4416550"/>
-            <a:ext cx="1828800" cy="731400"/>
+            <a:off x="7315209" y="4229101"/>
+            <a:ext cx="1828800" cy="914400"/>
           </a:xfrm>
           <a:prstGeom prst="rect">
             <a:avLst/>
@@ -18222,33 +18280,25 @@
               <a:buNone/>
             </a:pPr>
             <a:r>
-              <a:rPr b="0" lang="en" sz="900" u="sng">
+              <a:rPr b="0" lang="en" sz="1000" u="sng">
                 <a:solidFill>
                   <a:schemeClr val="hlink"/>
                 </a:solidFill>
                 <a:hlinkClick r:id="rId3"/>
               </a:rPr>
-              <a:t>https://profriehle.com</a:t>
-            </a:r>
-            <a:r>
-              <a:rPr b="0" lang="en" sz="900">
-                <a:solidFill>
-                  <a:schemeClr val="dk2"/>
-                </a:solidFill>
-              </a:rPr>
+              <a:t>uni1.de/nyt</a:t>
+            </a:r>
+            <a:r>
+              <a:rPr b="0" lang="en" sz="1000"/>
               <a:t> </a:t>
             </a:r>
-            <a:endParaRPr b="0" sz="900">
-              <a:solidFill>
-                <a:schemeClr val="dk2"/>
-              </a:solidFill>
-            </a:endParaRPr>
+            <a:endParaRPr b="0" sz="1000"/>
           </a:p>
         </p:txBody>
       </p:sp>
       <p:sp>
         <p:nvSpPr>
-          <p:cNvPr id="263" name="Google Shape;263;p41"/>
+          <p:cNvPr id="264" name="Google Shape;264;p41"/>
           <p:cNvSpPr txBox="1"/>
           <p:nvPr>
             <p:ph type="title"/>
@@ -18288,7 +18338,7 @@
       </p:sp>
       <p:sp>
         <p:nvSpPr>
-          <p:cNvPr id="264" name="Google Shape;264;p41"/>
+          <p:cNvPr id="265" name="Google Shape;265;p41"/>
           <p:cNvSpPr txBox="1"/>
           <p:nvPr>
             <p:ph idx="1" type="body"/>
@@ -18320,7 +18370,7 @@
             </a:pPr>
             <a:r>
               <a:rPr lang="en"/>
-              <a:t>Explanatory case study research</a:t>
+              <a:t>Tries to identify causal connections between constructs</a:t>
             </a:r>
             <a:endParaRPr/>
           </a:p>
@@ -18337,61 +18387,43 @@
             </a:pPr>
             <a:r>
               <a:rPr lang="en"/>
-              <a:t>Tries to identify causal connections between constructs</a:t>
-            </a:r>
-            <a:endParaRPr/>
-          </a:p>
-          <a:p>
-            <a:pPr indent="-292100" lvl="1" marL="825500" rtl="0" algn="l">
-              <a:spcBef>
-                <a:spcPts val="0"/>
-              </a:spcBef>
-              <a:spcAft>
-                <a:spcPts val="0"/>
-              </a:spcAft>
-              <a:buSzPts val="1400"/>
-              <a:buChar char="●"/>
-            </a:pPr>
-            <a:r>
-              <a:rPr lang="en"/>
               <a:t>By qualitatively evaluating propositions</a:t>
             </a:r>
             <a:endParaRPr/>
           </a:p>
           <a:p>
+            <a:pPr indent="0" lvl="0" marL="0" rtl="0" algn="l">
+              <a:spcBef>
+                <a:spcPts val="1000"/>
+              </a:spcBef>
+              <a:spcAft>
+                <a:spcPts val="0"/>
+              </a:spcAft>
+              <a:buNone/>
+            </a:pPr>
+            <a:r>
+              <a:rPr lang="en"/>
+              <a:t>Thereby </a:t>
+            </a:r>
+            <a:r>
+              <a:rPr lang="en"/>
+              <a:t>evaluates</a:t>
+            </a:r>
+            <a:r>
+              <a:rPr lang="en"/>
+              <a:t> proposed theory</a:t>
+            </a:r>
+            <a:endParaRPr/>
+          </a:p>
+          <a:p>
             <a:pPr indent="-330200" lvl="0" marL="419100" rtl="0" algn="l">
               <a:spcBef>
-                <a:spcPts val="1000"/>
+                <a:spcPts val="1200"/>
               </a:spcBef>
               <a:spcAft>
                 <a:spcPts val="0"/>
               </a:spcAft>
               <a:buSzPts val="1800"/>
-              <a:buChar char="●"/>
-            </a:pPr>
-            <a:r>
-              <a:rPr lang="en"/>
-              <a:t>Thereby </a:t>
-            </a:r>
-            <a:r>
-              <a:rPr lang="en"/>
-              <a:t>evaluates</a:t>
-            </a:r>
-            <a:r>
-              <a:rPr lang="en"/>
-              <a:t> proposed theory</a:t>
-            </a:r>
-            <a:endParaRPr/>
-          </a:p>
-          <a:p>
-            <a:pPr indent="-292100" lvl="1" marL="825500" rtl="0" algn="l">
-              <a:spcBef>
-                <a:spcPts val="0"/>
-              </a:spcBef>
-              <a:spcAft>
-                <a:spcPts val="0"/>
-              </a:spcAft>
-              <a:buSzPts val="1400"/>
               <a:buChar char="●"/>
             </a:pPr>
             <a:r>
@@ -18430,7 +18462,7 @@
   <p:cSld>
     <p:spTree>
       <p:nvGrpSpPr>
-        <p:cNvPr id="268" name="Shape 268"/>
+        <p:cNvPr id="269" name="Shape 269"/>
         <p:cNvGrpSpPr/>
         <p:nvPr/>
       </p:nvGrpSpPr>
@@ -18444,7 +18476,7 @@
       </p:grpSpPr>
       <p:sp>
         <p:nvSpPr>
-          <p:cNvPr id="269" name="Google Shape;269;p42"/>
+          <p:cNvPr id="270" name="Google Shape;270;p42"/>
           <p:cNvSpPr txBox="1"/>
           <p:nvPr>
             <p:ph type="title"/>
@@ -18484,7 +18516,7 @@
       </p:sp>
       <p:sp>
         <p:nvSpPr>
-          <p:cNvPr id="270" name="Google Shape;270;p42"/>
+          <p:cNvPr id="271" name="Google Shape;271;p42"/>
           <p:cNvSpPr txBox="1"/>
           <p:nvPr>
             <p:ph idx="1" type="body"/>
@@ -18590,7 +18622,7 @@
       </p:sp>
       <p:sp>
         <p:nvSpPr>
-          <p:cNvPr id="271" name="Google Shape;271;p42"/>
+          <p:cNvPr id="272" name="Google Shape;272;p42"/>
           <p:cNvSpPr txBox="1"/>
           <p:nvPr>
             <p:ph idx="12" type="sldNum"/>
@@ -18598,8 +18630,8 @@
         </p:nvSpPr>
         <p:spPr>
           <a:xfrm>
-            <a:off x="7315202" y="4416550"/>
-            <a:ext cx="1828800" cy="731400"/>
+            <a:off x="7315209" y="4229101"/>
+            <a:ext cx="1828800" cy="914400"/>
           </a:xfrm>
           <a:prstGeom prst="rect">
             <a:avLst/>
@@ -18637,27 +18669,19 @@
               <a:buNone/>
             </a:pPr>
             <a:r>
-              <a:rPr b="0" lang="en" sz="900" u="sng">
+              <a:rPr b="0" lang="en" sz="1000" u="sng">
                 <a:solidFill>
                   <a:schemeClr val="hlink"/>
                 </a:solidFill>
                 <a:hlinkClick r:id="rId3"/>
               </a:rPr>
-              <a:t>https://profriehle.com</a:t>
-            </a:r>
-            <a:r>
-              <a:rPr b="0" lang="en" sz="900">
-                <a:solidFill>
-                  <a:schemeClr val="dk2"/>
-                </a:solidFill>
-              </a:rPr>
+              <a:t>uni1.de/nyt</a:t>
+            </a:r>
+            <a:r>
+              <a:rPr b="0" lang="en" sz="1000"/>
               <a:t> </a:t>
             </a:r>
-            <a:endParaRPr b="0" sz="900">
-              <a:solidFill>
-                <a:schemeClr val="dk2"/>
-              </a:solidFill>
-            </a:endParaRPr>
+            <a:endParaRPr b="0" sz="1000"/>
           </a:p>
         </p:txBody>
       </p:sp>
@@ -18674,7 +18698,7 @@
   <p:cSld>
     <p:spTree>
       <p:nvGrpSpPr>
-        <p:cNvPr id="275" name="Shape 275"/>
+        <p:cNvPr id="276" name="Shape 276"/>
         <p:cNvGrpSpPr/>
         <p:nvPr/>
       </p:nvGrpSpPr>
@@ -18688,7 +18712,7 @@
       </p:grpSpPr>
       <p:pic>
         <p:nvPicPr>
-          <p:cNvPr id="276" name="Google Shape;276;p43"/>
+          <p:cNvPr id="277" name="Google Shape;277;p43"/>
           <p:cNvPicPr preferRelativeResize="0"/>
           <p:nvPr/>
         </p:nvPicPr>
@@ -18716,7 +18740,7 @@
       </p:pic>
       <p:sp>
         <p:nvSpPr>
-          <p:cNvPr id="277" name="Google Shape;277;p43"/>
+          <p:cNvPr id="278" name="Google Shape;278;p43"/>
           <p:cNvSpPr/>
           <p:nvPr/>
         </p:nvSpPr>
@@ -18763,7 +18787,7 @@
       </p:sp>
       <p:sp>
         <p:nvSpPr>
-          <p:cNvPr id="278" name="Google Shape;278;p43"/>
+          <p:cNvPr id="279" name="Google Shape;279;p43"/>
           <p:cNvSpPr txBox="1"/>
           <p:nvPr>
             <p:ph type="title"/>
@@ -18807,7 +18831,7 @@
       </p:sp>
       <p:sp>
         <p:nvSpPr>
-          <p:cNvPr id="279" name="Google Shape;279;p43"/>
+          <p:cNvPr id="280" name="Google Shape;280;p43"/>
           <p:cNvSpPr txBox="1"/>
           <p:nvPr>
             <p:ph idx="12" type="sldNum"/>
@@ -18815,8 +18839,8 @@
         </p:nvSpPr>
         <p:spPr>
           <a:xfrm>
-            <a:off x="7315202" y="4416550"/>
-            <a:ext cx="1828800" cy="731400"/>
+            <a:off x="7315209" y="4229101"/>
+            <a:ext cx="1828800" cy="914400"/>
           </a:xfrm>
           <a:prstGeom prst="rect">
             <a:avLst/>
@@ -18854,27 +18878,19 @@
               <a:buNone/>
             </a:pPr>
             <a:r>
-              <a:rPr b="0" lang="en" sz="900" u="sng">
+              <a:rPr b="0" lang="en" sz="1000" u="sng">
                 <a:solidFill>
                   <a:schemeClr val="hlink"/>
                 </a:solidFill>
                 <a:hlinkClick r:id="rId4"/>
               </a:rPr>
-              <a:t>https://profriehle.com</a:t>
-            </a:r>
-            <a:r>
-              <a:rPr b="0" lang="en" sz="900">
-                <a:solidFill>
-                  <a:schemeClr val="dk2"/>
-                </a:solidFill>
-              </a:rPr>
+              <a:t>uni1.de/nyt</a:t>
+            </a:r>
+            <a:r>
+              <a:rPr b="0" lang="en" sz="1000"/>
               <a:t> </a:t>
             </a:r>
-            <a:endParaRPr>
-              <a:solidFill>
-                <a:schemeClr val="dk2"/>
-              </a:solidFill>
-            </a:endParaRPr>
+            <a:endParaRPr b="0" sz="1000"/>
           </a:p>
         </p:txBody>
       </p:sp>
@@ -18891,7 +18907,7 @@
   <p:cSld>
     <p:spTree>
       <p:nvGrpSpPr>
-        <p:cNvPr id="283" name="Shape 283"/>
+        <p:cNvPr id="284" name="Shape 284"/>
         <p:cNvGrpSpPr/>
         <p:nvPr/>
       </p:nvGrpSpPr>
@@ -18905,7 +18921,7 @@
       </p:grpSpPr>
       <p:sp>
         <p:nvSpPr>
-          <p:cNvPr id="284" name="Google Shape;284;p44"/>
+          <p:cNvPr id="285" name="Google Shape;285;p44"/>
           <p:cNvSpPr txBox="1"/>
           <p:nvPr>
             <p:ph type="title"/>
@@ -18945,7 +18961,7 @@
       </p:sp>
       <p:sp>
         <p:nvSpPr>
-          <p:cNvPr id="285" name="Google Shape;285;p44"/>
+          <p:cNvPr id="286" name="Google Shape;286;p44"/>
           <p:cNvSpPr txBox="1"/>
           <p:nvPr>
             <p:ph idx="1" type="body"/>
@@ -19047,7 +19063,7 @@
       </p:sp>
       <p:sp>
         <p:nvSpPr>
-          <p:cNvPr id="286" name="Google Shape;286;p44"/>
+          <p:cNvPr id="287" name="Google Shape;287;p44"/>
           <p:cNvSpPr txBox="1"/>
           <p:nvPr>
             <p:ph idx="12" type="sldNum"/>
@@ -19055,8 +19071,8 @@
         </p:nvSpPr>
         <p:spPr>
           <a:xfrm>
-            <a:off x="7315202" y="4416550"/>
-            <a:ext cx="1828800" cy="731400"/>
+            <a:off x="7315209" y="4229101"/>
+            <a:ext cx="1828800" cy="914400"/>
           </a:xfrm>
           <a:prstGeom prst="rect">
             <a:avLst/>
@@ -19094,27 +19110,19 @@
               <a:buNone/>
             </a:pPr>
             <a:r>
-              <a:rPr b="0" lang="en" sz="900" u="sng">
+              <a:rPr b="0" lang="en" sz="1000" u="sng">
                 <a:solidFill>
                   <a:schemeClr val="hlink"/>
                 </a:solidFill>
                 <a:hlinkClick r:id="rId3"/>
               </a:rPr>
-              <a:t>https://profriehle.com</a:t>
-            </a:r>
-            <a:r>
-              <a:rPr b="0" lang="en" sz="900">
-                <a:solidFill>
-                  <a:schemeClr val="dk2"/>
-                </a:solidFill>
-              </a:rPr>
+              <a:t>uni1.de/nyt</a:t>
+            </a:r>
+            <a:r>
+              <a:rPr b="0" lang="en" sz="1000"/>
               <a:t> </a:t>
             </a:r>
-            <a:endParaRPr b="0" sz="900">
-              <a:solidFill>
-                <a:schemeClr val="dk2"/>
-              </a:solidFill>
-            </a:endParaRPr>
+            <a:endParaRPr b="0" sz="1000"/>
           </a:p>
         </p:txBody>
       </p:sp>
@@ -19131,7 +19139,7 @@
   <p:cSld>
     <p:spTree>
       <p:nvGrpSpPr>
-        <p:cNvPr id="290" name="Shape 290"/>
+        <p:cNvPr id="291" name="Shape 291"/>
         <p:cNvGrpSpPr/>
         <p:nvPr/>
       </p:nvGrpSpPr>
@@ -19145,7 +19153,7 @@
       </p:grpSpPr>
       <p:sp>
         <p:nvSpPr>
-          <p:cNvPr id="291" name="Google Shape;291;p45"/>
+          <p:cNvPr id="292" name="Google Shape;292;p45"/>
           <p:cNvSpPr txBox="1"/>
           <p:nvPr>
             <p:ph type="title"/>
@@ -19185,7 +19193,7 @@
       </p:sp>
       <p:sp>
         <p:nvSpPr>
-          <p:cNvPr id="292" name="Google Shape;292;p45"/>
+          <p:cNvPr id="293" name="Google Shape;293;p45"/>
           <p:cNvSpPr txBox="1"/>
           <p:nvPr>
             <p:ph idx="12" type="sldNum"/>
@@ -19193,8 +19201,8 @@
         </p:nvSpPr>
         <p:spPr>
           <a:xfrm>
-            <a:off x="7315202" y="4416550"/>
-            <a:ext cx="1828800" cy="731400"/>
+            <a:off x="7315209" y="4229101"/>
+            <a:ext cx="1828800" cy="914400"/>
           </a:xfrm>
           <a:prstGeom prst="rect">
             <a:avLst/>
@@ -19232,33 +19240,25 @@
               <a:buNone/>
             </a:pPr>
             <a:r>
-              <a:rPr b="0" lang="en" sz="900" u="sng">
+              <a:rPr b="0" lang="en" sz="1000" u="sng">
                 <a:solidFill>
                   <a:schemeClr val="hlink"/>
                 </a:solidFill>
                 <a:hlinkClick r:id="rId3"/>
               </a:rPr>
-              <a:t>https://profriehle.com</a:t>
-            </a:r>
-            <a:r>
-              <a:rPr b="0" lang="en" sz="900">
-                <a:solidFill>
-                  <a:schemeClr val="dk2"/>
-                </a:solidFill>
-              </a:rPr>
+              <a:t>uni1.de/nyt</a:t>
+            </a:r>
+            <a:r>
+              <a:rPr b="0" lang="en" sz="1000"/>
               <a:t> </a:t>
             </a:r>
-            <a:endParaRPr b="0" sz="900">
-              <a:solidFill>
-                <a:schemeClr val="dk2"/>
-              </a:solidFill>
-            </a:endParaRPr>
+            <a:endParaRPr b="0" sz="1000"/>
           </a:p>
         </p:txBody>
       </p:sp>
       <p:sp>
         <p:nvSpPr>
-          <p:cNvPr id="293" name="Google Shape;293;p45"/>
+          <p:cNvPr id="294" name="Google Shape;294;p45"/>
           <p:cNvSpPr txBox="1"/>
           <p:nvPr>
             <p:ph idx="1" type="body"/>
@@ -19330,7 +19330,7 @@
       </p:sp>
       <p:sp>
         <p:nvSpPr>
-          <p:cNvPr id="294" name="Google Shape;294;p45"/>
+          <p:cNvPr id="295" name="Google Shape;295;p45"/>
           <p:cNvSpPr txBox="1"/>
           <p:nvPr/>
         </p:nvSpPr>
@@ -19396,7 +19396,7 @@
   <p:cSld>
     <p:spTree>
       <p:nvGrpSpPr>
-        <p:cNvPr id="298" name="Shape 298"/>
+        <p:cNvPr id="299" name="Shape 299"/>
         <p:cNvGrpSpPr/>
         <p:nvPr/>
       </p:nvGrpSpPr>
@@ -19410,7 +19410,7 @@
       </p:grpSpPr>
       <p:sp>
         <p:nvSpPr>
-          <p:cNvPr id="299" name="Google Shape;299;p46"/>
+          <p:cNvPr id="300" name="Google Shape;300;p46"/>
           <p:cNvSpPr txBox="1"/>
           <p:nvPr>
             <p:ph type="title"/>
@@ -19450,7 +19450,7 @@
       </p:sp>
       <p:sp>
         <p:nvSpPr>
-          <p:cNvPr id="300" name="Google Shape;300;p46"/>
+          <p:cNvPr id="301" name="Google Shape;301;p46"/>
           <p:cNvSpPr txBox="1"/>
           <p:nvPr>
             <p:ph idx="12" type="sldNum"/>
@@ -19458,8 +19458,8 @@
         </p:nvSpPr>
         <p:spPr>
           <a:xfrm>
-            <a:off x="7315202" y="4416550"/>
-            <a:ext cx="1828800" cy="731400"/>
+            <a:off x="7315209" y="4229101"/>
+            <a:ext cx="1828800" cy="914400"/>
           </a:xfrm>
           <a:prstGeom prst="rect">
             <a:avLst/>
@@ -19497,33 +19497,25 @@
               <a:buNone/>
             </a:pPr>
             <a:r>
-              <a:rPr b="0" lang="en" sz="900" u="sng">
+              <a:rPr b="0" lang="en" sz="1000" u="sng">
                 <a:solidFill>
                   <a:schemeClr val="hlink"/>
                 </a:solidFill>
                 <a:hlinkClick r:id="rId3"/>
               </a:rPr>
-              <a:t>https://profriehle.com</a:t>
-            </a:r>
-            <a:r>
-              <a:rPr b="0" lang="en" sz="900">
-                <a:solidFill>
-                  <a:schemeClr val="dk2"/>
-                </a:solidFill>
-              </a:rPr>
+              <a:t>uni1.de/nyt</a:t>
+            </a:r>
+            <a:r>
+              <a:rPr b="0" lang="en" sz="1000"/>
               <a:t> </a:t>
             </a:r>
-            <a:endParaRPr b="0" sz="900">
-              <a:solidFill>
-                <a:schemeClr val="dk2"/>
-              </a:solidFill>
-            </a:endParaRPr>
+            <a:endParaRPr b="0" sz="1000"/>
           </a:p>
         </p:txBody>
       </p:sp>
       <p:graphicFrame>
         <p:nvGraphicFramePr>
-          <p:cNvPr id="301" name="Google Shape;301;p46"/>
+          <p:cNvPr id="302" name="Google Shape;302;p46"/>
           <p:cNvGraphicFramePr/>
           <p:nvPr/>
         </p:nvGraphicFramePr>
@@ -19536,7 +19528,7 @@
             <a:tbl>
               <a:tblPr>
                 <a:noFill/>
-                <a:tableStyleId>{4F22AAF4-E735-4677-BB34-25438FD8A85E}</a:tableStyleId>
+                <a:tableStyleId>{AA5F0BC7-8457-4731-B0F8-82A01F95BB3F}</a:tableStyleId>
               </a:tblPr>
               <a:tblGrid>
                 <a:gridCol w="1284625"/>
@@ -20959,7 +20951,7 @@
   <p:cSld>
     <p:spTree>
       <p:nvGrpSpPr>
-        <p:cNvPr id="53" name="Shape 53"/>
+        <p:cNvPr id="54" name="Shape 54"/>
         <p:cNvGrpSpPr/>
         <p:nvPr/>
       </p:nvGrpSpPr>
@@ -20973,7 +20965,7 @@
       </p:grpSpPr>
       <p:sp>
         <p:nvSpPr>
-          <p:cNvPr id="54" name="Google Shape;54;p11"/>
+          <p:cNvPr id="55" name="Google Shape;55;p11"/>
           <p:cNvSpPr txBox="1"/>
           <p:nvPr>
             <p:ph type="title"/>
@@ -21017,7 +21009,72 @@
       </p:sp>
       <p:sp>
         <p:nvSpPr>
-          <p:cNvPr id="55" name="Google Shape;55;p11"/>
+          <p:cNvPr id="56" name="Google Shape;56;p11"/>
+          <p:cNvSpPr txBox="1"/>
+          <p:nvPr>
+            <p:ph idx="12" type="sldNum"/>
+          </p:nvPr>
+        </p:nvSpPr>
+        <p:spPr>
+          <a:xfrm>
+            <a:off x="7315209" y="4229101"/>
+            <a:ext cx="1828800" cy="914400"/>
+          </a:xfrm>
+          <a:prstGeom prst="rect">
+            <a:avLst/>
+          </a:prstGeom>
+        </p:spPr>
+        <p:txBody>
+          <a:bodyPr anchorCtr="0" anchor="b" bIns="91425" lIns="91425" spcFirstLastPara="1" rIns="91425" wrap="square" tIns="91425">
+            <a:noAutofit/>
+          </a:bodyPr>
+          <a:lstStyle/>
+          <a:p>
+            <a:pPr indent="0" lvl="0" marL="0" rtl="0" algn="r">
+              <a:spcBef>
+                <a:spcPts val="0"/>
+              </a:spcBef>
+              <a:spcAft>
+                <a:spcPts val="0"/>
+              </a:spcAft>
+              <a:buNone/>
+            </a:pPr>
+            <a:fld id="{00000000-1234-1234-1234-123412341234}" type="slidenum">
+              <a:rPr lang="en"/>
+              <a:t>‹#›</a:t>
+            </a:fld>
+            <a:endParaRPr/>
+          </a:p>
+          <a:p>
+            <a:pPr indent="0" lvl="0" marL="0" rtl="0" algn="r">
+              <a:spcBef>
+                <a:spcPts val="0"/>
+              </a:spcBef>
+              <a:spcAft>
+                <a:spcPts val="0"/>
+              </a:spcAft>
+              <a:buNone/>
+            </a:pPr>
+            <a:r>
+              <a:rPr b="0" lang="en" sz="1000" u="sng">
+                <a:solidFill>
+                  <a:schemeClr val="hlink"/>
+                </a:solidFill>
+                <a:hlinkClick r:id="rId3"/>
+              </a:rPr>
+              <a:t>uni1.de/nyt</a:t>
+            </a:r>
+            <a:r>
+              <a:rPr b="0" lang="en" sz="1000"/>
+              <a:t> </a:t>
+            </a:r>
+            <a:endParaRPr b="0" sz="1000"/>
+          </a:p>
+        </p:txBody>
+      </p:sp>
+      <p:sp>
+        <p:nvSpPr>
+          <p:cNvPr id="57" name="Google Shape;57;p11"/>
           <p:cNvSpPr txBox="1"/>
           <p:nvPr>
             <p:ph idx="1" type="body"/>
@@ -21049,7 +21106,15 @@
             </a:pPr>
             <a:r>
               <a:rPr lang="en"/>
-              <a:t>A “case” is</a:t>
+              <a:t>A </a:t>
+            </a:r>
+            <a:r>
+              <a:rPr b="1" lang="en"/>
+              <a:t>case</a:t>
+            </a:r>
+            <a:r>
+              <a:rPr lang="en"/>
+              <a:t> is</a:t>
             </a:r>
             <a:endParaRPr/>
           </a:p>
@@ -21082,7 +21147,15 @@
             </a:pPr>
             <a:r>
               <a:rPr lang="en"/>
-              <a:t>A case study is</a:t>
+              <a:t>A </a:t>
+            </a:r>
+            <a:r>
+              <a:rPr b="1" lang="en"/>
+              <a:t>case study</a:t>
+            </a:r>
+            <a:r>
+              <a:rPr lang="en"/>
+              <a:t> is</a:t>
             </a:r>
             <a:endParaRPr/>
           </a:p>
@@ -21118,8 +21191,12 @@
               <a:buNone/>
             </a:pPr>
             <a:r>
-              <a:rPr lang="en"/>
-              <a:t>Case study research is</a:t>
+              <a:rPr b="1" lang="en"/>
+              <a:t>Case study research</a:t>
+            </a:r>
+            <a:r>
+              <a:rPr lang="en"/>
+              <a:t> is</a:t>
             </a:r>
             <a:endParaRPr/>
           </a:p>
@@ -21139,79 +21216,6 @@
               <a:t>Theory building using case studies</a:t>
             </a:r>
             <a:endParaRPr/>
-          </a:p>
-        </p:txBody>
-      </p:sp>
-      <p:sp>
-        <p:nvSpPr>
-          <p:cNvPr id="56" name="Google Shape;56;p11"/>
-          <p:cNvSpPr txBox="1"/>
-          <p:nvPr>
-            <p:ph idx="12" type="sldNum"/>
-          </p:nvPr>
-        </p:nvSpPr>
-        <p:spPr>
-          <a:xfrm>
-            <a:off x="7315202" y="4416550"/>
-            <a:ext cx="1828800" cy="731400"/>
-          </a:xfrm>
-          <a:prstGeom prst="rect">
-            <a:avLst/>
-          </a:prstGeom>
-        </p:spPr>
-        <p:txBody>
-          <a:bodyPr anchorCtr="0" anchor="b" bIns="91425" lIns="91425" spcFirstLastPara="1" rIns="91425" wrap="square" tIns="91425">
-            <a:noAutofit/>
-          </a:bodyPr>
-          <a:lstStyle/>
-          <a:p>
-            <a:pPr indent="0" lvl="0" marL="0" rtl="0" algn="r">
-              <a:spcBef>
-                <a:spcPts val="0"/>
-              </a:spcBef>
-              <a:spcAft>
-                <a:spcPts val="0"/>
-              </a:spcAft>
-              <a:buNone/>
-            </a:pPr>
-            <a:fld id="{00000000-1234-1234-1234-123412341234}" type="slidenum">
-              <a:rPr lang="en"/>
-              <a:t>‹#›</a:t>
-            </a:fld>
-            <a:endParaRPr/>
-          </a:p>
-          <a:p>
-            <a:pPr indent="0" lvl="0" marL="0" rtl="0" algn="r">
-              <a:spcBef>
-                <a:spcPts val="0"/>
-              </a:spcBef>
-              <a:spcAft>
-                <a:spcPts val="0"/>
-              </a:spcAft>
-              <a:buNone/>
-            </a:pPr>
-            <a:r>
-              <a:rPr b="0" lang="en" sz="900" u="sng">
-                <a:solidFill>
-                  <a:schemeClr val="hlink"/>
-                </a:solidFill>
-                <a:hlinkClick r:id="rId3"/>
-              </a:rPr>
-              <a:t>https://profriehle.com</a:t>
-            </a:r>
-            <a:r>
-              <a:rPr b="0" lang="en" sz="900">
-                <a:solidFill>
-                  <a:schemeClr val="dk2"/>
-                </a:solidFill>
-              </a:rPr>
-              <a:t> </a:t>
-            </a:r>
-            <a:endParaRPr b="0" sz="900">
-              <a:solidFill>
-                <a:schemeClr val="dk2"/>
-              </a:solidFill>
-            </a:endParaRPr>
           </a:p>
         </p:txBody>
       </p:sp>
@@ -21228,7 +21232,7 @@
   <p:cSld>
     <p:spTree>
       <p:nvGrpSpPr>
-        <p:cNvPr id="305" name="Shape 305"/>
+        <p:cNvPr id="306" name="Shape 306"/>
         <p:cNvGrpSpPr/>
         <p:nvPr/>
       </p:nvGrpSpPr>
@@ -21242,7 +21246,7 @@
       </p:grpSpPr>
       <p:sp>
         <p:nvSpPr>
-          <p:cNvPr id="306" name="Google Shape;306;p47"/>
+          <p:cNvPr id="307" name="Google Shape;307;p47"/>
           <p:cNvSpPr txBox="1"/>
           <p:nvPr>
             <p:ph type="title"/>
@@ -21293,7 +21297,7 @@
   <p:cSld>
     <p:spTree>
       <p:nvGrpSpPr>
-        <p:cNvPr id="310" name="Shape 310"/>
+        <p:cNvPr id="311" name="Shape 311"/>
         <p:cNvGrpSpPr/>
         <p:nvPr/>
       </p:nvGrpSpPr>
@@ -21307,7 +21311,7 @@
       </p:grpSpPr>
       <p:sp>
         <p:nvSpPr>
-          <p:cNvPr id="311" name="Google Shape;311;p48"/>
+          <p:cNvPr id="312" name="Google Shape;312;p48"/>
           <p:cNvSpPr txBox="1"/>
           <p:nvPr>
             <p:ph type="title"/>
@@ -21347,7 +21351,7 @@
       </p:sp>
       <p:sp>
         <p:nvSpPr>
-          <p:cNvPr id="312" name="Google Shape;312;p48"/>
+          <p:cNvPr id="313" name="Google Shape;313;p48"/>
           <p:cNvSpPr txBox="1"/>
           <p:nvPr>
             <p:ph idx="1" type="body"/>
@@ -21524,7 +21528,7 @@
       </p:sp>
       <p:sp>
         <p:nvSpPr>
-          <p:cNvPr id="313" name="Google Shape;313;p48"/>
+          <p:cNvPr id="314" name="Google Shape;314;p48"/>
           <p:cNvSpPr txBox="1"/>
           <p:nvPr>
             <p:ph idx="12" type="sldNum"/>
@@ -21532,8 +21536,8 @@
         </p:nvSpPr>
         <p:spPr>
           <a:xfrm>
-            <a:off x="7315202" y="4416550"/>
-            <a:ext cx="1828800" cy="731400"/>
+            <a:off x="7315209" y="4229101"/>
+            <a:ext cx="1828800" cy="914400"/>
           </a:xfrm>
           <a:prstGeom prst="rect">
             <a:avLst/>
@@ -21571,33 +21575,25 @@
               <a:buNone/>
             </a:pPr>
             <a:r>
-              <a:rPr b="0" lang="en" sz="900" u="sng">
+              <a:rPr b="0" lang="en" sz="1000" u="sng">
                 <a:solidFill>
                   <a:schemeClr val="hlink"/>
                 </a:solidFill>
                 <a:hlinkClick r:id="rId3"/>
               </a:rPr>
-              <a:t>https://profriehle.com</a:t>
-            </a:r>
-            <a:r>
-              <a:rPr b="0" lang="en" sz="900">
-                <a:solidFill>
-                  <a:schemeClr val="dk2"/>
-                </a:solidFill>
-              </a:rPr>
+              <a:t>uni1.de/nyt</a:t>
+            </a:r>
+            <a:r>
+              <a:rPr b="0" lang="en" sz="1000"/>
               <a:t> </a:t>
             </a:r>
-            <a:endParaRPr b="0" sz="900">
-              <a:solidFill>
-                <a:schemeClr val="dk2"/>
-              </a:solidFill>
-            </a:endParaRPr>
+            <a:endParaRPr b="0" sz="1000"/>
           </a:p>
         </p:txBody>
       </p:sp>
       <p:sp>
         <p:nvSpPr>
-          <p:cNvPr id="314" name="Google Shape;314;p48"/>
+          <p:cNvPr id="315" name="Google Shape;315;p48"/>
           <p:cNvSpPr txBox="1"/>
           <p:nvPr/>
         </p:nvSpPr>
@@ -21664,7 +21660,7 @@
   <p:cSld>
     <p:spTree>
       <p:nvGrpSpPr>
-        <p:cNvPr id="318" name="Shape 318"/>
+        <p:cNvPr id="319" name="Shape 319"/>
         <p:cNvGrpSpPr/>
         <p:nvPr/>
       </p:nvGrpSpPr>
@@ -21678,7 +21674,7 @@
       </p:grpSpPr>
       <p:sp>
         <p:nvSpPr>
-          <p:cNvPr id="319" name="Google Shape;319;p49"/>
+          <p:cNvPr id="320" name="Google Shape;320;p49"/>
           <p:cNvSpPr txBox="1"/>
           <p:nvPr>
             <p:ph type="title"/>
@@ -21718,7 +21714,7 @@
       </p:sp>
       <p:sp>
         <p:nvSpPr>
-          <p:cNvPr id="320" name="Google Shape;320;p49"/>
+          <p:cNvPr id="321" name="Google Shape;321;p49"/>
           <p:cNvSpPr txBox="1"/>
           <p:nvPr>
             <p:ph idx="1" type="body"/>
@@ -21757,7 +21753,7 @@
       </p:sp>
       <p:sp>
         <p:nvSpPr>
-          <p:cNvPr id="321" name="Google Shape;321;p49"/>
+          <p:cNvPr id="322" name="Google Shape;322;p49"/>
           <p:cNvSpPr txBox="1"/>
           <p:nvPr>
             <p:ph idx="12" type="sldNum"/>
@@ -21765,8 +21761,8 @@
         </p:nvSpPr>
         <p:spPr>
           <a:xfrm>
-            <a:off x="7315202" y="4416550"/>
-            <a:ext cx="1828800" cy="731400"/>
+            <a:off x="7315209" y="4229101"/>
+            <a:ext cx="1828800" cy="914400"/>
           </a:xfrm>
           <a:prstGeom prst="rect">
             <a:avLst/>
@@ -21804,27 +21800,19 @@
               <a:buNone/>
             </a:pPr>
             <a:r>
-              <a:rPr b="0" lang="en" sz="900" u="sng">
+              <a:rPr b="0" lang="en" sz="1000" u="sng">
                 <a:solidFill>
                   <a:schemeClr val="hlink"/>
                 </a:solidFill>
                 <a:hlinkClick r:id="rId3"/>
               </a:rPr>
-              <a:t>https://profriehle.com</a:t>
-            </a:r>
-            <a:r>
-              <a:rPr b="0" lang="en" sz="900">
-                <a:solidFill>
-                  <a:schemeClr val="dk2"/>
-                </a:solidFill>
-              </a:rPr>
+              <a:t>uni1.de/nyt</a:t>
+            </a:r>
+            <a:r>
+              <a:rPr b="0" lang="en" sz="1000"/>
               <a:t> </a:t>
             </a:r>
-            <a:endParaRPr b="0" sz="900">
-              <a:solidFill>
-                <a:schemeClr val="dk2"/>
-              </a:solidFill>
-            </a:endParaRPr>
+            <a:endParaRPr b="0" sz="1000"/>
           </a:p>
         </p:txBody>
       </p:sp>
@@ -21841,7 +21829,7 @@
   <p:cSld>
     <p:spTree>
       <p:nvGrpSpPr>
-        <p:cNvPr id="325" name="Shape 325"/>
+        <p:cNvPr id="326" name="Shape 326"/>
         <p:cNvGrpSpPr/>
         <p:nvPr/>
       </p:nvGrpSpPr>
@@ -21855,7 +21843,165 @@
       </p:grpSpPr>
       <p:sp>
         <p:nvSpPr>
-          <p:cNvPr id="326" name="Google Shape;326;p50"/>
+          <p:cNvPr id="327" name="Google Shape;327;p50"/>
+          <p:cNvSpPr txBox="1"/>
+          <p:nvPr>
+            <p:ph type="title"/>
+          </p:nvPr>
+        </p:nvSpPr>
+        <p:spPr>
+          <a:xfrm>
+            <a:off x="0" y="0"/>
+            <a:ext cx="9144000" cy="685800"/>
+          </a:xfrm>
+          <a:prstGeom prst="rect">
+            <a:avLst/>
+          </a:prstGeom>
+        </p:spPr>
+        <p:txBody>
+          <a:bodyPr anchorCtr="0" anchor="ctr" bIns="91425" lIns="274300" spcFirstLastPara="1" rIns="91425" wrap="square" tIns="91425">
+            <a:noAutofit/>
+          </a:bodyPr>
+          <a:lstStyle/>
+          <a:p>
+            <a:pPr indent="0" lvl="0" marL="0" rtl="0" algn="l">
+              <a:spcBef>
+                <a:spcPts val="0"/>
+              </a:spcBef>
+              <a:spcAft>
+                <a:spcPts val="0"/>
+              </a:spcAft>
+              <a:buNone/>
+            </a:pPr>
+            <a:r>
+              <a:rPr lang="en"/>
+              <a:t>Research Methodologies in Comparison</a:t>
+            </a:r>
+            <a:endParaRPr/>
+          </a:p>
+        </p:txBody>
+      </p:sp>
+      <p:sp>
+        <p:nvSpPr>
+          <p:cNvPr id="328" name="Google Shape;328;p50"/>
+          <p:cNvSpPr txBox="1"/>
+          <p:nvPr>
+            <p:ph idx="12" type="sldNum"/>
+          </p:nvPr>
+        </p:nvSpPr>
+        <p:spPr>
+          <a:xfrm>
+            <a:off x="7315209" y="4229101"/>
+            <a:ext cx="1828800" cy="914400"/>
+          </a:xfrm>
+          <a:prstGeom prst="rect">
+            <a:avLst/>
+          </a:prstGeom>
+        </p:spPr>
+        <p:txBody>
+          <a:bodyPr anchorCtr="0" anchor="b" bIns="91425" lIns="91425" spcFirstLastPara="1" rIns="91425" wrap="square" tIns="91425">
+            <a:noAutofit/>
+          </a:bodyPr>
+          <a:lstStyle/>
+          <a:p>
+            <a:pPr indent="0" lvl="0" marL="0" rtl="0" algn="r">
+              <a:spcBef>
+                <a:spcPts val="0"/>
+              </a:spcBef>
+              <a:spcAft>
+                <a:spcPts val="0"/>
+              </a:spcAft>
+              <a:buNone/>
+            </a:pPr>
+            <a:fld id="{00000000-1234-1234-1234-123412341234}" type="slidenum">
+              <a:rPr lang="en"/>
+              <a:t>‹#›</a:t>
+            </a:fld>
+            <a:endParaRPr/>
+          </a:p>
+          <a:p>
+            <a:pPr indent="0" lvl="0" marL="0" rtl="0" algn="r">
+              <a:spcBef>
+                <a:spcPts val="0"/>
+              </a:spcBef>
+              <a:spcAft>
+                <a:spcPts val="0"/>
+              </a:spcAft>
+              <a:buNone/>
+            </a:pPr>
+            <a:r>
+              <a:rPr b="0" lang="en" sz="1000" u="sng">
+                <a:solidFill>
+                  <a:schemeClr val="hlink"/>
+                </a:solidFill>
+                <a:hlinkClick r:id="rId3"/>
+              </a:rPr>
+              <a:t>uni1.de/nyt</a:t>
+            </a:r>
+            <a:r>
+              <a:rPr b="0" lang="en" sz="1000"/>
+              <a:t> </a:t>
+            </a:r>
+            <a:endParaRPr b="0" sz="1000"/>
+          </a:p>
+        </p:txBody>
+      </p:sp>
+      <p:pic>
+        <p:nvPicPr>
+          <p:cNvPr id="329" name="Google Shape;329;p50"/>
+          <p:cNvPicPr preferRelativeResize="0"/>
+          <p:nvPr/>
+        </p:nvPicPr>
+        <p:blipFill>
+          <a:blip r:embed="rId4">
+            <a:alphaModFix/>
+          </a:blip>
+          <a:stretch>
+            <a:fillRect/>
+          </a:stretch>
+        </p:blipFill>
+        <p:spPr>
+          <a:xfrm>
+            <a:off x="274320" y="914400"/>
+            <a:ext cx="8595360" cy="3502840"/>
+          </a:xfrm>
+          <a:prstGeom prst="rect">
+            <a:avLst/>
+          </a:prstGeom>
+          <a:noFill/>
+          <a:ln>
+            <a:noFill/>
+          </a:ln>
+        </p:spPr>
+      </p:pic>
+    </p:spTree>
+  </p:cSld>
+  <p:clrMapOvr>
+    <a:masterClrMapping/>
+  </p:clrMapOvr>
+</p:sld>
+</file>
+
+<file path=ppt/slides/slide44.xml><?xml version="1.0" encoding="utf-8"?>
+<p:sld xmlns:a="http://schemas.openxmlformats.org/drawingml/2006/main" xmlns:r="http://schemas.openxmlformats.org/officeDocument/2006/relationships" xmlns:mc="http://schemas.openxmlformats.org/markup-compatibility/2006" xmlns:mv="urn:schemas-microsoft-com:mac:vml" xmlns:p="http://schemas.openxmlformats.org/presentationml/2006/main" xmlns:c="http://schemas.openxmlformats.org/drawingml/2006/chart" xmlns:dgm="http://schemas.openxmlformats.org/drawingml/2006/diagram" xmlns:o="urn:schemas-microsoft-com:office:office" xmlns:v="urn:schemas-microsoft-com:vml" xmlns:pvml="urn:schemas-microsoft-com:office:powerpoint" xmlns:com="http://schemas.openxmlformats.org/drawingml/2006/compatibility" xmlns:p14="http://schemas.microsoft.com/office/powerpoint/2010/main" xmlns:p15="http://schemas.microsoft.com/office/powerpoint/2012/main" xmlns:ahyp="http://schemas.microsoft.com/office/drawing/2018/hyperlinkcolor">
+  <p:cSld>
+    <p:spTree>
+      <p:nvGrpSpPr>
+        <p:cNvPr id="333" name="Shape 333"/>
+        <p:cNvGrpSpPr/>
+        <p:nvPr/>
+      </p:nvGrpSpPr>
+      <p:grpSpPr>
+        <a:xfrm>
+          <a:off x="0" y="0"/>
+          <a:ext cx="0" cy="0"/>
+          <a:chOff x="0" y="0"/>
+          <a:chExt cx="0" cy="0"/>
+        </a:xfrm>
+      </p:grpSpPr>
+      <p:sp>
+        <p:nvSpPr>
+          <p:cNvPr id="334" name="Google Shape;334;p51"/>
           <p:cNvSpPr txBox="1"/>
           <p:nvPr>
             <p:ph type="ctrTitle"/>
@@ -21895,7 +22041,7 @@
       </p:sp>
       <p:sp>
         <p:nvSpPr>
-          <p:cNvPr id="327" name="Google Shape;327;p50"/>
+          <p:cNvPr id="335" name="Google Shape;335;p51"/>
           <p:cNvSpPr txBox="1"/>
           <p:nvPr>
             <p:ph idx="1" type="subTitle"/>
@@ -22020,12 +22166,12 @@
 </p:sld>
 </file>
 
-<file path=ppt/slides/slide44.xml><?xml version="1.0" encoding="utf-8"?>
+<file path=ppt/slides/slide45.xml><?xml version="1.0" encoding="utf-8"?>
 <p:sld xmlns:a="http://schemas.openxmlformats.org/drawingml/2006/main" xmlns:r="http://schemas.openxmlformats.org/officeDocument/2006/relationships" xmlns:mc="http://schemas.openxmlformats.org/markup-compatibility/2006" xmlns:mv="urn:schemas-microsoft-com:mac:vml" xmlns:p="http://schemas.openxmlformats.org/presentationml/2006/main" xmlns:c="http://schemas.openxmlformats.org/drawingml/2006/chart" xmlns:dgm="http://schemas.openxmlformats.org/drawingml/2006/diagram" xmlns:o="urn:schemas-microsoft-com:office:office" xmlns:v="urn:schemas-microsoft-com:vml" xmlns:pvml="urn:schemas-microsoft-com:office:powerpoint" xmlns:com="http://schemas.openxmlformats.org/drawingml/2006/compatibility" xmlns:p14="http://schemas.microsoft.com/office/powerpoint/2010/main" xmlns:p15="http://schemas.microsoft.com/office/powerpoint/2012/main" xmlns:ahyp="http://schemas.microsoft.com/office/drawing/2018/hyperlinkcolor">
   <p:cSld>
     <p:spTree>
       <p:nvGrpSpPr>
-        <p:cNvPr id="331" name="Shape 331"/>
+        <p:cNvPr id="339" name="Shape 339"/>
         <p:cNvGrpSpPr/>
         <p:nvPr/>
       </p:nvGrpSpPr>
@@ -22039,7 +22185,7 @@
       </p:grpSpPr>
       <p:sp>
         <p:nvSpPr>
-          <p:cNvPr id="332" name="Google Shape;332;p51"/>
+          <p:cNvPr id="340" name="Google Shape;340;p52"/>
           <p:cNvSpPr txBox="1"/>
           <p:nvPr>
             <p:ph type="title"/>
@@ -22079,7 +22225,7 @@
       </p:sp>
       <p:sp>
         <p:nvSpPr>
-          <p:cNvPr id="333" name="Google Shape;333;p51"/>
+          <p:cNvPr id="341" name="Google Shape;341;p52"/>
           <p:cNvSpPr txBox="1"/>
           <p:nvPr>
             <p:ph idx="12" type="sldNum"/>
@@ -22087,8 +22233,8 @@
         </p:nvSpPr>
         <p:spPr>
           <a:xfrm>
-            <a:off x="7315202" y="4416550"/>
-            <a:ext cx="1828800" cy="731400"/>
+            <a:off x="7315209" y="4229101"/>
+            <a:ext cx="1828800" cy="914400"/>
           </a:xfrm>
           <a:prstGeom prst="rect">
             <a:avLst/>
@@ -22152,7 +22298,7 @@
       </p:sp>
       <p:sp>
         <p:nvSpPr>
-          <p:cNvPr id="334" name="Google Shape;334;p51"/>
+          <p:cNvPr id="342" name="Google Shape;342;p52"/>
           <p:cNvSpPr txBox="1"/>
           <p:nvPr>
             <p:ph idx="1" type="body"/>
@@ -22281,7 +22427,7 @@
   <p:cSld>
     <p:spTree>
       <p:nvGrpSpPr>
-        <p:cNvPr id="60" name="Shape 60"/>
+        <p:cNvPr id="61" name="Shape 61"/>
         <p:cNvGrpSpPr/>
         <p:nvPr/>
       </p:nvGrpSpPr>
@@ -22295,7 +22441,7 @@
       </p:grpSpPr>
       <p:sp>
         <p:nvSpPr>
-          <p:cNvPr id="61" name="Google Shape;61;p12"/>
+          <p:cNvPr id="62" name="Google Shape;62;p12"/>
           <p:cNvSpPr txBox="1"/>
           <p:nvPr>
             <p:ph idx="1" type="body"/>
@@ -22424,7 +22570,7 @@
       </p:sp>
       <p:sp>
         <p:nvSpPr>
-          <p:cNvPr id="62" name="Google Shape;62;p12"/>
+          <p:cNvPr id="63" name="Google Shape;63;p12"/>
           <p:cNvSpPr txBox="1"/>
           <p:nvPr>
             <p:ph type="title"/>
@@ -22464,7 +22610,7 @@
       </p:sp>
       <p:sp>
         <p:nvSpPr>
-          <p:cNvPr id="63" name="Google Shape;63;p12"/>
+          <p:cNvPr id="64" name="Google Shape;64;p12"/>
           <p:cNvSpPr txBox="1"/>
           <p:nvPr>
             <p:ph idx="12" type="sldNum"/>
@@ -22472,8 +22618,8 @@
         </p:nvSpPr>
         <p:spPr>
           <a:xfrm>
-            <a:off x="7315202" y="4416550"/>
-            <a:ext cx="1828800" cy="731400"/>
+            <a:off x="7315209" y="4229101"/>
+            <a:ext cx="1828800" cy="914400"/>
           </a:xfrm>
           <a:prstGeom prst="rect">
             <a:avLst/>
@@ -22511,27 +22657,19 @@
               <a:buNone/>
             </a:pPr>
             <a:r>
-              <a:rPr b="0" lang="en" sz="900" u="sng">
+              <a:rPr b="0" lang="en" sz="1000" u="sng">
                 <a:solidFill>
                   <a:schemeClr val="hlink"/>
                 </a:solidFill>
                 <a:hlinkClick r:id="rId3"/>
               </a:rPr>
-              <a:t>https://profriehle.com</a:t>
-            </a:r>
-            <a:r>
-              <a:rPr b="0" lang="en" sz="900">
-                <a:solidFill>
-                  <a:schemeClr val="dk2"/>
-                </a:solidFill>
-              </a:rPr>
+              <a:t>uni1.de/nyt</a:t>
+            </a:r>
+            <a:r>
+              <a:rPr b="0" lang="en" sz="1000"/>
               <a:t> </a:t>
             </a:r>
-            <a:endParaRPr b="0" sz="900">
-              <a:solidFill>
-                <a:schemeClr val="dk2"/>
-              </a:solidFill>
-            </a:endParaRPr>
+            <a:endParaRPr b="0" sz="1000"/>
           </a:p>
         </p:txBody>
       </p:sp>
@@ -22548,7 +22686,7 @@
   <p:cSld>
     <p:spTree>
       <p:nvGrpSpPr>
-        <p:cNvPr id="67" name="Shape 67"/>
+        <p:cNvPr id="68" name="Shape 68"/>
         <p:cNvGrpSpPr/>
         <p:nvPr/>
       </p:nvGrpSpPr>
@@ -22562,7 +22700,7 @@
       </p:grpSpPr>
       <p:sp>
         <p:nvSpPr>
-          <p:cNvPr id="68" name="Google Shape;68;p13"/>
+          <p:cNvPr id="69" name="Google Shape;69;p13"/>
           <p:cNvSpPr txBox="1"/>
           <p:nvPr>
             <p:ph type="title"/>
@@ -22602,7 +22740,7 @@
       </p:sp>
       <p:sp>
         <p:nvSpPr>
-          <p:cNvPr id="69" name="Google Shape;69;p13"/>
+          <p:cNvPr id="70" name="Google Shape;70;p13"/>
           <p:cNvSpPr txBox="1"/>
           <p:nvPr>
             <p:ph idx="12" type="sldNum"/>
@@ -22610,8 +22748,8 @@
         </p:nvSpPr>
         <p:spPr>
           <a:xfrm>
-            <a:off x="7315202" y="4416550"/>
-            <a:ext cx="1828800" cy="731400"/>
+            <a:off x="7315209" y="4229101"/>
+            <a:ext cx="1828800" cy="914400"/>
           </a:xfrm>
           <a:prstGeom prst="rect">
             <a:avLst/>
@@ -22649,33 +22787,25 @@
               <a:buNone/>
             </a:pPr>
             <a:r>
-              <a:rPr b="0" lang="en" sz="900" u="sng">
+              <a:rPr b="0" lang="en" sz="1000" u="sng">
                 <a:solidFill>
                   <a:schemeClr val="hlink"/>
                 </a:solidFill>
                 <a:hlinkClick r:id="rId3"/>
               </a:rPr>
-              <a:t>https://profriehle.com</a:t>
-            </a:r>
-            <a:r>
-              <a:rPr b="0" lang="en" sz="900">
-                <a:solidFill>
-                  <a:schemeClr val="dk2"/>
-                </a:solidFill>
-              </a:rPr>
+              <a:t>uni1.de/nyt</a:t>
+            </a:r>
+            <a:r>
+              <a:rPr b="0" lang="en" sz="1000"/>
               <a:t> </a:t>
             </a:r>
-            <a:endParaRPr b="0" sz="900">
-              <a:solidFill>
-                <a:schemeClr val="dk2"/>
-              </a:solidFill>
-            </a:endParaRPr>
+            <a:endParaRPr b="0" sz="1000"/>
           </a:p>
         </p:txBody>
       </p:sp>
       <p:sp>
         <p:nvSpPr>
-          <p:cNvPr id="70" name="Google Shape;70;p13"/>
+          <p:cNvPr id="71" name="Google Shape;71;p13"/>
           <p:cNvSpPr txBox="1"/>
           <p:nvPr>
             <p:ph idx="1" type="body"/>
@@ -22851,7 +22981,7 @@
       </p:sp>
       <p:pic>
         <p:nvPicPr>
-          <p:cNvPr id="71" name="Google Shape;71;p13"/>
+          <p:cNvPr id="72" name="Google Shape;72;p13"/>
           <p:cNvPicPr preferRelativeResize="0"/>
           <p:nvPr/>
         </p:nvPicPr>
@@ -22890,7 +23020,7 @@
   <p:cSld>
     <p:spTree>
       <p:nvGrpSpPr>
-        <p:cNvPr id="75" name="Shape 75"/>
+        <p:cNvPr id="76" name="Shape 76"/>
         <p:cNvGrpSpPr/>
         <p:nvPr/>
       </p:nvGrpSpPr>
@@ -22904,7 +23034,7 @@
       </p:grpSpPr>
       <p:sp>
         <p:nvSpPr>
-          <p:cNvPr id="76" name="Google Shape;76;p14"/>
+          <p:cNvPr id="77" name="Google Shape;77;p14"/>
           <p:cNvSpPr txBox="1"/>
           <p:nvPr>
             <p:ph type="title"/>
@@ -22944,7 +23074,7 @@
       </p:sp>
       <p:sp>
         <p:nvSpPr>
-          <p:cNvPr id="77" name="Google Shape;77;p14"/>
+          <p:cNvPr id="78" name="Google Shape;78;p14"/>
           <p:cNvSpPr txBox="1"/>
           <p:nvPr>
             <p:ph idx="1" type="body"/>
@@ -23049,7 +23179,7 @@
       </p:sp>
       <p:sp>
         <p:nvSpPr>
-          <p:cNvPr id="78" name="Google Shape;78;p14"/>
+          <p:cNvPr id="79" name="Google Shape;79;p14"/>
           <p:cNvSpPr txBox="1"/>
           <p:nvPr>
             <p:ph idx="12" type="sldNum"/>
@@ -23057,8 +23187,8 @@
         </p:nvSpPr>
         <p:spPr>
           <a:xfrm>
-            <a:off x="7315202" y="4416550"/>
-            <a:ext cx="1828800" cy="731400"/>
+            <a:off x="7315209" y="4229101"/>
+            <a:ext cx="1828800" cy="914400"/>
           </a:xfrm>
           <a:prstGeom prst="rect">
             <a:avLst/>
@@ -23096,27 +23226,19 @@
               <a:buNone/>
             </a:pPr>
             <a:r>
-              <a:rPr b="0" lang="en" sz="900" u="sng">
+              <a:rPr b="0" lang="en" sz="1000" u="sng">
                 <a:solidFill>
                   <a:schemeClr val="hlink"/>
                 </a:solidFill>
                 <a:hlinkClick r:id="rId3"/>
               </a:rPr>
-              <a:t>https://profriehle.com</a:t>
-            </a:r>
-            <a:r>
-              <a:rPr b="0" lang="en" sz="900">
-                <a:solidFill>
-                  <a:schemeClr val="dk2"/>
-                </a:solidFill>
-              </a:rPr>
+              <a:t>uni1.de/nyt</a:t>
+            </a:r>
+            <a:r>
+              <a:rPr b="0" lang="en" sz="1000"/>
               <a:t> </a:t>
             </a:r>
-            <a:endParaRPr b="0" sz="900">
-              <a:solidFill>
-                <a:schemeClr val="dk2"/>
-              </a:solidFill>
-            </a:endParaRPr>
+            <a:endParaRPr b="0" sz="1000"/>
           </a:p>
         </p:txBody>
       </p:sp>
@@ -23133,7 +23255,7 @@
   <p:cSld>
     <p:spTree>
       <p:nvGrpSpPr>
-        <p:cNvPr id="82" name="Shape 82"/>
+        <p:cNvPr id="83" name="Shape 83"/>
         <p:cNvGrpSpPr/>
         <p:nvPr/>
       </p:nvGrpSpPr>
@@ -23147,7 +23269,7 @@
       </p:grpSpPr>
       <p:sp>
         <p:nvSpPr>
-          <p:cNvPr id="83" name="Google Shape;83;p15"/>
+          <p:cNvPr id="84" name="Google Shape;84;p15"/>
           <p:cNvSpPr txBox="1"/>
           <p:nvPr>
             <p:ph type="title"/>
@@ -23187,7 +23309,7 @@
       </p:sp>
       <p:sp>
         <p:nvSpPr>
-          <p:cNvPr id="84" name="Google Shape;84;p15"/>
+          <p:cNvPr id="85" name="Google Shape;85;p15"/>
           <p:cNvSpPr txBox="1"/>
           <p:nvPr>
             <p:ph idx="12" type="sldNum"/>
@@ -23195,8 +23317,8 @@
         </p:nvSpPr>
         <p:spPr>
           <a:xfrm>
-            <a:off x="7315202" y="4416550"/>
-            <a:ext cx="1828800" cy="731400"/>
+            <a:off x="7315209" y="4229101"/>
+            <a:ext cx="1828800" cy="914400"/>
           </a:xfrm>
           <a:prstGeom prst="rect">
             <a:avLst/>
@@ -23234,33 +23356,25 @@
               <a:buNone/>
             </a:pPr>
             <a:r>
-              <a:rPr b="0" lang="en" sz="900" u="sng">
+              <a:rPr b="0" lang="en" sz="1000" u="sng">
                 <a:solidFill>
                   <a:schemeClr val="hlink"/>
                 </a:solidFill>
                 <a:hlinkClick r:id="rId3"/>
               </a:rPr>
-              <a:t>https://profriehle.com</a:t>
-            </a:r>
-            <a:r>
-              <a:rPr b="0" lang="en" sz="900">
-                <a:solidFill>
-                  <a:schemeClr val="dk2"/>
-                </a:solidFill>
-              </a:rPr>
+              <a:t>uni1.de/nyt</a:t>
+            </a:r>
+            <a:r>
+              <a:rPr b="0" lang="en" sz="1000"/>
               <a:t> </a:t>
             </a:r>
-            <a:endParaRPr b="0" sz="900">
-              <a:solidFill>
-                <a:schemeClr val="dk2"/>
-              </a:solidFill>
-            </a:endParaRPr>
+            <a:endParaRPr b="0" sz="1000"/>
           </a:p>
         </p:txBody>
       </p:sp>
       <p:pic>
         <p:nvPicPr>
-          <p:cNvPr id="85" name="Google Shape;85;p15"/>
+          <p:cNvPr id="86" name="Google Shape;86;p15"/>
           <p:cNvPicPr preferRelativeResize="0"/>
           <p:nvPr/>
         </p:nvPicPr>
@@ -23299,7 +23413,7 @@
   <p:cSld>
     <p:spTree>
       <p:nvGrpSpPr>
-        <p:cNvPr id="89" name="Shape 89"/>
+        <p:cNvPr id="90" name="Shape 90"/>
         <p:cNvGrpSpPr/>
         <p:nvPr/>
       </p:nvGrpSpPr>
@@ -23313,7 +23427,7 @@
       </p:grpSpPr>
       <p:sp>
         <p:nvSpPr>
-          <p:cNvPr id="90" name="Google Shape;90;p16"/>
+          <p:cNvPr id="91" name="Google Shape;91;p16"/>
           <p:cNvSpPr txBox="1"/>
           <p:nvPr>
             <p:ph type="title"/>
@@ -23353,7 +23467,7 @@
       </p:sp>
       <p:sp>
         <p:nvSpPr>
-          <p:cNvPr id="91" name="Google Shape;91;p16"/>
+          <p:cNvPr id="92" name="Google Shape;92;p16"/>
           <p:cNvSpPr txBox="1"/>
           <p:nvPr>
             <p:ph idx="12" type="sldNum"/>
@@ -23361,8 +23475,8 @@
         </p:nvSpPr>
         <p:spPr>
           <a:xfrm>
-            <a:off x="7315202" y="4416550"/>
-            <a:ext cx="1828800" cy="731400"/>
+            <a:off x="7315209" y="4229101"/>
+            <a:ext cx="1828800" cy="914400"/>
           </a:xfrm>
           <a:prstGeom prst="rect">
             <a:avLst/>
@@ -23400,33 +23514,25 @@
               <a:buNone/>
             </a:pPr>
             <a:r>
-              <a:rPr b="0" lang="en" sz="900" u="sng">
+              <a:rPr b="0" lang="en" sz="1000" u="sng">
                 <a:solidFill>
                   <a:schemeClr val="hlink"/>
                 </a:solidFill>
                 <a:hlinkClick r:id="rId3"/>
               </a:rPr>
-              <a:t>https://profriehle.com</a:t>
-            </a:r>
-            <a:r>
-              <a:rPr b="0" lang="en" sz="900">
-                <a:solidFill>
-                  <a:schemeClr val="dk2"/>
-                </a:solidFill>
-              </a:rPr>
+              <a:t>uni1.de/nyt</a:t>
+            </a:r>
+            <a:r>
+              <a:rPr b="0" lang="en" sz="1000"/>
               <a:t> </a:t>
             </a:r>
-            <a:endParaRPr>
-              <a:solidFill>
-                <a:schemeClr val="dk2"/>
-              </a:solidFill>
-            </a:endParaRPr>
+            <a:endParaRPr b="0" sz="1000"/>
           </a:p>
         </p:txBody>
       </p:sp>
       <p:graphicFrame>
         <p:nvGraphicFramePr>
-          <p:cNvPr id="92" name="Google Shape;92;p16"/>
+          <p:cNvPr id="93" name="Google Shape;93;p16"/>
           <p:cNvGraphicFramePr/>
           <p:nvPr/>
         </p:nvGraphicFramePr>
@@ -23439,7 +23545,7 @@
             <a:tbl>
               <a:tblPr>
                 <a:noFill/>
-                <a:tableStyleId>{FEE66A2B-047E-4028-A083-8F2A6D07E032}</a:tableStyleId>
+                <a:tableStyleId>{D205206A-91D3-4836-911A-5ED280F946E9}</a:tableStyleId>
               </a:tblPr>
               <a:tblGrid>
                 <a:gridCol w="4297675"/>
